--- a/figure_new_chordal.pptx
+++ b/figure_new_chordal.pptx
@@ -5,12 +5,14 @@
     <p:sldMasterId id="2147483648" r:id="rId1"/>
   </p:sldMasterIdLst>
   <p:notesMasterIdLst>
-    <p:notesMasterId r:id="rId5"/>
+    <p:notesMasterId r:id="rId7"/>
   </p:notesMasterIdLst>
   <p:sldIdLst>
     <p:sldId id="257" r:id="rId2"/>
     <p:sldId id="258" r:id="rId3"/>
     <p:sldId id="259" r:id="rId4"/>
+    <p:sldId id="260" r:id="rId5"/>
+    <p:sldId id="261" r:id="rId6"/>
   </p:sldIdLst>
   <p:sldSz cx="12192000" cy="6858000"/>
   <p:notesSz cx="6858000" cy="9144000"/>
@@ -117,6 +119,10 @@
 </p:presentation>
 </file>
 
+<file path=ppt/revisionInfo.xml><?xml version="1.0" encoding="utf-8"?>
+<p1510:revInfo xmlns:a="http://schemas.openxmlformats.org/drawingml/2006/main" xmlns:r="http://schemas.openxmlformats.org/officeDocument/2006/relationships" xmlns:p1510="http://schemas.microsoft.com/office/powerpoint/2015/10/main"/>
+</file>
+
 <file path=ppt/notesMasters/notesMaster1.xml><?xml version="1.0" encoding="utf-8"?>
 <p:notesMaster xmlns:a="http://schemas.openxmlformats.org/drawingml/2006/main" xmlns:r="http://schemas.openxmlformats.org/officeDocument/2006/relationships" xmlns:p="http://schemas.openxmlformats.org/presentationml/2006/main">
   <p:cSld>
@@ -199,7 +205,7 @@
           <a:p>
             <a:fld id="{8767A459-8BB4-FC41-A768-5AD492530744}" type="datetimeFigureOut">
               <a:rPr lang="en-US" smtClean="0"/>
-              <a:t>9/14/17</a:t>
+              <a:t>11/25/2017</a:t>
             </a:fld>
             <a:endParaRPr lang="en-US"/>
           </a:p>
@@ -263,38 +269,37 @@
           <a:p>
             <a:pPr lvl="0"/>
             <a:r>
-              <a:rPr lang="en-US" smtClean="0"/>
+              <a:rPr lang="en-US"/>
               <a:t>Click to edit Master text styles</a:t>
             </a:r>
           </a:p>
           <a:p>
             <a:pPr lvl="1"/>
             <a:r>
-              <a:rPr lang="en-US" smtClean="0"/>
+              <a:rPr lang="en-US"/>
               <a:t>Second level</a:t>
             </a:r>
           </a:p>
           <a:p>
             <a:pPr lvl="2"/>
             <a:r>
-              <a:rPr lang="en-US" smtClean="0"/>
+              <a:rPr lang="en-US"/>
               <a:t>Third level</a:t>
             </a:r>
           </a:p>
           <a:p>
             <a:pPr lvl="3"/>
             <a:r>
-              <a:rPr lang="en-US" smtClean="0"/>
+              <a:rPr lang="en-US"/>
               <a:t>Fourth level</a:t>
             </a:r>
           </a:p>
           <a:p>
             <a:pPr lvl="4"/>
             <a:r>
-              <a:rPr lang="en-US" smtClean="0"/>
+              <a:rPr lang="en-US"/>
               <a:t>Fifth level</a:t>
             </a:r>
-            <a:endParaRPr lang="en-US"/>
           </a:p>
         </p:txBody>
       </p:sp>
@@ -509,10 +514,9 @@
           </a:lstStyle>
           <a:p>
             <a:r>
-              <a:rPr lang="en-US" smtClean="0"/>
+              <a:rPr lang="en-US"/>
               <a:t>Click to edit Master title style</a:t>
             </a:r>
-            <a:endParaRPr lang="en-US"/>
           </a:p>
         </p:txBody>
       </p:sp>
@@ -574,10 +578,9 @@
           </a:lstStyle>
           <a:p>
             <a:r>
-              <a:rPr lang="en-US" smtClean="0"/>
+              <a:rPr lang="en-US"/>
               <a:t>Click to edit Master subtitle style</a:t>
             </a:r>
-            <a:endParaRPr lang="en-US"/>
           </a:p>
         </p:txBody>
       </p:sp>
@@ -598,7 +601,7 @@
           <a:p>
             <a:fld id="{9DE0252D-DC7F-CA4F-A004-7E087F19ABCE}" type="datetimeFigureOut">
               <a:rPr lang="en-US" smtClean="0"/>
-              <a:t>9/14/17</a:t>
+              <a:t>11/25/2017</a:t>
             </a:fld>
             <a:endParaRPr lang="en-US"/>
           </a:p>
@@ -692,10 +695,9 @@
           <a:lstStyle/>
           <a:p>
             <a:r>
-              <a:rPr lang="en-US" smtClean="0"/>
+              <a:rPr lang="en-US"/>
               <a:t>Click to edit Master title style</a:t>
             </a:r>
-            <a:endParaRPr lang="en-US"/>
           </a:p>
         </p:txBody>
       </p:sp>
@@ -716,38 +718,37 @@
           <a:p>
             <a:pPr lvl="0"/>
             <a:r>
-              <a:rPr lang="en-US" smtClean="0"/>
+              <a:rPr lang="en-US"/>
               <a:t>Click to edit Master text styles</a:t>
             </a:r>
           </a:p>
           <a:p>
             <a:pPr lvl="1"/>
             <a:r>
-              <a:rPr lang="en-US" smtClean="0"/>
+              <a:rPr lang="en-US"/>
               <a:t>Second level</a:t>
             </a:r>
           </a:p>
           <a:p>
             <a:pPr lvl="2"/>
             <a:r>
-              <a:rPr lang="en-US" smtClean="0"/>
+              <a:rPr lang="en-US"/>
               <a:t>Third level</a:t>
             </a:r>
           </a:p>
           <a:p>
             <a:pPr lvl="3"/>
             <a:r>
-              <a:rPr lang="en-US" smtClean="0"/>
+              <a:rPr lang="en-US"/>
               <a:t>Fourth level</a:t>
             </a:r>
           </a:p>
           <a:p>
             <a:pPr lvl="4"/>
             <a:r>
-              <a:rPr lang="en-US" smtClean="0"/>
+              <a:rPr lang="en-US"/>
               <a:t>Fifth level</a:t>
             </a:r>
-            <a:endParaRPr lang="en-US"/>
           </a:p>
         </p:txBody>
       </p:sp>
@@ -768,7 +769,7 @@
           <a:p>
             <a:fld id="{9DE0252D-DC7F-CA4F-A004-7E087F19ABCE}" type="datetimeFigureOut">
               <a:rPr lang="en-US" smtClean="0"/>
-              <a:t>9/14/17</a:t>
+              <a:t>11/25/2017</a:t>
             </a:fld>
             <a:endParaRPr lang="en-US"/>
           </a:p>
@@ -867,10 +868,9 @@
           <a:lstStyle/>
           <a:p>
             <a:r>
-              <a:rPr lang="en-US" smtClean="0"/>
+              <a:rPr lang="en-US"/>
               <a:t>Click to edit Master title style</a:t>
             </a:r>
-            <a:endParaRPr lang="en-US"/>
           </a:p>
         </p:txBody>
       </p:sp>
@@ -896,38 +896,37 @@
           <a:p>
             <a:pPr lvl="0"/>
             <a:r>
-              <a:rPr lang="en-US" smtClean="0"/>
+              <a:rPr lang="en-US"/>
               <a:t>Click to edit Master text styles</a:t>
             </a:r>
           </a:p>
           <a:p>
             <a:pPr lvl="1"/>
             <a:r>
-              <a:rPr lang="en-US" smtClean="0"/>
+              <a:rPr lang="en-US"/>
               <a:t>Second level</a:t>
             </a:r>
           </a:p>
           <a:p>
             <a:pPr lvl="2"/>
             <a:r>
-              <a:rPr lang="en-US" smtClean="0"/>
+              <a:rPr lang="en-US"/>
               <a:t>Third level</a:t>
             </a:r>
           </a:p>
           <a:p>
             <a:pPr lvl="3"/>
             <a:r>
-              <a:rPr lang="en-US" smtClean="0"/>
+              <a:rPr lang="en-US"/>
               <a:t>Fourth level</a:t>
             </a:r>
           </a:p>
           <a:p>
             <a:pPr lvl="4"/>
             <a:r>
-              <a:rPr lang="en-US" smtClean="0"/>
+              <a:rPr lang="en-US"/>
               <a:t>Fifth level</a:t>
             </a:r>
-            <a:endParaRPr lang="en-US"/>
           </a:p>
         </p:txBody>
       </p:sp>
@@ -948,7 +947,7 @@
           <a:p>
             <a:fld id="{9DE0252D-DC7F-CA4F-A004-7E087F19ABCE}" type="datetimeFigureOut">
               <a:rPr lang="en-US" smtClean="0"/>
-              <a:t>9/14/17</a:t>
+              <a:t>11/25/2017</a:t>
             </a:fld>
             <a:endParaRPr lang="en-US"/>
           </a:p>
@@ -1042,10 +1041,9 @@
           <a:lstStyle/>
           <a:p>
             <a:r>
-              <a:rPr lang="en-US" smtClean="0"/>
+              <a:rPr lang="en-US"/>
               <a:t>Click to edit Master title style</a:t>
             </a:r>
-            <a:endParaRPr lang="en-US"/>
           </a:p>
         </p:txBody>
       </p:sp>
@@ -1066,38 +1064,37 @@
           <a:p>
             <a:pPr lvl="0"/>
             <a:r>
-              <a:rPr lang="en-US" smtClean="0"/>
+              <a:rPr lang="en-US"/>
               <a:t>Click to edit Master text styles</a:t>
             </a:r>
           </a:p>
           <a:p>
             <a:pPr lvl="1"/>
             <a:r>
-              <a:rPr lang="en-US" smtClean="0"/>
+              <a:rPr lang="en-US"/>
               <a:t>Second level</a:t>
             </a:r>
           </a:p>
           <a:p>
             <a:pPr lvl="2"/>
             <a:r>
-              <a:rPr lang="en-US" smtClean="0"/>
+              <a:rPr lang="en-US"/>
               <a:t>Third level</a:t>
             </a:r>
           </a:p>
           <a:p>
             <a:pPr lvl="3"/>
             <a:r>
-              <a:rPr lang="en-US" smtClean="0"/>
+              <a:rPr lang="en-US"/>
               <a:t>Fourth level</a:t>
             </a:r>
           </a:p>
           <a:p>
             <a:pPr lvl="4"/>
             <a:r>
-              <a:rPr lang="en-US" smtClean="0"/>
+              <a:rPr lang="en-US"/>
               <a:t>Fifth level</a:t>
             </a:r>
-            <a:endParaRPr lang="en-US"/>
           </a:p>
         </p:txBody>
       </p:sp>
@@ -1118,7 +1115,7 @@
           <a:p>
             <a:fld id="{9DE0252D-DC7F-CA4F-A004-7E087F19ABCE}" type="datetimeFigureOut">
               <a:rPr lang="en-US" smtClean="0"/>
-              <a:t>9/14/17</a:t>
+              <a:t>11/25/2017</a:t>
             </a:fld>
             <a:endParaRPr lang="en-US"/>
           </a:p>
@@ -1221,10 +1218,9 @@
           </a:lstStyle>
           <a:p>
             <a:r>
-              <a:rPr lang="en-US" smtClean="0"/>
+              <a:rPr lang="en-US"/>
               <a:t>Click to edit Master title style</a:t>
             </a:r>
-            <a:endParaRPr lang="en-US"/>
           </a:p>
         </p:txBody>
       </p:sp>
@@ -1341,7 +1337,7 @@
           <a:p>
             <a:pPr lvl="0"/>
             <a:r>
-              <a:rPr lang="en-US" smtClean="0"/>
+              <a:rPr lang="en-US"/>
               <a:t>Click to edit Master text styles</a:t>
             </a:r>
           </a:p>
@@ -1364,7 +1360,7 @@
           <a:p>
             <a:fld id="{9DE0252D-DC7F-CA4F-A004-7E087F19ABCE}" type="datetimeFigureOut">
               <a:rPr lang="en-US" smtClean="0"/>
-              <a:t>9/14/17</a:t>
+              <a:t>11/25/2017</a:t>
             </a:fld>
             <a:endParaRPr lang="en-US"/>
           </a:p>
@@ -1458,10 +1454,9 @@
           <a:lstStyle/>
           <a:p>
             <a:r>
-              <a:rPr lang="en-US" smtClean="0"/>
+              <a:rPr lang="en-US"/>
               <a:t>Click to edit Master title style</a:t>
             </a:r>
-            <a:endParaRPr lang="en-US"/>
           </a:p>
         </p:txBody>
       </p:sp>
@@ -1487,38 +1482,37 @@
           <a:p>
             <a:pPr lvl="0"/>
             <a:r>
-              <a:rPr lang="en-US" smtClean="0"/>
+              <a:rPr lang="en-US"/>
               <a:t>Click to edit Master text styles</a:t>
             </a:r>
           </a:p>
           <a:p>
             <a:pPr lvl="1"/>
             <a:r>
-              <a:rPr lang="en-US" smtClean="0"/>
+              <a:rPr lang="en-US"/>
               <a:t>Second level</a:t>
             </a:r>
           </a:p>
           <a:p>
             <a:pPr lvl="2"/>
             <a:r>
-              <a:rPr lang="en-US" smtClean="0"/>
+              <a:rPr lang="en-US"/>
               <a:t>Third level</a:t>
             </a:r>
           </a:p>
           <a:p>
             <a:pPr lvl="3"/>
             <a:r>
-              <a:rPr lang="en-US" smtClean="0"/>
+              <a:rPr lang="en-US"/>
               <a:t>Fourth level</a:t>
             </a:r>
           </a:p>
           <a:p>
             <a:pPr lvl="4"/>
             <a:r>
-              <a:rPr lang="en-US" smtClean="0"/>
+              <a:rPr lang="en-US"/>
               <a:t>Fifth level</a:t>
             </a:r>
-            <a:endParaRPr lang="en-US"/>
           </a:p>
         </p:txBody>
       </p:sp>
@@ -1544,38 +1538,37 @@
           <a:p>
             <a:pPr lvl="0"/>
             <a:r>
-              <a:rPr lang="en-US" smtClean="0"/>
+              <a:rPr lang="en-US"/>
               <a:t>Click to edit Master text styles</a:t>
             </a:r>
           </a:p>
           <a:p>
             <a:pPr lvl="1"/>
             <a:r>
-              <a:rPr lang="en-US" smtClean="0"/>
+              <a:rPr lang="en-US"/>
               <a:t>Second level</a:t>
             </a:r>
           </a:p>
           <a:p>
             <a:pPr lvl="2"/>
             <a:r>
-              <a:rPr lang="en-US" smtClean="0"/>
+              <a:rPr lang="en-US"/>
               <a:t>Third level</a:t>
             </a:r>
           </a:p>
           <a:p>
             <a:pPr lvl="3"/>
             <a:r>
-              <a:rPr lang="en-US" smtClean="0"/>
+              <a:rPr lang="en-US"/>
               <a:t>Fourth level</a:t>
             </a:r>
           </a:p>
           <a:p>
             <a:pPr lvl="4"/>
             <a:r>
-              <a:rPr lang="en-US" smtClean="0"/>
+              <a:rPr lang="en-US"/>
               <a:t>Fifth level</a:t>
             </a:r>
-            <a:endParaRPr lang="en-US"/>
           </a:p>
         </p:txBody>
       </p:sp>
@@ -1596,7 +1589,7 @@
           <a:p>
             <a:fld id="{9DE0252D-DC7F-CA4F-A004-7E087F19ABCE}" type="datetimeFigureOut">
               <a:rPr lang="en-US" smtClean="0"/>
-              <a:t>9/14/17</a:t>
+              <a:t>11/25/2017</a:t>
             </a:fld>
             <a:endParaRPr lang="en-US"/>
           </a:p>
@@ -1695,10 +1688,9 @@
           <a:lstStyle/>
           <a:p>
             <a:r>
-              <a:rPr lang="en-US" smtClean="0"/>
+              <a:rPr lang="en-US"/>
               <a:t>Click to edit Master title style</a:t>
             </a:r>
-            <a:endParaRPr lang="en-US"/>
           </a:p>
         </p:txBody>
       </p:sp>
@@ -1761,7 +1753,7 @@
           <a:p>
             <a:pPr lvl="0"/>
             <a:r>
-              <a:rPr lang="en-US" smtClean="0"/>
+              <a:rPr lang="en-US"/>
               <a:t>Click to edit Master text styles</a:t>
             </a:r>
           </a:p>
@@ -1789,38 +1781,37 @@
           <a:p>
             <a:pPr lvl="0"/>
             <a:r>
-              <a:rPr lang="en-US" smtClean="0"/>
+              <a:rPr lang="en-US"/>
               <a:t>Click to edit Master text styles</a:t>
             </a:r>
           </a:p>
           <a:p>
             <a:pPr lvl="1"/>
             <a:r>
-              <a:rPr lang="en-US" smtClean="0"/>
+              <a:rPr lang="en-US"/>
               <a:t>Second level</a:t>
             </a:r>
           </a:p>
           <a:p>
             <a:pPr lvl="2"/>
             <a:r>
-              <a:rPr lang="en-US" smtClean="0"/>
+              <a:rPr lang="en-US"/>
               <a:t>Third level</a:t>
             </a:r>
           </a:p>
           <a:p>
             <a:pPr lvl="3"/>
             <a:r>
-              <a:rPr lang="en-US" smtClean="0"/>
+              <a:rPr lang="en-US"/>
               <a:t>Fourth level</a:t>
             </a:r>
           </a:p>
           <a:p>
             <a:pPr lvl="4"/>
             <a:r>
-              <a:rPr lang="en-US" smtClean="0"/>
+              <a:rPr lang="en-US"/>
               <a:t>Fifth level</a:t>
             </a:r>
-            <a:endParaRPr lang="en-US"/>
           </a:p>
         </p:txBody>
       </p:sp>
@@ -1883,7 +1874,7 @@
           <a:p>
             <a:pPr lvl="0"/>
             <a:r>
-              <a:rPr lang="en-US" smtClean="0"/>
+              <a:rPr lang="en-US"/>
               <a:t>Click to edit Master text styles</a:t>
             </a:r>
           </a:p>
@@ -1911,38 +1902,37 @@
           <a:p>
             <a:pPr lvl="0"/>
             <a:r>
-              <a:rPr lang="en-US" smtClean="0"/>
+              <a:rPr lang="en-US"/>
               <a:t>Click to edit Master text styles</a:t>
             </a:r>
           </a:p>
           <a:p>
             <a:pPr lvl="1"/>
             <a:r>
-              <a:rPr lang="en-US" smtClean="0"/>
+              <a:rPr lang="en-US"/>
               <a:t>Second level</a:t>
             </a:r>
           </a:p>
           <a:p>
             <a:pPr lvl="2"/>
             <a:r>
-              <a:rPr lang="en-US" smtClean="0"/>
+              <a:rPr lang="en-US"/>
               <a:t>Third level</a:t>
             </a:r>
           </a:p>
           <a:p>
             <a:pPr lvl="3"/>
             <a:r>
-              <a:rPr lang="en-US" smtClean="0"/>
+              <a:rPr lang="en-US"/>
               <a:t>Fourth level</a:t>
             </a:r>
           </a:p>
           <a:p>
             <a:pPr lvl="4"/>
             <a:r>
-              <a:rPr lang="en-US" smtClean="0"/>
+              <a:rPr lang="en-US"/>
               <a:t>Fifth level</a:t>
             </a:r>
-            <a:endParaRPr lang="en-US"/>
           </a:p>
         </p:txBody>
       </p:sp>
@@ -1963,7 +1953,7 @@
           <a:p>
             <a:fld id="{9DE0252D-DC7F-CA4F-A004-7E087F19ABCE}" type="datetimeFigureOut">
               <a:rPr lang="en-US" smtClean="0"/>
-              <a:t>9/14/17</a:t>
+              <a:t>11/25/2017</a:t>
             </a:fld>
             <a:endParaRPr lang="en-US"/>
           </a:p>
@@ -2057,10 +2047,9 @@
           <a:lstStyle/>
           <a:p>
             <a:r>
-              <a:rPr lang="en-US" smtClean="0"/>
+              <a:rPr lang="en-US"/>
               <a:t>Click to edit Master title style</a:t>
             </a:r>
-            <a:endParaRPr lang="en-US"/>
           </a:p>
         </p:txBody>
       </p:sp>
@@ -2081,7 +2070,7 @@
           <a:p>
             <a:fld id="{9DE0252D-DC7F-CA4F-A004-7E087F19ABCE}" type="datetimeFigureOut">
               <a:rPr lang="en-US" smtClean="0"/>
-              <a:t>9/14/17</a:t>
+              <a:t>11/25/2017</a:t>
             </a:fld>
             <a:endParaRPr lang="en-US"/>
           </a:p>
@@ -2176,7 +2165,7 @@
           <a:p>
             <a:fld id="{9DE0252D-DC7F-CA4F-A004-7E087F19ABCE}" type="datetimeFigureOut">
               <a:rPr lang="en-US" smtClean="0"/>
-              <a:t>9/14/17</a:t>
+              <a:t>11/25/2017</a:t>
             </a:fld>
             <a:endParaRPr lang="en-US"/>
           </a:p>
@@ -2279,10 +2268,9 @@
           </a:lstStyle>
           <a:p>
             <a:r>
-              <a:rPr lang="en-US" smtClean="0"/>
+              <a:rPr lang="en-US"/>
               <a:t>Click to edit Master title style</a:t>
             </a:r>
-            <a:endParaRPr lang="en-US"/>
           </a:p>
         </p:txBody>
       </p:sp>
@@ -2336,38 +2324,37 @@
           <a:p>
             <a:pPr lvl="0"/>
             <a:r>
-              <a:rPr lang="en-US" smtClean="0"/>
+              <a:rPr lang="en-US"/>
               <a:t>Click to edit Master text styles</a:t>
             </a:r>
           </a:p>
           <a:p>
             <a:pPr lvl="1"/>
             <a:r>
-              <a:rPr lang="en-US" smtClean="0"/>
+              <a:rPr lang="en-US"/>
               <a:t>Second level</a:t>
             </a:r>
           </a:p>
           <a:p>
             <a:pPr lvl="2"/>
             <a:r>
-              <a:rPr lang="en-US" smtClean="0"/>
+              <a:rPr lang="en-US"/>
               <a:t>Third level</a:t>
             </a:r>
           </a:p>
           <a:p>
             <a:pPr lvl="3"/>
             <a:r>
-              <a:rPr lang="en-US" smtClean="0"/>
+              <a:rPr lang="en-US"/>
               <a:t>Fourth level</a:t>
             </a:r>
           </a:p>
           <a:p>
             <a:pPr lvl="4"/>
             <a:r>
-              <a:rPr lang="en-US" smtClean="0"/>
+              <a:rPr lang="en-US"/>
               <a:t>Fifth level</a:t>
             </a:r>
-            <a:endParaRPr lang="en-US"/>
           </a:p>
         </p:txBody>
       </p:sp>
@@ -2430,7 +2417,7 @@
           <a:p>
             <a:pPr lvl="0"/>
             <a:r>
-              <a:rPr lang="en-US" smtClean="0"/>
+              <a:rPr lang="en-US"/>
               <a:t>Click to edit Master text styles</a:t>
             </a:r>
           </a:p>
@@ -2453,7 +2440,7 @@
           <a:p>
             <a:fld id="{9DE0252D-DC7F-CA4F-A004-7E087F19ABCE}" type="datetimeFigureOut">
               <a:rPr lang="en-US" smtClean="0"/>
-              <a:t>9/14/17</a:t>
+              <a:t>11/25/2017</a:t>
             </a:fld>
             <a:endParaRPr lang="en-US"/>
           </a:p>
@@ -2556,10 +2543,9 @@
           </a:lstStyle>
           <a:p>
             <a:r>
-              <a:rPr lang="en-US" smtClean="0"/>
+              <a:rPr lang="en-US"/>
               <a:t>Click to edit Master title style</a:t>
             </a:r>
-            <a:endParaRPr lang="en-US"/>
           </a:p>
         </p:txBody>
       </p:sp>
@@ -2683,7 +2669,7 @@
           <a:p>
             <a:pPr lvl="0"/>
             <a:r>
-              <a:rPr lang="en-US" smtClean="0"/>
+              <a:rPr lang="en-US"/>
               <a:t>Click to edit Master text styles</a:t>
             </a:r>
           </a:p>
@@ -2706,7 +2692,7 @@
           <a:p>
             <a:fld id="{9DE0252D-DC7F-CA4F-A004-7E087F19ABCE}" type="datetimeFigureOut">
               <a:rPr lang="en-US" smtClean="0"/>
-              <a:t>9/14/17</a:t>
+              <a:t>11/25/2017</a:t>
             </a:fld>
             <a:endParaRPr lang="en-US"/>
           </a:p>
@@ -2815,10 +2801,9 @@
           <a:lstStyle/>
           <a:p>
             <a:r>
-              <a:rPr lang="en-US" smtClean="0"/>
+              <a:rPr lang="en-US"/>
               <a:t>Click to edit Master title style</a:t>
             </a:r>
-            <a:endParaRPr lang="en-US"/>
           </a:p>
         </p:txBody>
       </p:sp>
@@ -2849,38 +2834,37 @@
           <a:p>
             <a:pPr lvl="0"/>
             <a:r>
-              <a:rPr lang="en-US" smtClean="0"/>
+              <a:rPr lang="en-US"/>
               <a:t>Click to edit Master text styles</a:t>
             </a:r>
           </a:p>
           <a:p>
             <a:pPr lvl="1"/>
             <a:r>
-              <a:rPr lang="en-US" smtClean="0"/>
+              <a:rPr lang="en-US"/>
               <a:t>Second level</a:t>
             </a:r>
           </a:p>
           <a:p>
             <a:pPr lvl="2"/>
             <a:r>
-              <a:rPr lang="en-US" smtClean="0"/>
+              <a:rPr lang="en-US"/>
               <a:t>Third level</a:t>
             </a:r>
           </a:p>
           <a:p>
             <a:pPr lvl="3"/>
             <a:r>
-              <a:rPr lang="en-US" smtClean="0"/>
+              <a:rPr lang="en-US"/>
               <a:t>Fourth level</a:t>
             </a:r>
           </a:p>
           <a:p>
             <a:pPr lvl="4"/>
             <a:r>
-              <a:rPr lang="en-US" smtClean="0"/>
+              <a:rPr lang="en-US"/>
               <a:t>Fifth level</a:t>
             </a:r>
-            <a:endParaRPr lang="en-US"/>
           </a:p>
         </p:txBody>
       </p:sp>
@@ -2919,7 +2903,7 @@
           <a:p>
             <a:fld id="{9DE0252D-DC7F-CA4F-A004-7E087F19ABCE}" type="datetimeFigureOut">
               <a:rPr lang="en-US" smtClean="0"/>
-              <a:t>9/14/17</a:t>
+              <a:t>11/25/2017</a:t>
             </a:fld>
             <a:endParaRPr lang="en-US"/>
           </a:p>
@@ -5229,31 +5213,31 @@
           <a:lstStyle/>
           <a:p>
             <a:r>
-              <a:rPr lang="en-US" altLang="zh-CN" dirty="0" smtClean="0"/>
+              <a:rPr lang="en-US" altLang="zh-CN" dirty="0"/>
               <a:t>The</a:t>
             </a:r>
             <a:r>
-              <a:rPr lang="zh-CN" altLang="en-US" dirty="0" smtClean="0"/>
+              <a:rPr lang="zh-CN" altLang="en-US" dirty="0"/>
               <a:t> </a:t>
             </a:r>
             <a:r>
-              <a:rPr lang="en-US" altLang="zh-CN" dirty="0" smtClean="0"/>
+              <a:rPr lang="en-US" altLang="zh-CN" dirty="0"/>
               <a:t>original</a:t>
             </a:r>
             <a:r>
-              <a:rPr lang="zh-CN" altLang="en-US" dirty="0" smtClean="0"/>
+              <a:rPr lang="zh-CN" altLang="en-US" dirty="0"/>
               <a:t> </a:t>
             </a:r>
             <a:r>
-              <a:rPr lang="en-US" altLang="zh-CN" dirty="0" smtClean="0"/>
+              <a:rPr lang="en-US" altLang="zh-CN" dirty="0"/>
               <a:t>black</a:t>
             </a:r>
             <a:r>
-              <a:rPr lang="zh-CN" altLang="en-US" dirty="0" smtClean="0"/>
+              <a:rPr lang="zh-CN" altLang="en-US" dirty="0"/>
               <a:t> </a:t>
             </a:r>
             <a:r>
-              <a:rPr lang="en-US" altLang="zh-CN" dirty="0" smtClean="0"/>
+              <a:rPr lang="en-US" altLang="zh-CN" dirty="0"/>
               <a:t>virus</a:t>
             </a:r>
             <a:endParaRPr lang="en-US" dirty="0"/>
@@ -5330,15 +5314,15 @@
           <a:lstStyle/>
           <a:p>
             <a:r>
-              <a:rPr lang="en-US" altLang="zh-CN" dirty="0" smtClean="0"/>
+              <a:rPr lang="en-US" altLang="zh-CN" dirty="0"/>
               <a:t>Spreading</a:t>
             </a:r>
             <a:r>
-              <a:rPr lang="zh-CN" altLang="en-US" dirty="0" smtClean="0"/>
+              <a:rPr lang="zh-CN" altLang="en-US" dirty="0"/>
               <a:t> </a:t>
             </a:r>
             <a:r>
-              <a:rPr lang="en-US" altLang="zh-CN" dirty="0" smtClean="0"/>
+              <a:rPr lang="en-US" altLang="zh-CN" dirty="0"/>
               <a:t>clones</a:t>
             </a:r>
             <a:r>
@@ -5346,39 +5330,39 @@
               <a:t> </a:t>
             </a:r>
             <a:r>
-              <a:rPr lang="en-US" altLang="zh-CN" dirty="0" smtClean="0"/>
+              <a:rPr lang="en-US" altLang="zh-CN" dirty="0"/>
               <a:t>which</a:t>
             </a:r>
             <a:r>
-              <a:rPr lang="zh-CN" altLang="en-US" dirty="0" smtClean="0"/>
+              <a:rPr lang="zh-CN" altLang="en-US" dirty="0"/>
               <a:t> </a:t>
             </a:r>
             <a:r>
-              <a:rPr lang="en-US" altLang="zh-CN" dirty="0" smtClean="0"/>
+              <a:rPr lang="en-US" altLang="zh-CN" dirty="0"/>
               <a:t>are</a:t>
             </a:r>
             <a:r>
-              <a:rPr lang="zh-CN" altLang="en-US" dirty="0" smtClean="0"/>
+              <a:rPr lang="zh-CN" altLang="en-US" dirty="0"/>
               <a:t> </a:t>
             </a:r>
             <a:r>
-              <a:rPr lang="en-US" altLang="zh-CN" dirty="0" smtClean="0"/>
+              <a:rPr lang="en-US" altLang="zh-CN" dirty="0"/>
               <a:t>killed</a:t>
             </a:r>
             <a:r>
-              <a:rPr lang="zh-CN" altLang="en-US" dirty="0" smtClean="0"/>
+              <a:rPr lang="zh-CN" altLang="en-US" dirty="0"/>
               <a:t> </a:t>
             </a:r>
             <a:r>
-              <a:rPr lang="en-US" altLang="zh-CN" dirty="0" smtClean="0"/>
+              <a:rPr lang="en-US" altLang="zh-CN" dirty="0"/>
               <a:t>by</a:t>
             </a:r>
             <a:r>
-              <a:rPr lang="zh-CN" altLang="en-US" dirty="0" smtClean="0"/>
+              <a:rPr lang="zh-CN" altLang="en-US" dirty="0"/>
               <a:t> </a:t>
             </a:r>
             <a:r>
-              <a:rPr lang="en-US" altLang="zh-CN" dirty="0" smtClean="0"/>
+              <a:rPr lang="en-US" altLang="zh-CN" dirty="0"/>
               <a:t>agents</a:t>
             </a:r>
             <a:endParaRPr lang="en-US" dirty="0"/>
@@ -5458,39 +5442,39 @@
           <a:lstStyle/>
           <a:p>
             <a:r>
-              <a:rPr lang="en-US" altLang="zh-CN" dirty="0" smtClean="0"/>
+              <a:rPr lang="en-US" altLang="zh-CN" dirty="0"/>
               <a:t>New</a:t>
             </a:r>
             <a:r>
-              <a:rPr lang="zh-CN" altLang="en-US" dirty="0" smtClean="0"/>
+              <a:rPr lang="zh-CN" altLang="en-US" dirty="0"/>
               <a:t> </a:t>
             </a:r>
             <a:r>
-              <a:rPr lang="en-US" altLang="zh-CN" dirty="0" smtClean="0"/>
+              <a:rPr lang="en-US" altLang="zh-CN" dirty="0"/>
               <a:t>formed</a:t>
             </a:r>
             <a:r>
-              <a:rPr lang="zh-CN" altLang="en-US" dirty="0" smtClean="0"/>
+              <a:rPr lang="zh-CN" altLang="en-US" dirty="0"/>
               <a:t> </a:t>
             </a:r>
             <a:r>
-              <a:rPr lang="en-US" altLang="zh-CN" dirty="0" smtClean="0"/>
+              <a:rPr lang="en-US" altLang="zh-CN" dirty="0"/>
               <a:t>black</a:t>
             </a:r>
             <a:r>
-              <a:rPr lang="zh-CN" altLang="en-US" dirty="0" smtClean="0"/>
+              <a:rPr lang="zh-CN" altLang="en-US" dirty="0"/>
               <a:t> </a:t>
             </a:r>
             <a:r>
-              <a:rPr lang="en-US" altLang="zh-CN" dirty="0" smtClean="0"/>
+              <a:rPr lang="en-US" altLang="zh-CN" dirty="0"/>
               <a:t>virus</a:t>
             </a:r>
             <a:r>
-              <a:rPr lang="zh-CN" altLang="en-US" dirty="0" smtClean="0"/>
+              <a:rPr lang="zh-CN" altLang="en-US" dirty="0"/>
               <a:t> </a:t>
             </a:r>
             <a:r>
-              <a:rPr lang="en-US" altLang="zh-CN" dirty="0" smtClean="0"/>
+              <a:rPr lang="en-US" altLang="zh-CN" dirty="0"/>
               <a:t>node</a:t>
             </a:r>
             <a:endParaRPr lang="en-US" dirty="0"/>
@@ -7191,59 +7175,51 @@
           <a:lstStyle/>
           <a:p>
             <a:r>
-              <a:rPr lang="zh-CN" altLang="en-US" dirty="0" smtClean="0"/>
-              <a:t>       </a:t>
+              <a:rPr lang="zh-CN" altLang="en-US" dirty="0"/>
+              <a:t>             </a:t>
+            </a:r>
+            <a:r>
+              <a:rPr lang="en-US" altLang="zh-CN" b="1" i="1" dirty="0"/>
+              <a:t>2m-1</a:t>
+            </a:r>
+            <a:r>
+              <a:rPr lang="zh-CN" altLang="en-US" dirty="0"/>
+              <a:t>              </a:t>
+            </a:r>
+            <a:r>
+              <a:rPr lang="en-US" altLang="zh-CN" b="1" i="1" dirty="0"/>
+              <a:t>m</a:t>
             </a:r>
             <a:r>
               <a:rPr lang="zh-CN" altLang="en-US" dirty="0"/>
               <a:t> </a:t>
             </a:r>
             <a:r>
-              <a:rPr lang="zh-CN" altLang="en-US" dirty="0" smtClean="0"/>
-              <a:t>     </a:t>
-            </a:r>
-            <a:r>
-              <a:rPr lang="en-US" altLang="zh-CN" b="1" i="1" dirty="0" smtClean="0"/>
-              <a:t>2m-1</a:t>
-            </a:r>
-            <a:r>
-              <a:rPr lang="zh-CN" altLang="en-US" dirty="0" smtClean="0"/>
-              <a:t>              </a:t>
-            </a:r>
-            <a:r>
-              <a:rPr lang="en-US" altLang="zh-CN" b="1" i="1" dirty="0" smtClean="0"/>
-              <a:t>m</a:t>
-            </a:r>
-            <a:r>
-              <a:rPr lang="zh-CN" altLang="en-US" dirty="0" smtClean="0"/>
-              <a:t> </a:t>
-            </a:r>
-            <a:r>
-              <a:rPr lang="is-IS" altLang="zh-CN" b="1" i="1" dirty="0" smtClean="0"/>
+              <a:rPr lang="is-IS" altLang="zh-CN" b="1" i="1" dirty="0"/>
               <a:t>…</a:t>
             </a:r>
             <a:r>
-              <a:rPr lang="zh-CN" altLang="en-US" dirty="0" smtClean="0"/>
+              <a:rPr lang="zh-CN" altLang="en-US" dirty="0"/>
               <a:t>   </a:t>
             </a:r>
             <a:r>
-              <a:rPr lang="en-US" altLang="zh-CN" b="1" i="1" dirty="0" smtClean="0"/>
+              <a:rPr lang="en-US" altLang="zh-CN" b="1" i="1" dirty="0"/>
               <a:t>3</a:t>
             </a:r>
             <a:r>
-              <a:rPr lang="zh-CN" altLang="en-US" dirty="0" smtClean="0"/>
+              <a:rPr lang="zh-CN" altLang="en-US" dirty="0"/>
               <a:t>   </a:t>
             </a:r>
             <a:r>
-              <a:rPr lang="en-US" altLang="zh-CN" b="1" i="1" dirty="0" smtClean="0"/>
+              <a:rPr lang="en-US" altLang="zh-CN" b="1" i="1" dirty="0"/>
               <a:t>2</a:t>
             </a:r>
             <a:r>
-              <a:rPr lang="zh-CN" altLang="en-US" dirty="0" smtClean="0"/>
+              <a:rPr lang="zh-CN" altLang="en-US" dirty="0"/>
               <a:t>   </a:t>
             </a:r>
             <a:r>
-              <a:rPr lang="en-US" altLang="zh-CN" b="1" i="1" dirty="0" smtClean="0"/>
+              <a:rPr lang="en-US" altLang="zh-CN" b="1" i="1" dirty="0"/>
               <a:t>1</a:t>
             </a:r>
             <a:endParaRPr lang="en-US" dirty="0"/>
@@ -8583,215 +8559,215 @@
           <a:lstStyle/>
           <a:p>
             <a:r>
-              <a:rPr lang="en-US" altLang="zh-CN" sz="1400" dirty="0" smtClean="0"/>
+              <a:rPr lang="en-US" altLang="zh-CN" sz="1400" dirty="0"/>
               <a:t>10</a:t>
             </a:r>
             <a:r>
-              <a:rPr lang="zh-CN" altLang="en-US" sz="1400" dirty="0" smtClean="0"/>
+              <a:rPr lang="zh-CN" altLang="en-US" sz="1400" dirty="0"/>
               <a:t> </a:t>
             </a:r>
             <a:r>
-              <a:rPr lang="en-US" altLang="zh-CN" sz="1400" dirty="0" smtClean="0"/>
+              <a:rPr lang="en-US" altLang="zh-CN" sz="1400" dirty="0"/>
               <a:t>11</a:t>
             </a:r>
             <a:r>
-              <a:rPr lang="zh-CN" altLang="en-US" sz="1400" dirty="0" smtClean="0"/>
+              <a:rPr lang="zh-CN" altLang="en-US" sz="1400" dirty="0"/>
               <a:t> </a:t>
             </a:r>
             <a:r>
-              <a:rPr lang="en-US" altLang="zh-CN" sz="1400" dirty="0" smtClean="0"/>
+              <a:rPr lang="en-US" altLang="zh-CN" sz="1400" dirty="0"/>
               <a:t>12</a:t>
             </a:r>
             <a:r>
-              <a:rPr lang="zh-CN" altLang="en-US" sz="1400" dirty="0" smtClean="0"/>
+              <a:rPr lang="zh-CN" altLang="en-US" sz="1400" dirty="0"/>
               <a:t> </a:t>
             </a:r>
             <a:r>
-              <a:rPr lang="en-US" altLang="zh-CN" sz="1400" dirty="0" smtClean="0"/>
+              <a:rPr lang="en-US" altLang="zh-CN" sz="1400" dirty="0"/>
               <a:t>13</a:t>
             </a:r>
             <a:r>
-              <a:rPr lang="zh-CN" altLang="en-US" sz="1400" dirty="0" smtClean="0"/>
+              <a:rPr lang="zh-CN" altLang="en-US" sz="1400" dirty="0"/>
               <a:t> </a:t>
             </a:r>
             <a:r>
-              <a:rPr lang="en-US" altLang="zh-CN" sz="1400" dirty="0" smtClean="0"/>
+              <a:rPr lang="en-US" altLang="zh-CN" sz="1400" dirty="0"/>
               <a:t>14</a:t>
             </a:r>
             <a:r>
-              <a:rPr lang="zh-CN" altLang="en-US" sz="1400" dirty="0" smtClean="0"/>
+              <a:rPr lang="zh-CN" altLang="en-US" sz="1400" dirty="0"/>
               <a:t> </a:t>
             </a:r>
             <a:r>
-              <a:rPr lang="en-US" altLang="zh-CN" sz="1400" dirty="0" smtClean="0"/>
+              <a:rPr lang="en-US" altLang="zh-CN" sz="1400" dirty="0"/>
               <a:t>15</a:t>
             </a:r>
             <a:r>
-              <a:rPr lang="zh-CN" altLang="en-US" sz="1400" dirty="0" smtClean="0"/>
+              <a:rPr lang="zh-CN" altLang="en-US" sz="1400" dirty="0"/>
               <a:t>  </a:t>
             </a:r>
             <a:r>
-              <a:rPr lang="en-US" altLang="zh-CN" sz="1400" dirty="0" smtClean="0"/>
+              <a:rPr lang="en-US" altLang="zh-CN" sz="1400" dirty="0"/>
               <a:t>16</a:t>
             </a:r>
             <a:r>
-              <a:rPr lang="zh-CN" altLang="en-US" sz="1400" dirty="0" smtClean="0"/>
+              <a:rPr lang="zh-CN" altLang="en-US" sz="1400" dirty="0"/>
               <a:t>  </a:t>
             </a:r>
             <a:r>
-              <a:rPr lang="en-US" altLang="zh-CN" sz="1400" dirty="0" smtClean="0"/>
+              <a:rPr lang="en-US" altLang="zh-CN" sz="1400" dirty="0"/>
               <a:t>17</a:t>
             </a:r>
             <a:r>
-              <a:rPr lang="zh-CN" altLang="en-US" sz="1400" dirty="0" smtClean="0"/>
+              <a:rPr lang="zh-CN" altLang="en-US" sz="1400" dirty="0"/>
               <a:t>  </a:t>
             </a:r>
             <a:r>
-              <a:rPr lang="en-US" altLang="zh-CN" sz="1400" dirty="0" smtClean="0"/>
+              <a:rPr lang="en-US" altLang="zh-CN" sz="1400" dirty="0"/>
               <a:t>18</a:t>
             </a:r>
             <a:r>
-              <a:rPr lang="zh-CN" altLang="en-US" sz="1400" dirty="0" smtClean="0"/>
+              <a:rPr lang="zh-CN" altLang="en-US" sz="1400" dirty="0"/>
               <a:t>  </a:t>
             </a:r>
             <a:r>
-              <a:rPr lang="en-US" altLang="zh-CN" sz="1400" dirty="0" smtClean="0"/>
+              <a:rPr lang="en-US" altLang="zh-CN" sz="1400" dirty="0"/>
               <a:t>19</a:t>
             </a:r>
             <a:r>
-              <a:rPr lang="zh-CN" altLang="en-US" sz="1400" dirty="0" smtClean="0"/>
+              <a:rPr lang="zh-CN" altLang="en-US" sz="1400" dirty="0"/>
               <a:t>  </a:t>
             </a:r>
             <a:r>
-              <a:rPr lang="en-US" altLang="zh-CN" sz="1400" dirty="0" smtClean="0"/>
+              <a:rPr lang="en-US" altLang="zh-CN" sz="1400" dirty="0"/>
               <a:t>20</a:t>
             </a:r>
             <a:r>
-              <a:rPr lang="zh-CN" altLang="en-US" sz="1400" dirty="0" smtClean="0"/>
+              <a:rPr lang="zh-CN" altLang="en-US" sz="1400" dirty="0"/>
               <a:t>  </a:t>
             </a:r>
             <a:r>
-              <a:rPr lang="en-US" altLang="zh-CN" sz="1400" dirty="0" smtClean="0"/>
+              <a:rPr lang="en-US" altLang="zh-CN" sz="1400" dirty="0"/>
               <a:t>21</a:t>
             </a:r>
             <a:r>
-              <a:rPr lang="zh-CN" altLang="en-US" sz="1400" dirty="0" smtClean="0"/>
+              <a:rPr lang="zh-CN" altLang="en-US" sz="1400" dirty="0"/>
               <a:t>  </a:t>
             </a:r>
             <a:r>
-              <a:rPr lang="en-US" altLang="zh-CN" sz="1400" dirty="0" smtClean="0"/>
+              <a:rPr lang="en-US" altLang="zh-CN" sz="1400" dirty="0"/>
               <a:t>22</a:t>
             </a:r>
             <a:r>
-              <a:rPr lang="zh-CN" altLang="en-US" sz="1400" dirty="0" smtClean="0"/>
+              <a:rPr lang="zh-CN" altLang="en-US" sz="1400" dirty="0"/>
               <a:t>  </a:t>
             </a:r>
             <a:r>
-              <a:rPr lang="en-US" altLang="zh-CN" sz="1400" dirty="0" smtClean="0"/>
+              <a:rPr lang="en-US" altLang="zh-CN" sz="1400" dirty="0"/>
               <a:t>23</a:t>
             </a:r>
             <a:r>
-              <a:rPr lang="zh-CN" altLang="en-US" sz="1400" dirty="0" smtClean="0"/>
+              <a:rPr lang="zh-CN" altLang="en-US" sz="1400" dirty="0"/>
               <a:t> </a:t>
             </a:r>
             <a:r>
-              <a:rPr lang="en-US" altLang="zh-CN" sz="1400" dirty="0" smtClean="0"/>
+              <a:rPr lang="en-US" altLang="zh-CN" sz="1400" dirty="0"/>
               <a:t>24</a:t>
             </a:r>
             <a:r>
-              <a:rPr lang="zh-CN" altLang="en-US" sz="1400" dirty="0" smtClean="0"/>
+              <a:rPr lang="zh-CN" altLang="en-US" sz="1400" dirty="0"/>
               <a:t>  </a:t>
             </a:r>
             <a:r>
-              <a:rPr lang="en-US" altLang="zh-CN" sz="1400" dirty="0" smtClean="0"/>
+              <a:rPr lang="en-US" altLang="zh-CN" sz="1400" dirty="0"/>
               <a:t>25</a:t>
             </a:r>
             <a:r>
-              <a:rPr lang="zh-CN" altLang="en-US" sz="1400" dirty="0" smtClean="0"/>
+              <a:rPr lang="zh-CN" altLang="en-US" sz="1400" dirty="0"/>
               <a:t> </a:t>
             </a:r>
             <a:r>
-              <a:rPr lang="en-US" altLang="zh-CN" sz="1400" dirty="0" smtClean="0"/>
+              <a:rPr lang="en-US" altLang="zh-CN" sz="1400" dirty="0"/>
               <a:t>26</a:t>
             </a:r>
             <a:r>
-              <a:rPr lang="zh-CN" altLang="en-US" sz="1400" dirty="0" smtClean="0"/>
+              <a:rPr lang="zh-CN" altLang="en-US" sz="1400" dirty="0"/>
               <a:t> </a:t>
             </a:r>
             <a:r>
-              <a:rPr lang="en-US" altLang="zh-CN" sz="1400" dirty="0" smtClean="0"/>
+              <a:rPr lang="en-US" altLang="zh-CN" sz="1400" dirty="0"/>
               <a:t>27</a:t>
             </a:r>
             <a:r>
-              <a:rPr lang="zh-CN" altLang="en-US" sz="1400" dirty="0" smtClean="0"/>
+              <a:rPr lang="zh-CN" altLang="en-US" sz="1400" dirty="0"/>
               <a:t>  </a:t>
             </a:r>
             <a:r>
-              <a:rPr lang="en-US" altLang="zh-CN" sz="1400" dirty="0" smtClean="0"/>
+              <a:rPr lang="en-US" altLang="zh-CN" sz="1400" dirty="0"/>
               <a:t>28</a:t>
             </a:r>
             <a:r>
-              <a:rPr lang="zh-CN" altLang="en-US" sz="1400" dirty="0" smtClean="0"/>
+              <a:rPr lang="zh-CN" altLang="en-US" sz="1400" dirty="0"/>
               <a:t> </a:t>
             </a:r>
             <a:r>
-              <a:rPr lang="en-US" altLang="zh-CN" sz="1400" dirty="0" smtClean="0"/>
+              <a:rPr lang="en-US" altLang="zh-CN" sz="1400" dirty="0"/>
               <a:t>29</a:t>
             </a:r>
             <a:r>
-              <a:rPr lang="zh-CN" altLang="en-US" sz="1400" dirty="0" smtClean="0"/>
+              <a:rPr lang="zh-CN" altLang="en-US" sz="1400" dirty="0"/>
               <a:t> </a:t>
             </a:r>
             <a:r>
-              <a:rPr lang="en-US" altLang="zh-CN" sz="1400" dirty="0" smtClean="0"/>
+              <a:rPr lang="en-US" altLang="zh-CN" sz="1400" dirty="0"/>
               <a:t>30</a:t>
             </a:r>
             <a:r>
-              <a:rPr lang="zh-CN" altLang="en-US" sz="1400" dirty="0" smtClean="0"/>
+              <a:rPr lang="zh-CN" altLang="en-US" sz="1400" dirty="0"/>
               <a:t>  </a:t>
             </a:r>
             <a:r>
-              <a:rPr lang="en-US" altLang="zh-CN" sz="1400" dirty="0" smtClean="0"/>
+              <a:rPr lang="en-US" altLang="zh-CN" sz="1400" dirty="0"/>
               <a:t>31</a:t>
             </a:r>
             <a:r>
-              <a:rPr lang="zh-CN" altLang="en-US" sz="1400" dirty="0" smtClean="0"/>
+              <a:rPr lang="zh-CN" altLang="en-US" sz="1400" dirty="0"/>
               <a:t> </a:t>
             </a:r>
             <a:r>
-              <a:rPr lang="en-US" altLang="zh-CN" sz="1400" dirty="0" smtClean="0"/>
+              <a:rPr lang="en-US" altLang="zh-CN" sz="1400" dirty="0"/>
               <a:t>32</a:t>
             </a:r>
             <a:r>
-              <a:rPr lang="zh-CN" altLang="en-US" sz="1400" dirty="0" smtClean="0"/>
+              <a:rPr lang="zh-CN" altLang="en-US" sz="1400" dirty="0"/>
               <a:t> </a:t>
             </a:r>
             <a:r>
-              <a:rPr lang="en-US" altLang="zh-CN" sz="1400" dirty="0" smtClean="0"/>
+              <a:rPr lang="en-US" altLang="zh-CN" sz="1400" dirty="0"/>
               <a:t>33</a:t>
             </a:r>
             <a:r>
-              <a:rPr lang="zh-CN" altLang="en-US" sz="1400" dirty="0" smtClean="0"/>
+              <a:rPr lang="zh-CN" altLang="en-US" sz="1400" dirty="0"/>
               <a:t> </a:t>
             </a:r>
             <a:r>
-              <a:rPr lang="en-US" altLang="zh-CN" sz="1400" dirty="0" smtClean="0"/>
+              <a:rPr lang="en-US" altLang="zh-CN" sz="1400" dirty="0"/>
               <a:t>34</a:t>
             </a:r>
             <a:r>
-              <a:rPr lang="zh-CN" altLang="en-US" sz="1400" dirty="0" smtClean="0"/>
+              <a:rPr lang="zh-CN" altLang="en-US" sz="1400" dirty="0"/>
               <a:t> </a:t>
             </a:r>
             <a:r>
-              <a:rPr lang="en-US" altLang="zh-CN" sz="1400" dirty="0" smtClean="0"/>
+              <a:rPr lang="en-US" altLang="zh-CN" sz="1400" dirty="0"/>
               <a:t>35</a:t>
             </a:r>
             <a:r>
-              <a:rPr lang="zh-CN" altLang="en-US" sz="1400" dirty="0" smtClean="0"/>
+              <a:rPr lang="zh-CN" altLang="en-US" sz="1400" dirty="0"/>
               <a:t> </a:t>
             </a:r>
             <a:r>
-              <a:rPr lang="en-US" altLang="zh-CN" sz="1400" dirty="0" smtClean="0"/>
+              <a:rPr lang="en-US" altLang="zh-CN" sz="1400" dirty="0"/>
               <a:t>36</a:t>
             </a:r>
             <a:r>
@@ -8799,31 +8775,31 @@
               <a:t> </a:t>
             </a:r>
             <a:r>
-              <a:rPr lang="en-US" altLang="zh-CN" sz="1400" dirty="0" smtClean="0"/>
+              <a:rPr lang="en-US" altLang="zh-CN" sz="1400" dirty="0"/>
               <a:t>37</a:t>
             </a:r>
             <a:r>
-              <a:rPr lang="zh-CN" altLang="en-US" sz="1400" dirty="0" smtClean="0"/>
+              <a:rPr lang="zh-CN" altLang="en-US" sz="1400" dirty="0"/>
               <a:t> </a:t>
             </a:r>
             <a:r>
-              <a:rPr lang="en-US" altLang="zh-CN" sz="1400" dirty="0" smtClean="0"/>
+              <a:rPr lang="en-US" altLang="zh-CN" sz="1400" dirty="0"/>
               <a:t>38</a:t>
             </a:r>
             <a:r>
-              <a:rPr lang="zh-CN" altLang="en-US" sz="1400" dirty="0" smtClean="0"/>
+              <a:rPr lang="zh-CN" altLang="en-US" sz="1400" dirty="0"/>
               <a:t> </a:t>
             </a:r>
             <a:r>
-              <a:rPr lang="en-US" altLang="zh-CN" sz="1400" dirty="0" smtClean="0"/>
+              <a:rPr lang="en-US" altLang="zh-CN" sz="1400" dirty="0"/>
               <a:t>39</a:t>
             </a:r>
             <a:r>
-              <a:rPr lang="zh-CN" altLang="en-US" sz="1400" dirty="0" smtClean="0"/>
+              <a:rPr lang="zh-CN" altLang="en-US" sz="1400" dirty="0"/>
               <a:t> </a:t>
             </a:r>
             <a:r>
-              <a:rPr lang="en-US" altLang="zh-CN" sz="1400" dirty="0" smtClean="0"/>
+              <a:rPr lang="en-US" altLang="zh-CN" sz="1400" dirty="0"/>
               <a:t>40</a:t>
             </a:r>
             <a:endParaRPr lang="en-US" sz="1400" dirty="0"/>
@@ -9512,8 +9488,8 @@
           </a:p>
         </p:txBody>
       </p:sp>
-      <mc:AlternateContent xmlns:mc="http://schemas.openxmlformats.org/markup-compatibility/2006">
-        <mc:Choice xmlns:a14="http://schemas.microsoft.com/office/drawing/2010/main" Requires="a14">
+      <mc:AlternateContent xmlns:mc="http://schemas.openxmlformats.org/markup-compatibility/2006" xmlns:a14="http://schemas.microsoft.com/office/drawing/2010/main">
+        <mc:Choice Requires="a14">
           <p:sp>
             <p:nvSpPr>
               <p:cNvPr id="40" name="TextBox 39"/>
@@ -9541,6 +9517,7 @@
               </a:bodyPr>
               <a:lstStyle/>
               <a:p>
+                <a:pPr/>
                 <a14:m>
                   <m:oMathPara xmlns:m="http://schemas.openxmlformats.org/officeDocument/2006/math">
                     <m:oMathParaPr>
@@ -9570,7 +9547,7 @@
             </p:txBody>
           </p:sp>
         </mc:Choice>
-        <mc:Fallback>
+        <mc:Fallback xmlns="">
           <p:sp>
             <p:nvSpPr>
               <p:cNvPr id="40" name="TextBox 39"/>
@@ -10876,8 +10853,8 @@
             </a:p>
           </p:txBody>
         </p:sp>
-        <mc:AlternateContent xmlns:mc="http://schemas.openxmlformats.org/markup-compatibility/2006">
-          <mc:Choice xmlns:a14="http://schemas.microsoft.com/office/drawing/2010/main" Requires="a14">
+        <mc:AlternateContent xmlns:mc="http://schemas.openxmlformats.org/markup-compatibility/2006" xmlns:a14="http://schemas.microsoft.com/office/drawing/2010/main">
+          <mc:Choice Requires="a14">
             <p:sp>
               <p:nvSpPr>
                 <p:cNvPr id="180" name="TextBox 179"/>
@@ -10905,6 +10882,7 @@
                 </a:bodyPr>
                 <a:lstStyle/>
                 <a:p>
+                  <a:pPr/>
                   <a14:m>
                     <m:oMathPara xmlns:m="http://schemas.openxmlformats.org/officeDocument/2006/math">
                       <m:oMathParaPr>
@@ -10934,7 +10912,7 @@
               </p:txBody>
             </p:sp>
           </mc:Choice>
-          <mc:Fallback>
+          <mc:Fallback xmlns="">
             <p:sp>
               <p:nvSpPr>
                 <p:cNvPr id="180" name="TextBox 179"/>
@@ -12907,99 +12885,91 @@
           <a:lstStyle/>
           <a:p>
             <a:r>
-              <a:rPr lang="en-US" altLang="zh-CN" dirty="0" smtClean="0"/>
+              <a:rPr lang="en-US" altLang="zh-CN" dirty="0"/>
               <a:t>-5</a:t>
             </a:r>
             <a:r>
-              <a:rPr lang="zh-CN" altLang="en-US" dirty="0" smtClean="0"/>
+              <a:rPr lang="zh-CN" altLang="en-US" dirty="0"/>
               <a:t>  </a:t>
             </a:r>
             <a:r>
-              <a:rPr lang="en-US" altLang="zh-CN" dirty="0" smtClean="0"/>
+              <a:rPr lang="en-US" altLang="zh-CN" dirty="0"/>
               <a:t>-4</a:t>
             </a:r>
             <a:r>
-              <a:rPr lang="zh-CN" altLang="en-US" dirty="0" smtClean="0"/>
+              <a:rPr lang="zh-CN" altLang="en-US" dirty="0"/>
               <a:t>  </a:t>
             </a:r>
             <a:r>
-              <a:rPr lang="en-US" altLang="zh-CN" dirty="0" smtClean="0"/>
+              <a:rPr lang="en-US" altLang="zh-CN" dirty="0"/>
               <a:t>-3</a:t>
-            </a:r>
-            <a:r>
-              <a:rPr lang="zh-CN" altLang="en-US" dirty="0" smtClean="0"/>
-              <a:t> </a:t>
-            </a:r>
-            <a:r>
-              <a:rPr lang="en-US" altLang="zh-CN" dirty="0" smtClean="0"/>
-              <a:t>-2</a:t>
-            </a:r>
-            <a:r>
-              <a:rPr lang="zh-CN" altLang="en-US" dirty="0" smtClean="0"/>
-              <a:t> </a:t>
-            </a:r>
-            <a:r>
-              <a:rPr lang="en-US" altLang="zh-CN" dirty="0" smtClean="0"/>
-              <a:t>-1</a:t>
-            </a:r>
-            <a:r>
-              <a:rPr lang="zh-CN" altLang="en-US" dirty="0" smtClean="0"/>
-              <a:t>  </a:t>
-            </a:r>
-            <a:r>
-              <a:rPr lang="en-US" altLang="zh-CN" dirty="0" smtClean="0"/>
-              <a:t>0</a:t>
-            </a:r>
-            <a:r>
-              <a:rPr lang="zh-CN" altLang="en-US" dirty="0" smtClean="0"/>
-              <a:t>   </a:t>
-            </a:r>
-            <a:r>
-              <a:rPr lang="en-US" altLang="zh-CN" dirty="0" smtClean="0"/>
-              <a:t>1</a:t>
-            </a:r>
-            <a:r>
-              <a:rPr lang="zh-CN" altLang="en-US" dirty="0" smtClean="0"/>
-              <a:t>   </a:t>
-            </a:r>
-            <a:r>
-              <a:rPr lang="en-US" altLang="zh-CN" dirty="0" smtClean="0"/>
-              <a:t>2</a:t>
-            </a:r>
-            <a:r>
-              <a:rPr lang="zh-CN" altLang="en-US" dirty="0" smtClean="0"/>
-              <a:t>   </a:t>
-            </a:r>
-            <a:r>
-              <a:rPr lang="en-US" altLang="zh-CN" dirty="0" smtClean="0"/>
-              <a:t>3</a:t>
-            </a:r>
-            <a:r>
-              <a:rPr lang="zh-CN" altLang="en-US" dirty="0" smtClean="0"/>
-              <a:t> </a:t>
             </a:r>
             <a:r>
               <a:rPr lang="zh-CN" altLang="en-US" dirty="0"/>
               <a:t> </a:t>
             </a:r>
             <a:r>
-              <a:rPr lang="zh-CN" altLang="en-US" dirty="0" smtClean="0"/>
+              <a:rPr lang="en-US" altLang="zh-CN" dirty="0"/>
+              <a:t>-2</a:t>
+            </a:r>
+            <a:r>
+              <a:rPr lang="zh-CN" altLang="en-US" dirty="0"/>
               <a:t> </a:t>
             </a:r>
             <a:r>
-              <a:rPr lang="en-US" altLang="zh-CN" dirty="0" smtClean="0"/>
+              <a:rPr lang="en-US" altLang="zh-CN" dirty="0"/>
+              <a:t>-1</a:t>
+            </a:r>
+            <a:r>
+              <a:rPr lang="zh-CN" altLang="en-US" dirty="0"/>
+              <a:t>  </a:t>
+            </a:r>
+            <a:r>
+              <a:rPr lang="en-US" altLang="zh-CN" dirty="0"/>
+              <a:t>0</a:t>
+            </a:r>
+            <a:r>
+              <a:rPr lang="zh-CN" altLang="en-US" dirty="0"/>
+              <a:t>   </a:t>
+            </a:r>
+            <a:r>
+              <a:rPr lang="en-US" altLang="zh-CN" dirty="0"/>
+              <a:t>1</a:t>
+            </a:r>
+            <a:r>
+              <a:rPr lang="zh-CN" altLang="en-US" dirty="0"/>
+              <a:t>   </a:t>
+            </a:r>
+            <a:r>
+              <a:rPr lang="en-US" altLang="zh-CN" dirty="0"/>
+              <a:t>2</a:t>
+            </a:r>
+            <a:r>
+              <a:rPr lang="zh-CN" altLang="en-US" dirty="0"/>
+              <a:t>   </a:t>
+            </a:r>
+            <a:r>
+              <a:rPr lang="en-US" altLang="zh-CN" dirty="0"/>
+              <a:t>3</a:t>
+            </a:r>
+            <a:r>
+              <a:rPr lang="zh-CN" altLang="en-US" dirty="0"/>
+              <a:t>   </a:t>
+            </a:r>
+            <a:r>
+              <a:rPr lang="en-US" altLang="zh-CN" dirty="0"/>
               <a:t>4</a:t>
             </a:r>
             <a:r>
-              <a:rPr lang="zh-CN" altLang="en-US" dirty="0" smtClean="0"/>
+              <a:rPr lang="zh-CN" altLang="en-US" dirty="0"/>
               <a:t>  </a:t>
             </a:r>
             <a:r>
-              <a:rPr lang="en-US" altLang="zh-CN" dirty="0" smtClean="0"/>
+              <a:rPr lang="en-US" altLang="zh-CN" dirty="0"/>
               <a:t>5</a:t>
             </a:r>
             <a:r>
-              <a:rPr lang="zh-CN" altLang="en-US" dirty="0" smtClean="0"/>
+              <a:rPr lang="zh-CN" altLang="en-US" dirty="0"/>
               <a:t>  </a:t>
             </a:r>
             <a:endParaRPr lang="en-US" dirty="0"/>
@@ -13221,8 +13191,8 @@
           </p:txBody>
         </p:sp>
       </p:grpSp>
-      <mc:AlternateContent xmlns:mc="http://schemas.openxmlformats.org/markup-compatibility/2006">
-        <mc:Choice xmlns:a14="http://schemas.microsoft.com/office/drawing/2010/main" Requires="a14">
+      <mc:AlternateContent xmlns:mc="http://schemas.openxmlformats.org/markup-compatibility/2006" xmlns:a14="http://schemas.microsoft.com/office/drawing/2010/main">
+        <mc:Choice Requires="a14">
           <p:sp>
             <p:nvSpPr>
               <p:cNvPr id="43" name="TextBox 42"/>
@@ -13250,6 +13220,7 @@
               </a:bodyPr>
               <a:lstStyle/>
               <a:p>
+                <a:pPr/>
                 <a14:m>
                   <m:oMathPara xmlns:m="http://schemas.openxmlformats.org/officeDocument/2006/math">
                     <m:oMathParaPr>
@@ -13279,7 +13250,7 @@
             </p:txBody>
           </p:sp>
         </mc:Choice>
-        <mc:Fallback>
+        <mc:Fallback xmlns="">
           <p:sp>
             <p:nvSpPr>
               <p:cNvPr id="43" name="TextBox 42"/>
@@ -13357,6 +13328,5542 @@
     <p:extLst>
       <p:ext uri="{BB962C8B-B14F-4D97-AF65-F5344CB8AC3E}">
         <p14:creationId xmlns:p14="http://schemas.microsoft.com/office/powerpoint/2010/main" val="1726431154"/>
+      </p:ext>
+    </p:extLst>
+  </p:cSld>
+  <p:clrMapOvr>
+    <a:masterClrMapping/>
+  </p:clrMapOvr>
+</p:sld>
+</file>
+
+<file path=ppt/slides/slide4.xml><?xml version="1.0" encoding="utf-8"?>
+<p:sld xmlns:a="http://schemas.openxmlformats.org/drawingml/2006/main" xmlns:r="http://schemas.openxmlformats.org/officeDocument/2006/relationships" xmlns:p="http://schemas.openxmlformats.org/presentationml/2006/main">
+  <p:cSld>
+    <p:spTree>
+      <p:nvGrpSpPr>
+        <p:cNvPr id="1" name=""/>
+        <p:cNvGrpSpPr/>
+        <p:nvPr/>
+      </p:nvGrpSpPr>
+      <p:grpSpPr>
+        <a:xfrm>
+          <a:off x="0" y="0"/>
+          <a:ext cx="0" cy="0"/>
+          <a:chOff x="0" y="0"/>
+          <a:chExt cx="0" cy="0"/>
+        </a:xfrm>
+      </p:grpSpPr>
+      <p:graphicFrame>
+        <p:nvGraphicFramePr>
+          <p:cNvPr id="61" name="表格 60">
+            <a:extLst>
+              <a:ext uri="{FF2B5EF4-FFF2-40B4-BE49-F238E27FC236}">
+                <a16:creationId xmlns:a16="http://schemas.microsoft.com/office/drawing/2014/main" id="{3CCE5814-4B61-4DBB-9A11-931FCF116F84}"/>
+              </a:ext>
+            </a:extLst>
+          </p:cNvPr>
+          <p:cNvGraphicFramePr>
+            <a:graphicFrameLocks noGrp="1"/>
+          </p:cNvGraphicFramePr>
+          <p:nvPr>
+            <p:extLst>
+              <p:ext uri="{D42A27DB-BD31-4B8C-83A1-F6EECF244321}">
+                <p14:modId xmlns:p14="http://schemas.microsoft.com/office/powerpoint/2010/main" val="3075237294"/>
+              </p:ext>
+            </p:extLst>
+          </p:nvPr>
+        </p:nvGraphicFramePr>
+        <p:xfrm>
+          <a:off x="2335303" y="2079972"/>
+          <a:ext cx="5038000" cy="324000"/>
+        </p:xfrm>
+        <a:graphic>
+          <a:graphicData uri="http://schemas.openxmlformats.org/drawingml/2006/table">
+            <a:tbl>
+              <a:tblPr firstRow="1" bandRow="1">
+                <a:tableStyleId>{5C22544A-7EE6-4342-B048-85BDC9FD1C3A}</a:tableStyleId>
+              </a:tblPr>
+              <a:tblGrid>
+                <a:gridCol w="229000">
+                  <a:extLst>
+                    <a:ext uri="{9D8B030D-6E8A-4147-A177-3AD203B41FA5}">
+                      <a16:colId xmlns:a16="http://schemas.microsoft.com/office/drawing/2014/main" val="3718374824"/>
+                    </a:ext>
+                  </a:extLst>
+                </a:gridCol>
+                <a:gridCol w="229000">
+                  <a:extLst>
+                    <a:ext uri="{9D8B030D-6E8A-4147-A177-3AD203B41FA5}">
+                      <a16:colId xmlns:a16="http://schemas.microsoft.com/office/drawing/2014/main" val="1528776781"/>
+                    </a:ext>
+                  </a:extLst>
+                </a:gridCol>
+                <a:gridCol w="229000">
+                  <a:extLst>
+                    <a:ext uri="{9D8B030D-6E8A-4147-A177-3AD203B41FA5}">
+                      <a16:colId xmlns:a16="http://schemas.microsoft.com/office/drawing/2014/main" val="907594566"/>
+                    </a:ext>
+                  </a:extLst>
+                </a:gridCol>
+                <a:gridCol w="229000">
+                  <a:extLst>
+                    <a:ext uri="{9D8B030D-6E8A-4147-A177-3AD203B41FA5}">
+                      <a16:colId xmlns:a16="http://schemas.microsoft.com/office/drawing/2014/main" val="1910320266"/>
+                    </a:ext>
+                  </a:extLst>
+                </a:gridCol>
+                <a:gridCol w="229000">
+                  <a:extLst>
+                    <a:ext uri="{9D8B030D-6E8A-4147-A177-3AD203B41FA5}">
+                      <a16:colId xmlns:a16="http://schemas.microsoft.com/office/drawing/2014/main" val="3067004109"/>
+                    </a:ext>
+                  </a:extLst>
+                </a:gridCol>
+                <a:gridCol w="229000">
+                  <a:extLst>
+                    <a:ext uri="{9D8B030D-6E8A-4147-A177-3AD203B41FA5}">
+                      <a16:colId xmlns:a16="http://schemas.microsoft.com/office/drawing/2014/main" val="4254257457"/>
+                    </a:ext>
+                  </a:extLst>
+                </a:gridCol>
+                <a:gridCol w="229000">
+                  <a:extLst>
+                    <a:ext uri="{9D8B030D-6E8A-4147-A177-3AD203B41FA5}">
+                      <a16:colId xmlns:a16="http://schemas.microsoft.com/office/drawing/2014/main" val="1477360644"/>
+                    </a:ext>
+                  </a:extLst>
+                </a:gridCol>
+                <a:gridCol w="229000">
+                  <a:extLst>
+                    <a:ext uri="{9D8B030D-6E8A-4147-A177-3AD203B41FA5}">
+                      <a16:colId xmlns:a16="http://schemas.microsoft.com/office/drawing/2014/main" val="3130236360"/>
+                    </a:ext>
+                  </a:extLst>
+                </a:gridCol>
+                <a:gridCol w="229000">
+                  <a:extLst>
+                    <a:ext uri="{9D8B030D-6E8A-4147-A177-3AD203B41FA5}">
+                      <a16:colId xmlns:a16="http://schemas.microsoft.com/office/drawing/2014/main" val="330399890"/>
+                    </a:ext>
+                  </a:extLst>
+                </a:gridCol>
+                <a:gridCol w="229000">
+                  <a:extLst>
+                    <a:ext uri="{9D8B030D-6E8A-4147-A177-3AD203B41FA5}">
+                      <a16:colId xmlns:a16="http://schemas.microsoft.com/office/drawing/2014/main" val="2989841972"/>
+                    </a:ext>
+                  </a:extLst>
+                </a:gridCol>
+                <a:gridCol w="229000">
+                  <a:extLst>
+                    <a:ext uri="{9D8B030D-6E8A-4147-A177-3AD203B41FA5}">
+                      <a16:colId xmlns:a16="http://schemas.microsoft.com/office/drawing/2014/main" val="2397422866"/>
+                    </a:ext>
+                  </a:extLst>
+                </a:gridCol>
+                <a:gridCol w="229000">
+                  <a:extLst>
+                    <a:ext uri="{9D8B030D-6E8A-4147-A177-3AD203B41FA5}">
+                      <a16:colId xmlns:a16="http://schemas.microsoft.com/office/drawing/2014/main" val="4122723354"/>
+                    </a:ext>
+                  </a:extLst>
+                </a:gridCol>
+                <a:gridCol w="229000">
+                  <a:extLst>
+                    <a:ext uri="{9D8B030D-6E8A-4147-A177-3AD203B41FA5}">
+                      <a16:colId xmlns:a16="http://schemas.microsoft.com/office/drawing/2014/main" val="2305147262"/>
+                    </a:ext>
+                  </a:extLst>
+                </a:gridCol>
+                <a:gridCol w="229000">
+                  <a:extLst>
+                    <a:ext uri="{9D8B030D-6E8A-4147-A177-3AD203B41FA5}">
+                      <a16:colId xmlns:a16="http://schemas.microsoft.com/office/drawing/2014/main" val="1457410911"/>
+                    </a:ext>
+                  </a:extLst>
+                </a:gridCol>
+                <a:gridCol w="229000">
+                  <a:extLst>
+                    <a:ext uri="{9D8B030D-6E8A-4147-A177-3AD203B41FA5}">
+                      <a16:colId xmlns:a16="http://schemas.microsoft.com/office/drawing/2014/main" val="8011342"/>
+                    </a:ext>
+                  </a:extLst>
+                </a:gridCol>
+                <a:gridCol w="229000">
+                  <a:extLst>
+                    <a:ext uri="{9D8B030D-6E8A-4147-A177-3AD203B41FA5}">
+                      <a16:colId xmlns:a16="http://schemas.microsoft.com/office/drawing/2014/main" val="624112903"/>
+                    </a:ext>
+                  </a:extLst>
+                </a:gridCol>
+                <a:gridCol w="229000">
+                  <a:extLst>
+                    <a:ext uri="{9D8B030D-6E8A-4147-A177-3AD203B41FA5}">
+                      <a16:colId xmlns:a16="http://schemas.microsoft.com/office/drawing/2014/main" val="1803181988"/>
+                    </a:ext>
+                  </a:extLst>
+                </a:gridCol>
+                <a:gridCol w="229000">
+                  <a:extLst>
+                    <a:ext uri="{9D8B030D-6E8A-4147-A177-3AD203B41FA5}">
+                      <a16:colId xmlns:a16="http://schemas.microsoft.com/office/drawing/2014/main" val="25294240"/>
+                    </a:ext>
+                  </a:extLst>
+                </a:gridCol>
+                <a:gridCol w="229000">
+                  <a:extLst>
+                    <a:ext uri="{9D8B030D-6E8A-4147-A177-3AD203B41FA5}">
+                      <a16:colId xmlns:a16="http://schemas.microsoft.com/office/drawing/2014/main" val="3103909165"/>
+                    </a:ext>
+                  </a:extLst>
+                </a:gridCol>
+                <a:gridCol w="229000">
+                  <a:extLst>
+                    <a:ext uri="{9D8B030D-6E8A-4147-A177-3AD203B41FA5}">
+                      <a16:colId xmlns:a16="http://schemas.microsoft.com/office/drawing/2014/main" val="2718429375"/>
+                    </a:ext>
+                  </a:extLst>
+                </a:gridCol>
+                <a:gridCol w="229000">
+                  <a:extLst>
+                    <a:ext uri="{9D8B030D-6E8A-4147-A177-3AD203B41FA5}">
+                      <a16:colId xmlns:a16="http://schemas.microsoft.com/office/drawing/2014/main" val="3968874117"/>
+                    </a:ext>
+                  </a:extLst>
+                </a:gridCol>
+                <a:gridCol w="229000">
+                  <a:extLst>
+                    <a:ext uri="{9D8B030D-6E8A-4147-A177-3AD203B41FA5}">
+                      <a16:colId xmlns:a16="http://schemas.microsoft.com/office/drawing/2014/main" val="3766361623"/>
+                    </a:ext>
+                  </a:extLst>
+                </a:gridCol>
+              </a:tblGrid>
+              <a:tr h="324000">
+                <a:tc>
+                  <a:txBody>
+                    <a:bodyPr/>
+                    <a:lstStyle/>
+                    <a:p>
+                      <a:pPr algn="ctr" fontAlgn="b"/>
+                      <a:r>
+                        <a:rPr lang="en-US" sz="1100" b="0" i="0" u="none" strike="noStrike" dirty="0">
+                          <a:solidFill>
+                            <a:srgbClr val="000000"/>
+                          </a:solidFill>
+                          <a:effectLst/>
+                          <a:latin typeface="Calibri" panose="020F0502020204030204" pitchFamily="34" charset="0"/>
+                        </a:rPr>
+                        <a:t>9</a:t>
+                      </a:r>
+                    </a:p>
+                  </a:txBody>
+                  <a:tcPr marL="6350" marR="6350" marT="6350" marB="0" anchor="b">
+                    <a:lnL w="12700" cmpd="sng">
+                      <a:noFill/>
+                    </a:lnL>
+                    <a:lnR w="12700" cmpd="sng">
+                      <a:noFill/>
+                    </a:lnR>
+                    <a:lnT w="12700" cmpd="sng">
+                      <a:noFill/>
+                    </a:lnT>
+                    <a:lnB w="38100" cmpd="sng">
+                      <a:noFill/>
+                    </a:lnB>
+                    <a:lnTlToBr w="12700" cmpd="sng">
+                      <a:noFill/>
+                      <a:prstDash val="solid"/>
+                    </a:lnTlToBr>
+                    <a:lnBlToTr w="12700" cmpd="sng">
+                      <a:noFill/>
+                      <a:prstDash val="solid"/>
+                    </a:lnBlToTr>
+                    <a:noFill/>
+                  </a:tcPr>
+                </a:tc>
+                <a:tc>
+                  <a:txBody>
+                    <a:bodyPr/>
+                    <a:lstStyle/>
+                    <a:p>
+                      <a:pPr algn="ctr" fontAlgn="b"/>
+                      <a:r>
+                        <a:rPr lang="en-US" sz="1100" b="0" i="0" u="none" strike="noStrike" dirty="0">
+                          <a:solidFill>
+                            <a:srgbClr val="000000"/>
+                          </a:solidFill>
+                          <a:effectLst/>
+                          <a:latin typeface="Calibri" panose="020F0502020204030204" pitchFamily="34" charset="0"/>
+                        </a:rPr>
+                        <a:t>10</a:t>
+                      </a:r>
+                    </a:p>
+                  </a:txBody>
+                  <a:tcPr marL="6350" marR="6350" marT="6350" marB="0" anchor="b">
+                    <a:lnL w="12700" cmpd="sng">
+                      <a:noFill/>
+                    </a:lnL>
+                    <a:lnR w="12700" cmpd="sng">
+                      <a:noFill/>
+                    </a:lnR>
+                    <a:lnT w="12700" cmpd="sng">
+                      <a:noFill/>
+                    </a:lnT>
+                    <a:lnB w="38100" cmpd="sng">
+                      <a:noFill/>
+                    </a:lnB>
+                    <a:lnTlToBr w="12700" cmpd="sng">
+                      <a:noFill/>
+                      <a:prstDash val="solid"/>
+                    </a:lnTlToBr>
+                    <a:lnBlToTr w="12700" cmpd="sng">
+                      <a:noFill/>
+                      <a:prstDash val="solid"/>
+                    </a:lnBlToTr>
+                    <a:noFill/>
+                  </a:tcPr>
+                </a:tc>
+                <a:tc>
+                  <a:txBody>
+                    <a:bodyPr/>
+                    <a:lstStyle/>
+                    <a:p>
+                      <a:pPr algn="ctr" fontAlgn="b"/>
+                      <a:r>
+                        <a:rPr lang="en-US" sz="1100" b="0" i="0" u="none" strike="noStrike" dirty="0">
+                          <a:solidFill>
+                            <a:srgbClr val="000000"/>
+                          </a:solidFill>
+                          <a:effectLst/>
+                          <a:latin typeface="Calibri" panose="020F0502020204030204" pitchFamily="34" charset="0"/>
+                        </a:rPr>
+                        <a:t>11</a:t>
+                      </a:r>
+                    </a:p>
+                  </a:txBody>
+                  <a:tcPr marL="6350" marR="6350" marT="6350" marB="0" anchor="b">
+                    <a:lnL w="12700" cmpd="sng">
+                      <a:noFill/>
+                    </a:lnL>
+                    <a:lnR w="12700" cmpd="sng">
+                      <a:noFill/>
+                    </a:lnR>
+                    <a:lnT w="12700" cmpd="sng">
+                      <a:noFill/>
+                    </a:lnT>
+                    <a:lnB w="38100" cmpd="sng">
+                      <a:noFill/>
+                    </a:lnB>
+                    <a:lnTlToBr w="12700" cmpd="sng">
+                      <a:noFill/>
+                      <a:prstDash val="solid"/>
+                    </a:lnTlToBr>
+                    <a:lnBlToTr w="12700" cmpd="sng">
+                      <a:noFill/>
+                      <a:prstDash val="solid"/>
+                    </a:lnBlToTr>
+                    <a:noFill/>
+                  </a:tcPr>
+                </a:tc>
+                <a:tc>
+                  <a:txBody>
+                    <a:bodyPr/>
+                    <a:lstStyle/>
+                    <a:p>
+                      <a:pPr algn="ctr" fontAlgn="b"/>
+                      <a:r>
+                        <a:rPr lang="en-US" sz="1100" b="0" i="0" u="none" strike="noStrike" dirty="0">
+                          <a:solidFill>
+                            <a:srgbClr val="000000"/>
+                          </a:solidFill>
+                          <a:effectLst/>
+                          <a:latin typeface="Calibri" panose="020F0502020204030204" pitchFamily="34" charset="0"/>
+                        </a:rPr>
+                        <a:t>12</a:t>
+                      </a:r>
+                    </a:p>
+                  </a:txBody>
+                  <a:tcPr marL="6350" marR="6350" marT="6350" marB="0" anchor="b">
+                    <a:lnL w="12700" cmpd="sng">
+                      <a:noFill/>
+                    </a:lnL>
+                    <a:lnR w="12700" cmpd="sng">
+                      <a:noFill/>
+                    </a:lnR>
+                    <a:lnT w="12700" cmpd="sng">
+                      <a:noFill/>
+                    </a:lnT>
+                    <a:lnB w="38100" cmpd="sng">
+                      <a:noFill/>
+                    </a:lnB>
+                    <a:lnTlToBr w="12700" cmpd="sng">
+                      <a:noFill/>
+                      <a:prstDash val="solid"/>
+                    </a:lnTlToBr>
+                    <a:lnBlToTr w="12700" cmpd="sng">
+                      <a:noFill/>
+                      <a:prstDash val="solid"/>
+                    </a:lnBlToTr>
+                    <a:noFill/>
+                  </a:tcPr>
+                </a:tc>
+                <a:tc>
+                  <a:txBody>
+                    <a:bodyPr/>
+                    <a:lstStyle/>
+                    <a:p>
+                      <a:pPr algn="ctr" fontAlgn="b"/>
+                      <a:r>
+                        <a:rPr lang="en-US" sz="1100" b="0" i="0" u="none" strike="noStrike" dirty="0">
+                          <a:solidFill>
+                            <a:srgbClr val="000000"/>
+                          </a:solidFill>
+                          <a:effectLst/>
+                          <a:latin typeface="Calibri" panose="020F0502020204030204" pitchFamily="34" charset="0"/>
+                        </a:rPr>
+                        <a:t>13</a:t>
+                      </a:r>
+                    </a:p>
+                  </a:txBody>
+                  <a:tcPr marL="6350" marR="6350" marT="6350" marB="0" anchor="b">
+                    <a:lnL w="12700" cmpd="sng">
+                      <a:noFill/>
+                    </a:lnL>
+                    <a:lnR w="12700" cmpd="sng">
+                      <a:noFill/>
+                    </a:lnR>
+                    <a:lnT w="12700" cmpd="sng">
+                      <a:noFill/>
+                    </a:lnT>
+                    <a:lnB w="38100" cmpd="sng">
+                      <a:noFill/>
+                    </a:lnB>
+                    <a:lnTlToBr w="12700" cmpd="sng">
+                      <a:noFill/>
+                      <a:prstDash val="solid"/>
+                    </a:lnTlToBr>
+                    <a:lnBlToTr w="12700" cmpd="sng">
+                      <a:noFill/>
+                      <a:prstDash val="solid"/>
+                    </a:lnBlToTr>
+                    <a:noFill/>
+                  </a:tcPr>
+                </a:tc>
+                <a:tc>
+                  <a:txBody>
+                    <a:bodyPr/>
+                    <a:lstStyle/>
+                    <a:p>
+                      <a:pPr algn="ctr" fontAlgn="b"/>
+                      <a:r>
+                        <a:rPr lang="en-US" sz="1100" b="0" i="0" u="none" strike="noStrike" dirty="0">
+                          <a:solidFill>
+                            <a:srgbClr val="000000"/>
+                          </a:solidFill>
+                          <a:effectLst/>
+                          <a:latin typeface="Calibri" panose="020F0502020204030204" pitchFamily="34" charset="0"/>
+                        </a:rPr>
+                        <a:t>14</a:t>
+                      </a:r>
+                    </a:p>
+                  </a:txBody>
+                  <a:tcPr marL="6350" marR="6350" marT="6350" marB="0" anchor="b">
+                    <a:lnL w="12700" cmpd="sng">
+                      <a:noFill/>
+                    </a:lnL>
+                    <a:lnR w="12700" cmpd="sng">
+                      <a:noFill/>
+                    </a:lnR>
+                    <a:lnT w="12700" cmpd="sng">
+                      <a:noFill/>
+                    </a:lnT>
+                    <a:lnB w="38100" cmpd="sng">
+                      <a:noFill/>
+                    </a:lnB>
+                    <a:lnTlToBr w="12700" cmpd="sng">
+                      <a:noFill/>
+                      <a:prstDash val="solid"/>
+                    </a:lnTlToBr>
+                    <a:lnBlToTr w="12700" cmpd="sng">
+                      <a:noFill/>
+                      <a:prstDash val="solid"/>
+                    </a:lnBlToTr>
+                    <a:noFill/>
+                  </a:tcPr>
+                </a:tc>
+                <a:tc>
+                  <a:txBody>
+                    <a:bodyPr/>
+                    <a:lstStyle/>
+                    <a:p>
+                      <a:pPr algn="ctr" fontAlgn="b"/>
+                      <a:r>
+                        <a:rPr lang="en-US" sz="1100" b="0" i="0" u="none" strike="noStrike" dirty="0">
+                          <a:solidFill>
+                            <a:srgbClr val="000000"/>
+                          </a:solidFill>
+                          <a:effectLst/>
+                          <a:latin typeface="Calibri" panose="020F0502020204030204" pitchFamily="34" charset="0"/>
+                        </a:rPr>
+                        <a:t>15</a:t>
+                      </a:r>
+                    </a:p>
+                  </a:txBody>
+                  <a:tcPr marL="6350" marR="6350" marT="6350" marB="0" anchor="b">
+                    <a:lnL w="12700" cmpd="sng">
+                      <a:noFill/>
+                    </a:lnL>
+                    <a:lnR w="12700" cmpd="sng">
+                      <a:noFill/>
+                    </a:lnR>
+                    <a:lnT w="12700" cmpd="sng">
+                      <a:noFill/>
+                    </a:lnT>
+                    <a:lnB w="38100" cmpd="sng">
+                      <a:noFill/>
+                    </a:lnB>
+                    <a:lnTlToBr w="12700" cmpd="sng">
+                      <a:noFill/>
+                      <a:prstDash val="solid"/>
+                    </a:lnTlToBr>
+                    <a:lnBlToTr w="12700" cmpd="sng">
+                      <a:noFill/>
+                      <a:prstDash val="solid"/>
+                    </a:lnBlToTr>
+                    <a:noFill/>
+                  </a:tcPr>
+                </a:tc>
+                <a:tc>
+                  <a:txBody>
+                    <a:bodyPr/>
+                    <a:lstStyle/>
+                    <a:p>
+                      <a:pPr algn="ctr" fontAlgn="b"/>
+                      <a:r>
+                        <a:rPr lang="en-US" sz="1100" b="0" i="0" u="none" strike="noStrike">
+                          <a:solidFill>
+                            <a:srgbClr val="000000"/>
+                          </a:solidFill>
+                          <a:effectLst/>
+                          <a:latin typeface="Calibri" panose="020F0502020204030204" pitchFamily="34" charset="0"/>
+                        </a:rPr>
+                        <a:t>16</a:t>
+                      </a:r>
+                    </a:p>
+                  </a:txBody>
+                  <a:tcPr marL="6350" marR="6350" marT="6350" marB="0" anchor="b">
+                    <a:lnL w="12700" cmpd="sng">
+                      <a:noFill/>
+                    </a:lnL>
+                    <a:lnR w="12700" cmpd="sng">
+                      <a:noFill/>
+                    </a:lnR>
+                    <a:lnT w="12700" cmpd="sng">
+                      <a:noFill/>
+                    </a:lnT>
+                    <a:lnB w="38100" cmpd="sng">
+                      <a:noFill/>
+                    </a:lnB>
+                    <a:lnTlToBr w="12700" cmpd="sng">
+                      <a:noFill/>
+                      <a:prstDash val="solid"/>
+                    </a:lnTlToBr>
+                    <a:lnBlToTr w="12700" cmpd="sng">
+                      <a:noFill/>
+                      <a:prstDash val="solid"/>
+                    </a:lnBlToTr>
+                    <a:noFill/>
+                  </a:tcPr>
+                </a:tc>
+                <a:tc>
+                  <a:txBody>
+                    <a:bodyPr/>
+                    <a:lstStyle/>
+                    <a:p>
+                      <a:pPr algn="ctr" fontAlgn="b"/>
+                      <a:r>
+                        <a:rPr lang="en-US" sz="1100" b="0" i="0" u="none" strike="noStrike">
+                          <a:solidFill>
+                            <a:srgbClr val="000000"/>
+                          </a:solidFill>
+                          <a:effectLst/>
+                          <a:latin typeface="Calibri" panose="020F0502020204030204" pitchFamily="34" charset="0"/>
+                        </a:rPr>
+                        <a:t>17</a:t>
+                      </a:r>
+                    </a:p>
+                  </a:txBody>
+                  <a:tcPr marL="6350" marR="6350" marT="6350" marB="0" anchor="b">
+                    <a:lnL w="12700" cmpd="sng">
+                      <a:noFill/>
+                    </a:lnL>
+                    <a:lnR w="12700" cmpd="sng">
+                      <a:noFill/>
+                    </a:lnR>
+                    <a:lnT w="12700" cmpd="sng">
+                      <a:noFill/>
+                    </a:lnT>
+                    <a:lnB w="38100" cmpd="sng">
+                      <a:noFill/>
+                    </a:lnB>
+                    <a:lnTlToBr w="12700" cmpd="sng">
+                      <a:noFill/>
+                      <a:prstDash val="solid"/>
+                    </a:lnTlToBr>
+                    <a:lnBlToTr w="12700" cmpd="sng">
+                      <a:noFill/>
+                      <a:prstDash val="solid"/>
+                    </a:lnBlToTr>
+                    <a:noFill/>
+                  </a:tcPr>
+                </a:tc>
+                <a:tc>
+                  <a:txBody>
+                    <a:bodyPr/>
+                    <a:lstStyle/>
+                    <a:p>
+                      <a:pPr algn="ctr" fontAlgn="b"/>
+                      <a:r>
+                        <a:rPr lang="en-US" sz="1100" b="0" i="0" u="none" strike="noStrike">
+                          <a:solidFill>
+                            <a:srgbClr val="000000"/>
+                          </a:solidFill>
+                          <a:effectLst/>
+                          <a:latin typeface="Calibri" panose="020F0502020204030204" pitchFamily="34" charset="0"/>
+                        </a:rPr>
+                        <a:t>18</a:t>
+                      </a:r>
+                    </a:p>
+                  </a:txBody>
+                  <a:tcPr marL="6350" marR="6350" marT="6350" marB="0" anchor="b">
+                    <a:lnL w="12700" cmpd="sng">
+                      <a:noFill/>
+                    </a:lnL>
+                    <a:lnR w="12700" cmpd="sng">
+                      <a:noFill/>
+                    </a:lnR>
+                    <a:lnT w="12700" cmpd="sng">
+                      <a:noFill/>
+                    </a:lnT>
+                    <a:lnB w="38100" cmpd="sng">
+                      <a:noFill/>
+                    </a:lnB>
+                    <a:lnTlToBr w="12700" cmpd="sng">
+                      <a:noFill/>
+                      <a:prstDash val="solid"/>
+                    </a:lnTlToBr>
+                    <a:lnBlToTr w="12700" cmpd="sng">
+                      <a:noFill/>
+                      <a:prstDash val="solid"/>
+                    </a:lnBlToTr>
+                    <a:noFill/>
+                  </a:tcPr>
+                </a:tc>
+                <a:tc>
+                  <a:txBody>
+                    <a:bodyPr/>
+                    <a:lstStyle/>
+                    <a:p>
+                      <a:pPr algn="ctr" fontAlgn="b"/>
+                      <a:r>
+                        <a:rPr lang="en-US" sz="1100" b="0" i="0" u="none" strike="noStrike" dirty="0">
+                          <a:solidFill>
+                            <a:srgbClr val="000000"/>
+                          </a:solidFill>
+                          <a:effectLst/>
+                          <a:latin typeface="Calibri" panose="020F0502020204030204" pitchFamily="34" charset="0"/>
+                        </a:rPr>
+                        <a:t>19</a:t>
+                      </a:r>
+                    </a:p>
+                  </a:txBody>
+                  <a:tcPr marL="6350" marR="6350" marT="6350" marB="0" anchor="b">
+                    <a:lnL w="12700" cmpd="sng">
+                      <a:noFill/>
+                    </a:lnL>
+                    <a:lnR w="12700" cmpd="sng">
+                      <a:noFill/>
+                    </a:lnR>
+                    <a:lnT w="12700" cmpd="sng">
+                      <a:noFill/>
+                    </a:lnT>
+                    <a:lnB w="38100" cmpd="sng">
+                      <a:noFill/>
+                    </a:lnB>
+                    <a:lnTlToBr w="12700" cmpd="sng">
+                      <a:noFill/>
+                      <a:prstDash val="solid"/>
+                    </a:lnTlToBr>
+                    <a:lnBlToTr w="12700" cmpd="sng">
+                      <a:noFill/>
+                      <a:prstDash val="solid"/>
+                    </a:lnBlToTr>
+                    <a:noFill/>
+                  </a:tcPr>
+                </a:tc>
+                <a:tc>
+                  <a:txBody>
+                    <a:bodyPr/>
+                    <a:lstStyle/>
+                    <a:p>
+                      <a:pPr algn="ctr" fontAlgn="b"/>
+                      <a:r>
+                        <a:rPr lang="en-US" sz="1100" b="0" i="0" u="none" strike="noStrike">
+                          <a:solidFill>
+                            <a:srgbClr val="000000"/>
+                          </a:solidFill>
+                          <a:effectLst/>
+                          <a:latin typeface="Calibri" panose="020F0502020204030204" pitchFamily="34" charset="0"/>
+                        </a:rPr>
+                        <a:t>20</a:t>
+                      </a:r>
+                    </a:p>
+                  </a:txBody>
+                  <a:tcPr marL="6350" marR="6350" marT="6350" marB="0" anchor="b">
+                    <a:lnL w="12700" cmpd="sng">
+                      <a:noFill/>
+                    </a:lnL>
+                    <a:lnR w="12700" cmpd="sng">
+                      <a:noFill/>
+                    </a:lnR>
+                    <a:lnT w="12700" cmpd="sng">
+                      <a:noFill/>
+                    </a:lnT>
+                    <a:lnB w="38100" cmpd="sng">
+                      <a:noFill/>
+                    </a:lnB>
+                    <a:lnTlToBr w="12700" cmpd="sng">
+                      <a:noFill/>
+                      <a:prstDash val="solid"/>
+                    </a:lnTlToBr>
+                    <a:lnBlToTr w="12700" cmpd="sng">
+                      <a:noFill/>
+                      <a:prstDash val="solid"/>
+                    </a:lnBlToTr>
+                    <a:noFill/>
+                  </a:tcPr>
+                </a:tc>
+                <a:tc>
+                  <a:txBody>
+                    <a:bodyPr/>
+                    <a:lstStyle/>
+                    <a:p>
+                      <a:pPr algn="ctr" fontAlgn="b"/>
+                      <a:r>
+                        <a:rPr lang="en-US" sz="1100" b="0" i="0" u="none" strike="noStrike" dirty="0">
+                          <a:solidFill>
+                            <a:srgbClr val="000000"/>
+                          </a:solidFill>
+                          <a:effectLst/>
+                          <a:latin typeface="Calibri" panose="020F0502020204030204" pitchFamily="34" charset="0"/>
+                        </a:rPr>
+                        <a:t>21</a:t>
+                      </a:r>
+                    </a:p>
+                  </a:txBody>
+                  <a:tcPr marL="6350" marR="6350" marT="6350" marB="0" anchor="b">
+                    <a:lnL w="12700" cmpd="sng">
+                      <a:noFill/>
+                    </a:lnL>
+                    <a:lnR w="12700" cmpd="sng">
+                      <a:noFill/>
+                    </a:lnR>
+                    <a:lnT w="12700" cmpd="sng">
+                      <a:noFill/>
+                    </a:lnT>
+                    <a:lnB w="38100" cmpd="sng">
+                      <a:noFill/>
+                    </a:lnB>
+                    <a:lnTlToBr w="12700" cmpd="sng">
+                      <a:noFill/>
+                      <a:prstDash val="solid"/>
+                    </a:lnTlToBr>
+                    <a:lnBlToTr w="12700" cmpd="sng">
+                      <a:noFill/>
+                      <a:prstDash val="solid"/>
+                    </a:lnBlToTr>
+                    <a:noFill/>
+                  </a:tcPr>
+                </a:tc>
+                <a:tc>
+                  <a:txBody>
+                    <a:bodyPr/>
+                    <a:lstStyle/>
+                    <a:p>
+                      <a:pPr algn="ctr" fontAlgn="b"/>
+                      <a:r>
+                        <a:rPr lang="en-US" sz="1100" b="0" i="0" u="none" strike="noStrike" dirty="0">
+                          <a:solidFill>
+                            <a:srgbClr val="000000"/>
+                          </a:solidFill>
+                          <a:effectLst/>
+                          <a:latin typeface="Calibri" panose="020F0502020204030204" pitchFamily="34" charset="0"/>
+                        </a:rPr>
+                        <a:t>22</a:t>
+                      </a:r>
+                    </a:p>
+                  </a:txBody>
+                  <a:tcPr marL="6350" marR="6350" marT="6350" marB="0" anchor="b">
+                    <a:lnL w="12700" cmpd="sng">
+                      <a:noFill/>
+                    </a:lnL>
+                    <a:lnR w="12700" cmpd="sng">
+                      <a:noFill/>
+                    </a:lnR>
+                    <a:lnT w="12700" cmpd="sng">
+                      <a:noFill/>
+                    </a:lnT>
+                    <a:lnB w="38100" cmpd="sng">
+                      <a:noFill/>
+                    </a:lnB>
+                    <a:lnTlToBr w="12700" cmpd="sng">
+                      <a:noFill/>
+                      <a:prstDash val="solid"/>
+                    </a:lnTlToBr>
+                    <a:lnBlToTr w="12700" cmpd="sng">
+                      <a:noFill/>
+                      <a:prstDash val="solid"/>
+                    </a:lnBlToTr>
+                    <a:noFill/>
+                  </a:tcPr>
+                </a:tc>
+                <a:tc>
+                  <a:txBody>
+                    <a:bodyPr/>
+                    <a:lstStyle/>
+                    <a:p>
+                      <a:pPr algn="ctr" fontAlgn="b"/>
+                      <a:r>
+                        <a:rPr lang="en-US" sz="1100" b="0" i="0" u="none" strike="noStrike" dirty="0">
+                          <a:solidFill>
+                            <a:srgbClr val="000000"/>
+                          </a:solidFill>
+                          <a:effectLst/>
+                          <a:latin typeface="Calibri" panose="020F0502020204030204" pitchFamily="34" charset="0"/>
+                        </a:rPr>
+                        <a:t>23</a:t>
+                      </a:r>
+                    </a:p>
+                  </a:txBody>
+                  <a:tcPr marL="6350" marR="6350" marT="6350" marB="0" anchor="b">
+                    <a:lnL w="12700" cmpd="sng">
+                      <a:noFill/>
+                    </a:lnL>
+                    <a:lnR w="12700" cmpd="sng">
+                      <a:noFill/>
+                    </a:lnR>
+                    <a:lnT w="12700" cmpd="sng">
+                      <a:noFill/>
+                    </a:lnT>
+                    <a:lnB w="38100" cmpd="sng">
+                      <a:noFill/>
+                    </a:lnB>
+                    <a:lnTlToBr w="12700" cmpd="sng">
+                      <a:noFill/>
+                      <a:prstDash val="solid"/>
+                    </a:lnTlToBr>
+                    <a:lnBlToTr w="12700" cmpd="sng">
+                      <a:noFill/>
+                      <a:prstDash val="solid"/>
+                    </a:lnBlToTr>
+                    <a:noFill/>
+                  </a:tcPr>
+                </a:tc>
+                <a:tc>
+                  <a:txBody>
+                    <a:bodyPr/>
+                    <a:lstStyle/>
+                    <a:p>
+                      <a:pPr algn="ctr" fontAlgn="b"/>
+                      <a:r>
+                        <a:rPr lang="en-US" sz="1100" b="0" i="0" u="none" strike="noStrike" dirty="0">
+                          <a:solidFill>
+                            <a:srgbClr val="000000"/>
+                          </a:solidFill>
+                          <a:effectLst/>
+                          <a:latin typeface="Calibri" panose="020F0502020204030204" pitchFamily="34" charset="0"/>
+                        </a:rPr>
+                        <a:t>24</a:t>
+                      </a:r>
+                    </a:p>
+                  </a:txBody>
+                  <a:tcPr marL="6350" marR="6350" marT="6350" marB="0" anchor="b">
+                    <a:lnL w="12700" cmpd="sng">
+                      <a:noFill/>
+                    </a:lnL>
+                    <a:lnR w="12700" cmpd="sng">
+                      <a:noFill/>
+                    </a:lnR>
+                    <a:lnT w="12700" cmpd="sng">
+                      <a:noFill/>
+                    </a:lnT>
+                    <a:lnB w="38100" cmpd="sng">
+                      <a:noFill/>
+                    </a:lnB>
+                    <a:lnTlToBr w="12700" cmpd="sng">
+                      <a:noFill/>
+                      <a:prstDash val="solid"/>
+                    </a:lnTlToBr>
+                    <a:lnBlToTr w="12700" cmpd="sng">
+                      <a:noFill/>
+                      <a:prstDash val="solid"/>
+                    </a:lnBlToTr>
+                    <a:noFill/>
+                  </a:tcPr>
+                </a:tc>
+                <a:tc>
+                  <a:txBody>
+                    <a:bodyPr/>
+                    <a:lstStyle/>
+                    <a:p>
+                      <a:pPr algn="ctr" fontAlgn="b"/>
+                      <a:r>
+                        <a:rPr lang="en-US" sz="1100" b="0" i="0" u="none" strike="noStrike" dirty="0">
+                          <a:solidFill>
+                            <a:srgbClr val="000000"/>
+                          </a:solidFill>
+                          <a:effectLst/>
+                          <a:latin typeface="Calibri" panose="020F0502020204030204" pitchFamily="34" charset="0"/>
+                        </a:rPr>
+                        <a:t>25</a:t>
+                      </a:r>
+                    </a:p>
+                  </a:txBody>
+                  <a:tcPr marL="6350" marR="6350" marT="6350" marB="0" anchor="b">
+                    <a:lnL w="12700" cmpd="sng">
+                      <a:noFill/>
+                    </a:lnL>
+                    <a:lnR w="12700" cmpd="sng">
+                      <a:noFill/>
+                    </a:lnR>
+                    <a:lnT w="12700" cmpd="sng">
+                      <a:noFill/>
+                    </a:lnT>
+                    <a:lnB w="38100" cmpd="sng">
+                      <a:noFill/>
+                    </a:lnB>
+                    <a:lnTlToBr w="12700" cmpd="sng">
+                      <a:noFill/>
+                      <a:prstDash val="solid"/>
+                    </a:lnTlToBr>
+                    <a:lnBlToTr w="12700" cmpd="sng">
+                      <a:noFill/>
+                      <a:prstDash val="solid"/>
+                    </a:lnBlToTr>
+                    <a:noFill/>
+                  </a:tcPr>
+                </a:tc>
+                <a:tc>
+                  <a:txBody>
+                    <a:bodyPr/>
+                    <a:lstStyle/>
+                    <a:p>
+                      <a:pPr algn="ctr" fontAlgn="b"/>
+                      <a:r>
+                        <a:rPr lang="en-US" sz="1100" b="0" i="0" u="none" strike="noStrike" dirty="0">
+                          <a:solidFill>
+                            <a:srgbClr val="000000"/>
+                          </a:solidFill>
+                          <a:effectLst/>
+                          <a:latin typeface="Calibri" panose="020F0502020204030204" pitchFamily="34" charset="0"/>
+                        </a:rPr>
+                        <a:t>26</a:t>
+                      </a:r>
+                    </a:p>
+                  </a:txBody>
+                  <a:tcPr marL="6350" marR="6350" marT="6350" marB="0" anchor="b">
+                    <a:lnL w="12700" cmpd="sng">
+                      <a:noFill/>
+                    </a:lnL>
+                    <a:lnR w="12700" cmpd="sng">
+                      <a:noFill/>
+                    </a:lnR>
+                    <a:lnT w="12700" cmpd="sng">
+                      <a:noFill/>
+                    </a:lnT>
+                    <a:lnB w="38100" cmpd="sng">
+                      <a:noFill/>
+                    </a:lnB>
+                    <a:lnTlToBr w="12700" cmpd="sng">
+                      <a:noFill/>
+                      <a:prstDash val="solid"/>
+                    </a:lnTlToBr>
+                    <a:lnBlToTr w="12700" cmpd="sng">
+                      <a:noFill/>
+                      <a:prstDash val="solid"/>
+                    </a:lnBlToTr>
+                    <a:noFill/>
+                  </a:tcPr>
+                </a:tc>
+                <a:tc>
+                  <a:txBody>
+                    <a:bodyPr/>
+                    <a:lstStyle/>
+                    <a:p>
+                      <a:pPr algn="ctr" fontAlgn="b"/>
+                      <a:r>
+                        <a:rPr lang="en-US" sz="1100" b="0" i="0" u="none" strike="noStrike" dirty="0">
+                          <a:solidFill>
+                            <a:srgbClr val="000000"/>
+                          </a:solidFill>
+                          <a:effectLst/>
+                          <a:latin typeface="Calibri" panose="020F0502020204030204" pitchFamily="34" charset="0"/>
+                        </a:rPr>
+                        <a:t>27</a:t>
+                      </a:r>
+                    </a:p>
+                  </a:txBody>
+                  <a:tcPr marL="6350" marR="6350" marT="6350" marB="0" anchor="b">
+                    <a:lnL w="12700" cmpd="sng">
+                      <a:noFill/>
+                    </a:lnL>
+                    <a:lnR w="12700" cmpd="sng">
+                      <a:noFill/>
+                    </a:lnR>
+                    <a:lnT w="12700" cmpd="sng">
+                      <a:noFill/>
+                    </a:lnT>
+                    <a:lnB w="38100" cmpd="sng">
+                      <a:noFill/>
+                    </a:lnB>
+                    <a:lnTlToBr w="12700" cmpd="sng">
+                      <a:noFill/>
+                      <a:prstDash val="solid"/>
+                    </a:lnTlToBr>
+                    <a:lnBlToTr w="12700" cmpd="sng">
+                      <a:noFill/>
+                      <a:prstDash val="solid"/>
+                    </a:lnBlToTr>
+                    <a:noFill/>
+                  </a:tcPr>
+                </a:tc>
+                <a:tc>
+                  <a:txBody>
+                    <a:bodyPr/>
+                    <a:lstStyle/>
+                    <a:p>
+                      <a:pPr algn="ctr" fontAlgn="b"/>
+                      <a:r>
+                        <a:rPr lang="en-US" sz="1100" b="0" i="0" u="none" strike="noStrike" dirty="0">
+                          <a:solidFill>
+                            <a:srgbClr val="000000"/>
+                          </a:solidFill>
+                          <a:effectLst/>
+                          <a:latin typeface="Calibri" panose="020F0502020204030204" pitchFamily="34" charset="0"/>
+                        </a:rPr>
+                        <a:t>28</a:t>
+                      </a:r>
+                    </a:p>
+                  </a:txBody>
+                  <a:tcPr marL="6350" marR="6350" marT="6350" marB="0" anchor="b">
+                    <a:lnL w="12700" cmpd="sng">
+                      <a:noFill/>
+                    </a:lnL>
+                    <a:lnR w="12700" cmpd="sng">
+                      <a:noFill/>
+                    </a:lnR>
+                    <a:lnT w="12700" cmpd="sng">
+                      <a:noFill/>
+                    </a:lnT>
+                    <a:lnB w="38100" cmpd="sng">
+                      <a:noFill/>
+                    </a:lnB>
+                    <a:lnTlToBr w="12700" cmpd="sng">
+                      <a:noFill/>
+                      <a:prstDash val="solid"/>
+                    </a:lnTlToBr>
+                    <a:lnBlToTr w="12700" cmpd="sng">
+                      <a:noFill/>
+                      <a:prstDash val="solid"/>
+                    </a:lnBlToTr>
+                    <a:noFill/>
+                  </a:tcPr>
+                </a:tc>
+                <a:tc>
+                  <a:txBody>
+                    <a:bodyPr/>
+                    <a:lstStyle/>
+                    <a:p>
+                      <a:pPr algn="ctr" fontAlgn="b"/>
+                      <a:r>
+                        <a:rPr lang="en-US" sz="1100" b="0" i="0" u="none" strike="noStrike" dirty="0">
+                          <a:solidFill>
+                            <a:srgbClr val="000000"/>
+                          </a:solidFill>
+                          <a:effectLst/>
+                          <a:latin typeface="Calibri" panose="020F0502020204030204" pitchFamily="34" charset="0"/>
+                        </a:rPr>
+                        <a:t>29</a:t>
+                      </a:r>
+                    </a:p>
+                  </a:txBody>
+                  <a:tcPr marL="6350" marR="6350" marT="6350" marB="0" anchor="b">
+                    <a:lnL w="12700" cmpd="sng">
+                      <a:noFill/>
+                    </a:lnL>
+                    <a:lnR w="12700" cmpd="sng">
+                      <a:noFill/>
+                    </a:lnR>
+                    <a:lnT w="12700" cmpd="sng">
+                      <a:noFill/>
+                    </a:lnT>
+                    <a:lnB w="38100" cmpd="sng">
+                      <a:noFill/>
+                    </a:lnB>
+                    <a:lnTlToBr w="12700" cmpd="sng">
+                      <a:noFill/>
+                      <a:prstDash val="solid"/>
+                    </a:lnTlToBr>
+                    <a:lnBlToTr w="12700" cmpd="sng">
+                      <a:noFill/>
+                      <a:prstDash val="solid"/>
+                    </a:lnBlToTr>
+                    <a:noFill/>
+                  </a:tcPr>
+                </a:tc>
+                <a:tc>
+                  <a:txBody>
+                    <a:bodyPr/>
+                    <a:lstStyle/>
+                    <a:p>
+                      <a:pPr algn="ctr" fontAlgn="b"/>
+                      <a:r>
+                        <a:rPr lang="en-US" sz="1100" b="0" i="0" u="none" strike="noStrike" dirty="0">
+                          <a:solidFill>
+                            <a:srgbClr val="000000"/>
+                          </a:solidFill>
+                          <a:effectLst/>
+                          <a:latin typeface="Calibri" panose="020F0502020204030204" pitchFamily="34" charset="0"/>
+                        </a:rPr>
+                        <a:t>30</a:t>
+                      </a:r>
+                    </a:p>
+                  </a:txBody>
+                  <a:tcPr marL="6350" marR="6350" marT="6350" marB="0" anchor="b">
+                    <a:lnL w="12700" cmpd="sng">
+                      <a:noFill/>
+                    </a:lnL>
+                    <a:lnR w="12700" cmpd="sng">
+                      <a:noFill/>
+                    </a:lnR>
+                    <a:lnT w="12700" cmpd="sng">
+                      <a:noFill/>
+                    </a:lnT>
+                    <a:lnB w="38100" cmpd="sng">
+                      <a:noFill/>
+                    </a:lnB>
+                    <a:lnTlToBr w="12700" cmpd="sng">
+                      <a:noFill/>
+                      <a:prstDash val="solid"/>
+                    </a:lnTlToBr>
+                    <a:lnBlToTr w="12700" cmpd="sng">
+                      <a:noFill/>
+                      <a:prstDash val="solid"/>
+                    </a:lnBlToTr>
+                    <a:noFill/>
+                  </a:tcPr>
+                </a:tc>
+                <a:extLst>
+                  <a:ext uri="{0D108BD9-81ED-4DB2-BD59-A6C34878D82A}">
+                    <a16:rowId xmlns:a16="http://schemas.microsoft.com/office/drawing/2014/main" val="2499624214"/>
+                  </a:ext>
+                </a:extLst>
+              </a:tr>
+            </a:tbl>
+          </a:graphicData>
+        </a:graphic>
+      </p:graphicFrame>
+      <p:grpSp>
+        <p:nvGrpSpPr>
+          <p:cNvPr id="68" name="组合 67">
+            <a:extLst>
+              <a:ext uri="{FF2B5EF4-FFF2-40B4-BE49-F238E27FC236}">
+                <a16:creationId xmlns:a16="http://schemas.microsoft.com/office/drawing/2014/main" id="{BE44BD38-0B85-4C8D-9C07-7D50678D879D}"/>
+              </a:ext>
+            </a:extLst>
+          </p:cNvPr>
+          <p:cNvGrpSpPr/>
+          <p:nvPr/>
+        </p:nvGrpSpPr>
+        <p:grpSpPr>
+          <a:xfrm>
+            <a:off x="2241550" y="2481207"/>
+            <a:ext cx="5200650" cy="412197"/>
+            <a:chOff x="2241550" y="2481207"/>
+            <a:chExt cx="5200650" cy="412197"/>
+          </a:xfrm>
+        </p:grpSpPr>
+        <p:cxnSp>
+          <p:nvCxnSpPr>
+            <p:cNvPr id="4" name="Straight Connector 123">
+              <a:extLst>
+                <a:ext uri="{FF2B5EF4-FFF2-40B4-BE49-F238E27FC236}">
+                  <a16:creationId xmlns:a16="http://schemas.microsoft.com/office/drawing/2014/main" id="{A9740FF5-9222-4D2B-AF46-C562389A65B7}"/>
+                </a:ext>
+              </a:extLst>
+            </p:cNvPr>
+            <p:cNvCxnSpPr>
+              <a:cxnSpLocks/>
+            </p:cNvCxnSpPr>
+            <p:nvPr/>
+          </p:nvCxnSpPr>
+          <p:spPr>
+            <a:xfrm flipV="1">
+              <a:off x="2241550" y="2551964"/>
+              <a:ext cx="5200650" cy="6350"/>
+            </a:xfrm>
+            <a:prstGeom prst="line">
+              <a:avLst/>
+            </a:prstGeom>
+          </p:spPr>
+          <p:style>
+            <a:lnRef idx="1">
+              <a:schemeClr val="accent1"/>
+            </a:lnRef>
+            <a:fillRef idx="0">
+              <a:schemeClr val="accent1"/>
+            </a:fillRef>
+            <a:effectRef idx="0">
+              <a:schemeClr val="accent1"/>
+            </a:effectRef>
+            <a:fontRef idx="minor">
+              <a:schemeClr val="tx1"/>
+            </a:fontRef>
+          </p:style>
+        </p:cxnSp>
+        <p:sp>
+          <p:nvSpPr>
+            <p:cNvPr id="5" name="Oval 86">
+              <a:extLst>
+                <a:ext uri="{FF2B5EF4-FFF2-40B4-BE49-F238E27FC236}">
+                  <a16:creationId xmlns:a16="http://schemas.microsoft.com/office/drawing/2014/main" id="{00EBCFAA-57F9-4A7C-92BF-4CB4EB17566A}"/>
+                </a:ext>
+              </a:extLst>
+            </p:cNvPr>
+            <p:cNvSpPr/>
+            <p:nvPr/>
+          </p:nvSpPr>
+          <p:spPr>
+            <a:xfrm>
+              <a:off x="5585282" y="2481207"/>
+              <a:ext cx="141515" cy="141515"/>
+            </a:xfrm>
+            <a:prstGeom prst="ellipse">
+              <a:avLst/>
+            </a:prstGeom>
+            <a:solidFill>
+              <a:schemeClr val="accent1"/>
+            </a:solidFill>
+          </p:spPr>
+          <p:style>
+            <a:lnRef idx="2">
+              <a:schemeClr val="accent1">
+                <a:shade val="50000"/>
+              </a:schemeClr>
+            </a:lnRef>
+            <a:fillRef idx="1">
+              <a:schemeClr val="accent1"/>
+            </a:fillRef>
+            <a:effectRef idx="0">
+              <a:schemeClr val="accent1"/>
+            </a:effectRef>
+            <a:fontRef idx="minor">
+              <a:schemeClr val="lt1"/>
+            </a:fontRef>
+          </p:style>
+          <p:txBody>
+            <a:bodyPr rtlCol="0" anchor="ctr"/>
+            <a:lstStyle/>
+            <a:p>
+              <a:pPr algn="ctr"/>
+              <a:endParaRPr lang="en-US"/>
+            </a:p>
+          </p:txBody>
+        </p:sp>
+        <p:sp>
+          <p:nvSpPr>
+            <p:cNvPr id="6" name="Oval 87">
+              <a:extLst>
+                <a:ext uri="{FF2B5EF4-FFF2-40B4-BE49-F238E27FC236}">
+                  <a16:creationId xmlns:a16="http://schemas.microsoft.com/office/drawing/2014/main" id="{42BE4035-E6A2-4D05-A50B-D254752248FC}"/>
+                </a:ext>
+              </a:extLst>
+            </p:cNvPr>
+            <p:cNvSpPr/>
+            <p:nvPr/>
+          </p:nvSpPr>
+          <p:spPr>
+            <a:xfrm>
+              <a:off x="5356293" y="2481207"/>
+              <a:ext cx="141515" cy="141515"/>
+            </a:xfrm>
+            <a:prstGeom prst="ellipse">
+              <a:avLst/>
+            </a:prstGeom>
+            <a:solidFill>
+              <a:schemeClr val="accent1"/>
+            </a:solidFill>
+          </p:spPr>
+          <p:style>
+            <a:lnRef idx="2">
+              <a:schemeClr val="accent1">
+                <a:shade val="50000"/>
+              </a:schemeClr>
+            </a:lnRef>
+            <a:fillRef idx="1">
+              <a:schemeClr val="accent1"/>
+            </a:fillRef>
+            <a:effectRef idx="0">
+              <a:schemeClr val="accent1"/>
+            </a:effectRef>
+            <a:fontRef idx="minor">
+              <a:schemeClr val="lt1"/>
+            </a:fontRef>
+          </p:style>
+          <p:txBody>
+            <a:bodyPr rtlCol="0" anchor="ctr"/>
+            <a:lstStyle/>
+            <a:p>
+              <a:pPr algn="ctr"/>
+              <a:endParaRPr lang="en-US"/>
+            </a:p>
+          </p:txBody>
+        </p:sp>
+        <p:sp>
+          <p:nvSpPr>
+            <p:cNvPr id="7" name="Oval 88">
+              <a:extLst>
+                <a:ext uri="{FF2B5EF4-FFF2-40B4-BE49-F238E27FC236}">
+                  <a16:creationId xmlns:a16="http://schemas.microsoft.com/office/drawing/2014/main" id="{C8EBE036-E12A-43F1-8426-282FC444C7D5}"/>
+                </a:ext>
+              </a:extLst>
+            </p:cNvPr>
+            <p:cNvSpPr/>
+            <p:nvPr/>
+          </p:nvSpPr>
+          <p:spPr>
+            <a:xfrm>
+              <a:off x="5127304" y="2481207"/>
+              <a:ext cx="141515" cy="141515"/>
+            </a:xfrm>
+            <a:prstGeom prst="ellipse">
+              <a:avLst/>
+            </a:prstGeom>
+            <a:solidFill>
+              <a:schemeClr val="accent1"/>
+            </a:solidFill>
+          </p:spPr>
+          <p:style>
+            <a:lnRef idx="2">
+              <a:schemeClr val="accent1">
+                <a:shade val="50000"/>
+              </a:schemeClr>
+            </a:lnRef>
+            <a:fillRef idx="1">
+              <a:schemeClr val="accent1"/>
+            </a:fillRef>
+            <a:effectRef idx="0">
+              <a:schemeClr val="accent1"/>
+            </a:effectRef>
+            <a:fontRef idx="minor">
+              <a:schemeClr val="lt1"/>
+            </a:fontRef>
+          </p:style>
+          <p:txBody>
+            <a:bodyPr rtlCol="0" anchor="ctr"/>
+            <a:lstStyle/>
+            <a:p>
+              <a:pPr algn="ctr"/>
+              <a:endParaRPr lang="en-US"/>
+            </a:p>
+          </p:txBody>
+        </p:sp>
+        <p:sp>
+          <p:nvSpPr>
+            <p:cNvPr id="8" name="Oval 90">
+              <a:extLst>
+                <a:ext uri="{FF2B5EF4-FFF2-40B4-BE49-F238E27FC236}">
+                  <a16:creationId xmlns:a16="http://schemas.microsoft.com/office/drawing/2014/main" id="{AFBA437D-9ECA-4EBB-A2C6-653D0C302333}"/>
+                </a:ext>
+              </a:extLst>
+            </p:cNvPr>
+            <p:cNvSpPr/>
+            <p:nvPr/>
+          </p:nvSpPr>
+          <p:spPr>
+            <a:xfrm>
+              <a:off x="4211348" y="2481207"/>
+              <a:ext cx="141515" cy="141515"/>
+            </a:xfrm>
+            <a:prstGeom prst="ellipse">
+              <a:avLst/>
+            </a:prstGeom>
+          </p:spPr>
+          <p:style>
+            <a:lnRef idx="2">
+              <a:schemeClr val="accent1">
+                <a:shade val="50000"/>
+              </a:schemeClr>
+            </a:lnRef>
+            <a:fillRef idx="1">
+              <a:schemeClr val="accent1"/>
+            </a:fillRef>
+            <a:effectRef idx="0">
+              <a:schemeClr val="accent1"/>
+            </a:effectRef>
+            <a:fontRef idx="minor">
+              <a:schemeClr val="lt1"/>
+            </a:fontRef>
+          </p:style>
+          <p:txBody>
+            <a:bodyPr rtlCol="0" anchor="ctr"/>
+            <a:lstStyle/>
+            <a:p>
+              <a:pPr algn="ctr"/>
+              <a:endParaRPr lang="en-US"/>
+            </a:p>
+          </p:txBody>
+        </p:sp>
+        <p:sp>
+          <p:nvSpPr>
+            <p:cNvPr id="9" name="Oval 91">
+              <a:extLst>
+                <a:ext uri="{FF2B5EF4-FFF2-40B4-BE49-F238E27FC236}">
+                  <a16:creationId xmlns:a16="http://schemas.microsoft.com/office/drawing/2014/main" id="{093EE04B-B805-4413-9472-32B6FD675844}"/>
+                </a:ext>
+              </a:extLst>
+            </p:cNvPr>
+            <p:cNvSpPr/>
+            <p:nvPr/>
+          </p:nvSpPr>
+          <p:spPr>
+            <a:xfrm>
+              <a:off x="3982359" y="2481207"/>
+              <a:ext cx="141515" cy="141515"/>
+            </a:xfrm>
+            <a:prstGeom prst="ellipse">
+              <a:avLst/>
+            </a:prstGeom>
+          </p:spPr>
+          <p:style>
+            <a:lnRef idx="2">
+              <a:schemeClr val="accent1">
+                <a:shade val="50000"/>
+              </a:schemeClr>
+            </a:lnRef>
+            <a:fillRef idx="1">
+              <a:schemeClr val="accent1"/>
+            </a:fillRef>
+            <a:effectRef idx="0">
+              <a:schemeClr val="accent1"/>
+            </a:effectRef>
+            <a:fontRef idx="minor">
+              <a:schemeClr val="lt1"/>
+            </a:fontRef>
+          </p:style>
+          <p:txBody>
+            <a:bodyPr rtlCol="0" anchor="ctr"/>
+            <a:lstStyle/>
+            <a:p>
+              <a:pPr algn="ctr"/>
+              <a:endParaRPr lang="en-US"/>
+            </a:p>
+          </p:txBody>
+        </p:sp>
+        <p:sp>
+          <p:nvSpPr>
+            <p:cNvPr id="10" name="Oval 92">
+              <a:extLst>
+                <a:ext uri="{FF2B5EF4-FFF2-40B4-BE49-F238E27FC236}">
+                  <a16:creationId xmlns:a16="http://schemas.microsoft.com/office/drawing/2014/main" id="{6ACF559B-9E1F-448B-806C-B5ABA54B9EAF}"/>
+                </a:ext>
+              </a:extLst>
+            </p:cNvPr>
+            <p:cNvSpPr/>
+            <p:nvPr/>
+          </p:nvSpPr>
+          <p:spPr>
+            <a:xfrm>
+              <a:off x="3753370" y="2481207"/>
+              <a:ext cx="141515" cy="141515"/>
+            </a:xfrm>
+            <a:prstGeom prst="ellipse">
+              <a:avLst/>
+            </a:prstGeom>
+          </p:spPr>
+          <p:style>
+            <a:lnRef idx="2">
+              <a:schemeClr val="accent1">
+                <a:shade val="50000"/>
+              </a:schemeClr>
+            </a:lnRef>
+            <a:fillRef idx="1">
+              <a:schemeClr val="accent1"/>
+            </a:fillRef>
+            <a:effectRef idx="0">
+              <a:schemeClr val="accent1"/>
+            </a:effectRef>
+            <a:fontRef idx="minor">
+              <a:schemeClr val="lt1"/>
+            </a:fontRef>
+          </p:style>
+          <p:txBody>
+            <a:bodyPr rtlCol="0" anchor="ctr"/>
+            <a:lstStyle/>
+            <a:p>
+              <a:pPr algn="ctr"/>
+              <a:endParaRPr lang="en-US"/>
+            </a:p>
+          </p:txBody>
+        </p:sp>
+        <p:sp>
+          <p:nvSpPr>
+            <p:cNvPr id="11" name="Oval 95">
+              <a:extLst>
+                <a:ext uri="{FF2B5EF4-FFF2-40B4-BE49-F238E27FC236}">
+                  <a16:creationId xmlns:a16="http://schemas.microsoft.com/office/drawing/2014/main" id="{5B78B6B6-173A-4992-9D97-FCEA01BC945F}"/>
+                </a:ext>
+              </a:extLst>
+            </p:cNvPr>
+            <p:cNvSpPr/>
+            <p:nvPr/>
+          </p:nvSpPr>
+          <p:spPr>
+            <a:xfrm>
+              <a:off x="6043260" y="2481207"/>
+              <a:ext cx="141515" cy="141515"/>
+            </a:xfrm>
+            <a:prstGeom prst="ellipse">
+              <a:avLst/>
+            </a:prstGeom>
+            <a:solidFill>
+              <a:schemeClr val="accent1"/>
+            </a:solidFill>
+          </p:spPr>
+          <p:style>
+            <a:lnRef idx="2">
+              <a:schemeClr val="accent1">
+                <a:shade val="50000"/>
+              </a:schemeClr>
+            </a:lnRef>
+            <a:fillRef idx="1">
+              <a:schemeClr val="accent1"/>
+            </a:fillRef>
+            <a:effectRef idx="0">
+              <a:schemeClr val="accent1"/>
+            </a:effectRef>
+            <a:fontRef idx="minor">
+              <a:schemeClr val="lt1"/>
+            </a:fontRef>
+          </p:style>
+          <p:txBody>
+            <a:bodyPr rtlCol="0" anchor="ctr"/>
+            <a:lstStyle/>
+            <a:p>
+              <a:pPr algn="ctr"/>
+              <a:endParaRPr lang="en-US"/>
+            </a:p>
+          </p:txBody>
+        </p:sp>
+        <p:sp>
+          <p:nvSpPr>
+            <p:cNvPr id="12" name="Oval 96">
+              <a:extLst>
+                <a:ext uri="{FF2B5EF4-FFF2-40B4-BE49-F238E27FC236}">
+                  <a16:creationId xmlns:a16="http://schemas.microsoft.com/office/drawing/2014/main" id="{753FEA88-51A4-455D-8492-953BE4D83CD1}"/>
+                </a:ext>
+              </a:extLst>
+            </p:cNvPr>
+            <p:cNvSpPr/>
+            <p:nvPr/>
+          </p:nvSpPr>
+          <p:spPr>
+            <a:xfrm>
+              <a:off x="5814271" y="2481207"/>
+              <a:ext cx="141515" cy="141515"/>
+            </a:xfrm>
+            <a:prstGeom prst="ellipse">
+              <a:avLst/>
+            </a:prstGeom>
+          </p:spPr>
+          <p:style>
+            <a:lnRef idx="2">
+              <a:schemeClr val="accent1">
+                <a:shade val="50000"/>
+              </a:schemeClr>
+            </a:lnRef>
+            <a:fillRef idx="1">
+              <a:schemeClr val="accent1"/>
+            </a:fillRef>
+            <a:effectRef idx="0">
+              <a:schemeClr val="accent1"/>
+            </a:effectRef>
+            <a:fontRef idx="minor">
+              <a:schemeClr val="lt1"/>
+            </a:fontRef>
+          </p:style>
+          <p:txBody>
+            <a:bodyPr rtlCol="0" anchor="ctr"/>
+            <a:lstStyle/>
+            <a:p>
+              <a:pPr algn="ctr"/>
+              <a:endParaRPr lang="en-US"/>
+            </a:p>
+          </p:txBody>
+        </p:sp>
+        <p:sp>
+          <p:nvSpPr>
+            <p:cNvPr id="13" name="Oval 106">
+              <a:extLst>
+                <a:ext uri="{FF2B5EF4-FFF2-40B4-BE49-F238E27FC236}">
+                  <a16:creationId xmlns:a16="http://schemas.microsoft.com/office/drawing/2014/main" id="{FFA4BD5A-F224-4143-A93D-2E7ED7F7851D}"/>
+                </a:ext>
+              </a:extLst>
+            </p:cNvPr>
+            <p:cNvSpPr/>
+            <p:nvPr/>
+          </p:nvSpPr>
+          <p:spPr>
+            <a:xfrm>
+              <a:off x="4898315" y="2481207"/>
+              <a:ext cx="141515" cy="141515"/>
+            </a:xfrm>
+            <a:prstGeom prst="ellipse">
+              <a:avLst/>
+            </a:prstGeom>
+            <a:solidFill>
+              <a:schemeClr val="accent1"/>
+            </a:solidFill>
+          </p:spPr>
+          <p:style>
+            <a:lnRef idx="2">
+              <a:schemeClr val="accent1">
+                <a:shade val="50000"/>
+              </a:schemeClr>
+            </a:lnRef>
+            <a:fillRef idx="1">
+              <a:schemeClr val="accent1"/>
+            </a:fillRef>
+            <a:effectRef idx="0">
+              <a:schemeClr val="accent1"/>
+            </a:effectRef>
+            <a:fontRef idx="minor">
+              <a:schemeClr val="lt1"/>
+            </a:fontRef>
+          </p:style>
+          <p:txBody>
+            <a:bodyPr rtlCol="0" anchor="ctr"/>
+            <a:lstStyle/>
+            <a:p>
+              <a:pPr algn="ctr"/>
+              <a:endParaRPr lang="en-US"/>
+            </a:p>
+          </p:txBody>
+        </p:sp>
+        <p:sp>
+          <p:nvSpPr>
+            <p:cNvPr id="14" name="Oval 107">
+              <a:extLst>
+                <a:ext uri="{FF2B5EF4-FFF2-40B4-BE49-F238E27FC236}">
+                  <a16:creationId xmlns:a16="http://schemas.microsoft.com/office/drawing/2014/main" id="{8F8FA390-CF63-4C6A-A5CC-9BD98157593D}"/>
+                </a:ext>
+              </a:extLst>
+            </p:cNvPr>
+            <p:cNvSpPr/>
+            <p:nvPr/>
+          </p:nvSpPr>
+          <p:spPr>
+            <a:xfrm>
+              <a:off x="4669326" y="2481207"/>
+              <a:ext cx="141515" cy="141515"/>
+            </a:xfrm>
+            <a:prstGeom prst="ellipse">
+              <a:avLst/>
+            </a:prstGeom>
+            <a:solidFill>
+              <a:schemeClr val="accent1"/>
+            </a:solidFill>
+          </p:spPr>
+          <p:style>
+            <a:lnRef idx="2">
+              <a:schemeClr val="accent1">
+                <a:shade val="50000"/>
+              </a:schemeClr>
+            </a:lnRef>
+            <a:fillRef idx="1">
+              <a:schemeClr val="accent1"/>
+            </a:fillRef>
+            <a:effectRef idx="0">
+              <a:schemeClr val="accent1"/>
+            </a:effectRef>
+            <a:fontRef idx="minor">
+              <a:schemeClr val="lt1"/>
+            </a:fontRef>
+          </p:style>
+          <p:txBody>
+            <a:bodyPr rtlCol="0" anchor="ctr"/>
+            <a:lstStyle/>
+            <a:p>
+              <a:pPr algn="ctr"/>
+              <a:endParaRPr lang="en-US">
+                <a:solidFill>
+                  <a:schemeClr val="tx1"/>
+                </a:solidFill>
+              </a:endParaRPr>
+            </a:p>
+          </p:txBody>
+        </p:sp>
+        <p:sp>
+          <p:nvSpPr>
+            <p:cNvPr id="15" name="Oval 108">
+              <a:extLst>
+                <a:ext uri="{FF2B5EF4-FFF2-40B4-BE49-F238E27FC236}">
+                  <a16:creationId xmlns:a16="http://schemas.microsoft.com/office/drawing/2014/main" id="{CC6FF3F7-7A90-44ED-99BA-B64496B15456}"/>
+                </a:ext>
+              </a:extLst>
+            </p:cNvPr>
+            <p:cNvSpPr/>
+            <p:nvPr/>
+          </p:nvSpPr>
+          <p:spPr>
+            <a:xfrm>
+              <a:off x="4440337" y="2481207"/>
+              <a:ext cx="141515" cy="141515"/>
+            </a:xfrm>
+            <a:prstGeom prst="ellipse">
+              <a:avLst/>
+            </a:prstGeom>
+          </p:spPr>
+          <p:style>
+            <a:lnRef idx="2">
+              <a:schemeClr val="accent1">
+                <a:shade val="50000"/>
+              </a:schemeClr>
+            </a:lnRef>
+            <a:fillRef idx="1">
+              <a:schemeClr val="accent1"/>
+            </a:fillRef>
+            <a:effectRef idx="0">
+              <a:schemeClr val="accent1"/>
+            </a:effectRef>
+            <a:fontRef idx="minor">
+              <a:schemeClr val="lt1"/>
+            </a:fontRef>
+          </p:style>
+          <p:txBody>
+            <a:bodyPr rtlCol="0" anchor="ctr"/>
+            <a:lstStyle/>
+            <a:p>
+              <a:pPr algn="ctr"/>
+              <a:endParaRPr lang="en-US"/>
+            </a:p>
+          </p:txBody>
+        </p:sp>
+        <p:sp>
+          <p:nvSpPr>
+            <p:cNvPr id="16" name="Oval 126">
+              <a:extLst>
+                <a:ext uri="{FF2B5EF4-FFF2-40B4-BE49-F238E27FC236}">
+                  <a16:creationId xmlns:a16="http://schemas.microsoft.com/office/drawing/2014/main" id="{394BF462-3E75-4A15-B2C7-C674B39945F0}"/>
+                </a:ext>
+              </a:extLst>
+            </p:cNvPr>
+            <p:cNvSpPr/>
+            <p:nvPr/>
+          </p:nvSpPr>
+          <p:spPr>
+            <a:xfrm>
+              <a:off x="6272249" y="2481207"/>
+              <a:ext cx="141515" cy="141515"/>
+            </a:xfrm>
+            <a:prstGeom prst="ellipse">
+              <a:avLst/>
+            </a:prstGeom>
+            <a:solidFill>
+              <a:schemeClr val="accent1"/>
+            </a:solidFill>
+          </p:spPr>
+          <p:style>
+            <a:lnRef idx="2">
+              <a:schemeClr val="accent1">
+                <a:shade val="50000"/>
+              </a:schemeClr>
+            </a:lnRef>
+            <a:fillRef idx="1">
+              <a:schemeClr val="accent1"/>
+            </a:fillRef>
+            <a:effectRef idx="0">
+              <a:schemeClr val="accent1"/>
+            </a:effectRef>
+            <a:fontRef idx="minor">
+              <a:schemeClr val="lt1"/>
+            </a:fontRef>
+          </p:style>
+          <p:txBody>
+            <a:bodyPr rtlCol="0" anchor="ctr"/>
+            <a:lstStyle/>
+            <a:p>
+              <a:pPr algn="ctr"/>
+              <a:endParaRPr lang="en-US"/>
+            </a:p>
+          </p:txBody>
+        </p:sp>
+        <p:sp>
+          <p:nvSpPr>
+            <p:cNvPr id="17" name="Oval 128">
+              <a:extLst>
+                <a:ext uri="{FF2B5EF4-FFF2-40B4-BE49-F238E27FC236}">
+                  <a16:creationId xmlns:a16="http://schemas.microsoft.com/office/drawing/2014/main" id="{B64DE6AE-F919-4A92-87B2-2A9B6211A561}"/>
+                </a:ext>
+              </a:extLst>
+            </p:cNvPr>
+            <p:cNvSpPr/>
+            <p:nvPr/>
+          </p:nvSpPr>
+          <p:spPr>
+            <a:xfrm>
+              <a:off x="6501238" y="2481207"/>
+              <a:ext cx="141515" cy="141515"/>
+            </a:xfrm>
+            <a:prstGeom prst="ellipse">
+              <a:avLst/>
+            </a:prstGeom>
+            <a:solidFill>
+              <a:schemeClr val="accent1"/>
+            </a:solidFill>
+          </p:spPr>
+          <p:style>
+            <a:lnRef idx="2">
+              <a:schemeClr val="accent1">
+                <a:shade val="50000"/>
+              </a:schemeClr>
+            </a:lnRef>
+            <a:fillRef idx="1">
+              <a:schemeClr val="accent1"/>
+            </a:fillRef>
+            <a:effectRef idx="0">
+              <a:schemeClr val="accent1"/>
+            </a:effectRef>
+            <a:fontRef idx="minor">
+              <a:schemeClr val="lt1"/>
+            </a:fontRef>
+          </p:style>
+          <p:txBody>
+            <a:bodyPr rtlCol="0" anchor="ctr"/>
+            <a:lstStyle/>
+            <a:p>
+              <a:pPr algn="ctr"/>
+              <a:endParaRPr lang="en-US"/>
+            </a:p>
+          </p:txBody>
+        </p:sp>
+        <p:sp>
+          <p:nvSpPr>
+            <p:cNvPr id="19" name="Oval 94">
+              <a:extLst>
+                <a:ext uri="{FF2B5EF4-FFF2-40B4-BE49-F238E27FC236}">
+                  <a16:creationId xmlns:a16="http://schemas.microsoft.com/office/drawing/2014/main" id="{8D38FE5E-FC82-4593-86BC-B536995D484C}"/>
+                </a:ext>
+              </a:extLst>
+            </p:cNvPr>
+            <p:cNvSpPr/>
+            <p:nvPr/>
+          </p:nvSpPr>
+          <p:spPr>
+            <a:xfrm>
+              <a:off x="6730227" y="2481207"/>
+              <a:ext cx="141515" cy="141515"/>
+            </a:xfrm>
+            <a:prstGeom prst="ellipse">
+              <a:avLst/>
+            </a:prstGeom>
+          </p:spPr>
+          <p:style>
+            <a:lnRef idx="2">
+              <a:schemeClr val="accent1">
+                <a:shade val="50000"/>
+              </a:schemeClr>
+            </a:lnRef>
+            <a:fillRef idx="1">
+              <a:schemeClr val="accent1"/>
+            </a:fillRef>
+            <a:effectRef idx="0">
+              <a:schemeClr val="accent1"/>
+            </a:effectRef>
+            <a:fontRef idx="minor">
+              <a:schemeClr val="lt1"/>
+            </a:fontRef>
+          </p:style>
+          <p:txBody>
+            <a:bodyPr rtlCol="0" anchor="ctr"/>
+            <a:lstStyle/>
+            <a:p>
+              <a:pPr algn="ctr"/>
+              <a:endParaRPr lang="en-US"/>
+            </a:p>
+          </p:txBody>
+        </p:sp>
+        <p:sp>
+          <p:nvSpPr>
+            <p:cNvPr id="23" name="Oval 79">
+              <a:extLst>
+                <a:ext uri="{FF2B5EF4-FFF2-40B4-BE49-F238E27FC236}">
+                  <a16:creationId xmlns:a16="http://schemas.microsoft.com/office/drawing/2014/main" id="{89CAA3CE-E79E-4220-B7D1-8965CFC28B12}"/>
+                </a:ext>
+              </a:extLst>
+            </p:cNvPr>
+            <p:cNvSpPr/>
+            <p:nvPr/>
+          </p:nvSpPr>
+          <p:spPr>
+            <a:xfrm>
+              <a:off x="6959216" y="2481207"/>
+              <a:ext cx="141515" cy="141515"/>
+            </a:xfrm>
+            <a:prstGeom prst="ellipse">
+              <a:avLst/>
+            </a:prstGeom>
+          </p:spPr>
+          <p:style>
+            <a:lnRef idx="2">
+              <a:schemeClr val="accent1">
+                <a:shade val="50000"/>
+              </a:schemeClr>
+            </a:lnRef>
+            <a:fillRef idx="1">
+              <a:schemeClr val="accent1"/>
+            </a:fillRef>
+            <a:effectRef idx="0">
+              <a:schemeClr val="accent1"/>
+            </a:effectRef>
+            <a:fontRef idx="minor">
+              <a:schemeClr val="lt1"/>
+            </a:fontRef>
+          </p:style>
+          <p:txBody>
+            <a:bodyPr rtlCol="0" anchor="ctr"/>
+            <a:lstStyle/>
+            <a:p>
+              <a:pPr algn="ctr"/>
+              <a:endParaRPr lang="en-US"/>
+            </a:p>
+          </p:txBody>
+        </p:sp>
+        <p:sp>
+          <p:nvSpPr>
+            <p:cNvPr id="26" name="Oval 120">
+              <a:extLst>
+                <a:ext uri="{FF2B5EF4-FFF2-40B4-BE49-F238E27FC236}">
+                  <a16:creationId xmlns:a16="http://schemas.microsoft.com/office/drawing/2014/main" id="{661073BE-81D7-445A-9E5A-5521B5BD3E6E}"/>
+                </a:ext>
+              </a:extLst>
+            </p:cNvPr>
+            <p:cNvSpPr/>
+            <p:nvPr/>
+          </p:nvSpPr>
+          <p:spPr>
+            <a:xfrm>
+              <a:off x="2608425" y="2481207"/>
+              <a:ext cx="141515" cy="141515"/>
+            </a:xfrm>
+            <a:prstGeom prst="ellipse">
+              <a:avLst/>
+            </a:prstGeom>
+          </p:spPr>
+          <p:style>
+            <a:lnRef idx="2">
+              <a:schemeClr val="accent1">
+                <a:shade val="50000"/>
+              </a:schemeClr>
+            </a:lnRef>
+            <a:fillRef idx="1">
+              <a:schemeClr val="accent1"/>
+            </a:fillRef>
+            <a:effectRef idx="0">
+              <a:schemeClr val="accent1"/>
+            </a:effectRef>
+            <a:fontRef idx="minor">
+              <a:schemeClr val="lt1"/>
+            </a:fontRef>
+          </p:style>
+          <p:txBody>
+            <a:bodyPr rtlCol="0" anchor="ctr"/>
+            <a:lstStyle/>
+            <a:p>
+              <a:pPr algn="ctr"/>
+              <a:endParaRPr lang="en-US"/>
+            </a:p>
+          </p:txBody>
+        </p:sp>
+        <p:sp>
+          <p:nvSpPr>
+            <p:cNvPr id="27" name="Oval 122">
+              <a:extLst>
+                <a:ext uri="{FF2B5EF4-FFF2-40B4-BE49-F238E27FC236}">
+                  <a16:creationId xmlns:a16="http://schemas.microsoft.com/office/drawing/2014/main" id="{AE1326B1-557A-4B49-92A9-DFED871039D1}"/>
+                </a:ext>
+              </a:extLst>
+            </p:cNvPr>
+            <p:cNvSpPr/>
+            <p:nvPr/>
+          </p:nvSpPr>
+          <p:spPr>
+            <a:xfrm>
+              <a:off x="3524381" y="2481207"/>
+              <a:ext cx="141515" cy="141515"/>
+            </a:xfrm>
+            <a:prstGeom prst="ellipse">
+              <a:avLst/>
+            </a:prstGeom>
+          </p:spPr>
+          <p:style>
+            <a:lnRef idx="2">
+              <a:schemeClr val="accent1">
+                <a:shade val="50000"/>
+              </a:schemeClr>
+            </a:lnRef>
+            <a:fillRef idx="1">
+              <a:schemeClr val="accent1"/>
+            </a:fillRef>
+            <a:effectRef idx="0">
+              <a:schemeClr val="accent1"/>
+            </a:effectRef>
+            <a:fontRef idx="minor">
+              <a:schemeClr val="lt1"/>
+            </a:fontRef>
+          </p:style>
+          <p:txBody>
+            <a:bodyPr rtlCol="0" anchor="ctr"/>
+            <a:lstStyle/>
+            <a:p>
+              <a:pPr algn="ctr"/>
+              <a:endParaRPr lang="en-US"/>
+            </a:p>
+          </p:txBody>
+        </p:sp>
+        <p:sp>
+          <p:nvSpPr>
+            <p:cNvPr id="28" name="Oval 124">
+              <a:extLst>
+                <a:ext uri="{FF2B5EF4-FFF2-40B4-BE49-F238E27FC236}">
+                  <a16:creationId xmlns:a16="http://schemas.microsoft.com/office/drawing/2014/main" id="{1EDB08B1-4FFF-4927-94C7-F0ACA0D8DDB4}"/>
+                </a:ext>
+              </a:extLst>
+            </p:cNvPr>
+            <p:cNvSpPr/>
+            <p:nvPr/>
+          </p:nvSpPr>
+          <p:spPr>
+            <a:xfrm>
+              <a:off x="3295392" y="2481207"/>
+              <a:ext cx="141515" cy="141515"/>
+            </a:xfrm>
+            <a:prstGeom prst="ellipse">
+              <a:avLst/>
+            </a:prstGeom>
+          </p:spPr>
+          <p:style>
+            <a:lnRef idx="2">
+              <a:schemeClr val="accent1">
+                <a:shade val="50000"/>
+              </a:schemeClr>
+            </a:lnRef>
+            <a:fillRef idx="1">
+              <a:schemeClr val="accent1"/>
+            </a:fillRef>
+            <a:effectRef idx="0">
+              <a:schemeClr val="accent1"/>
+            </a:effectRef>
+            <a:fontRef idx="minor">
+              <a:schemeClr val="lt1"/>
+            </a:fontRef>
+          </p:style>
+          <p:txBody>
+            <a:bodyPr rtlCol="0" anchor="ctr"/>
+            <a:lstStyle/>
+            <a:p>
+              <a:pPr algn="ctr"/>
+              <a:endParaRPr lang="en-US"/>
+            </a:p>
+          </p:txBody>
+        </p:sp>
+        <p:sp>
+          <p:nvSpPr>
+            <p:cNvPr id="29" name="Oval 125">
+              <a:extLst>
+                <a:ext uri="{FF2B5EF4-FFF2-40B4-BE49-F238E27FC236}">
+                  <a16:creationId xmlns:a16="http://schemas.microsoft.com/office/drawing/2014/main" id="{AC9CFAE5-AC82-4198-9E9E-C3171E9B222F}"/>
+                </a:ext>
+              </a:extLst>
+            </p:cNvPr>
+            <p:cNvSpPr/>
+            <p:nvPr/>
+          </p:nvSpPr>
+          <p:spPr>
+            <a:xfrm>
+              <a:off x="3066403" y="2481207"/>
+              <a:ext cx="141515" cy="141515"/>
+            </a:xfrm>
+            <a:prstGeom prst="ellipse">
+              <a:avLst/>
+            </a:prstGeom>
+          </p:spPr>
+          <p:style>
+            <a:lnRef idx="2">
+              <a:schemeClr val="accent1">
+                <a:shade val="50000"/>
+              </a:schemeClr>
+            </a:lnRef>
+            <a:fillRef idx="1">
+              <a:schemeClr val="accent1"/>
+            </a:fillRef>
+            <a:effectRef idx="0">
+              <a:schemeClr val="accent1"/>
+            </a:effectRef>
+            <a:fontRef idx="minor">
+              <a:schemeClr val="lt1"/>
+            </a:fontRef>
+          </p:style>
+          <p:txBody>
+            <a:bodyPr rtlCol="0" anchor="ctr"/>
+            <a:lstStyle/>
+            <a:p>
+              <a:pPr algn="ctr"/>
+              <a:endParaRPr lang="en-US"/>
+            </a:p>
+          </p:txBody>
+        </p:sp>
+        <p:sp>
+          <p:nvSpPr>
+            <p:cNvPr id="30" name="Oval 129">
+              <a:extLst>
+                <a:ext uri="{FF2B5EF4-FFF2-40B4-BE49-F238E27FC236}">
+                  <a16:creationId xmlns:a16="http://schemas.microsoft.com/office/drawing/2014/main" id="{98B7F3F0-B614-4266-B32D-98CEE0FE58F1}"/>
+                </a:ext>
+              </a:extLst>
+            </p:cNvPr>
+            <p:cNvSpPr/>
+            <p:nvPr/>
+          </p:nvSpPr>
+          <p:spPr>
+            <a:xfrm>
+              <a:off x="2837414" y="2481207"/>
+              <a:ext cx="141515" cy="141515"/>
+            </a:xfrm>
+            <a:prstGeom prst="ellipse">
+              <a:avLst/>
+            </a:prstGeom>
+          </p:spPr>
+          <p:style>
+            <a:lnRef idx="2">
+              <a:schemeClr val="accent1">
+                <a:shade val="50000"/>
+              </a:schemeClr>
+            </a:lnRef>
+            <a:fillRef idx="1">
+              <a:schemeClr val="accent1"/>
+            </a:fillRef>
+            <a:effectRef idx="0">
+              <a:schemeClr val="accent1"/>
+            </a:effectRef>
+            <a:fontRef idx="minor">
+              <a:schemeClr val="lt1"/>
+            </a:fontRef>
+          </p:style>
+          <p:txBody>
+            <a:bodyPr rtlCol="0" anchor="ctr"/>
+            <a:lstStyle/>
+            <a:p>
+              <a:pPr algn="ctr"/>
+              <a:endParaRPr lang="en-US"/>
+            </a:p>
+          </p:txBody>
+        </p:sp>
+        <p:sp>
+          <p:nvSpPr>
+            <p:cNvPr id="40" name="Pie 32">
+              <a:extLst>
+                <a:ext uri="{FF2B5EF4-FFF2-40B4-BE49-F238E27FC236}">
+                  <a16:creationId xmlns:a16="http://schemas.microsoft.com/office/drawing/2014/main" id="{C5A7FC2C-6949-4589-8A99-72BE1D90BF99}"/>
+                </a:ext>
+              </a:extLst>
+            </p:cNvPr>
+            <p:cNvSpPr/>
+            <p:nvPr/>
+          </p:nvSpPr>
+          <p:spPr>
+            <a:xfrm>
+              <a:off x="4657635" y="2730118"/>
+              <a:ext cx="163286" cy="163286"/>
+            </a:xfrm>
+            <a:prstGeom prst="pie">
+              <a:avLst/>
+            </a:prstGeom>
+          </p:spPr>
+          <p:style>
+            <a:lnRef idx="2">
+              <a:schemeClr val="accent1">
+                <a:shade val="50000"/>
+              </a:schemeClr>
+            </a:lnRef>
+            <a:fillRef idx="1">
+              <a:schemeClr val="accent1"/>
+            </a:fillRef>
+            <a:effectRef idx="0">
+              <a:schemeClr val="accent1"/>
+            </a:effectRef>
+            <a:fontRef idx="minor">
+              <a:schemeClr val="lt1"/>
+            </a:fontRef>
+          </p:style>
+          <p:txBody>
+            <a:bodyPr rtlCol="0" anchor="ctr"/>
+            <a:lstStyle/>
+            <a:p>
+              <a:pPr algn="ctr"/>
+              <a:endParaRPr lang="en-US">
+                <a:solidFill>
+                  <a:schemeClr val="tx1"/>
+                </a:solidFill>
+              </a:endParaRPr>
+            </a:p>
+          </p:txBody>
+        </p:sp>
+        <p:sp>
+          <p:nvSpPr>
+            <p:cNvPr id="42" name="Pie 31">
+              <a:extLst>
+                <a:ext uri="{FF2B5EF4-FFF2-40B4-BE49-F238E27FC236}">
+                  <a16:creationId xmlns:a16="http://schemas.microsoft.com/office/drawing/2014/main" id="{484A98C0-04A6-453B-BC96-B186056E8030}"/>
+                </a:ext>
+              </a:extLst>
+            </p:cNvPr>
+            <p:cNvSpPr/>
+            <p:nvPr/>
+          </p:nvSpPr>
+          <p:spPr>
+            <a:xfrm>
+              <a:off x="4429101" y="2730118"/>
+              <a:ext cx="163286" cy="163286"/>
+            </a:xfrm>
+            <a:prstGeom prst="pie">
+              <a:avLst/>
+            </a:prstGeom>
+          </p:spPr>
+          <p:style>
+            <a:lnRef idx="2">
+              <a:schemeClr val="accent1">
+                <a:shade val="50000"/>
+              </a:schemeClr>
+            </a:lnRef>
+            <a:fillRef idx="1">
+              <a:schemeClr val="accent1"/>
+            </a:fillRef>
+            <a:effectRef idx="0">
+              <a:schemeClr val="accent1"/>
+            </a:effectRef>
+            <a:fontRef idx="minor">
+              <a:schemeClr val="lt1"/>
+            </a:fontRef>
+          </p:style>
+          <p:txBody>
+            <a:bodyPr rtlCol="0" anchor="ctr"/>
+            <a:lstStyle/>
+            <a:p>
+              <a:pPr algn="ctr"/>
+              <a:endParaRPr lang="en-US">
+                <a:solidFill>
+                  <a:schemeClr val="tx1"/>
+                </a:solidFill>
+              </a:endParaRPr>
+            </a:p>
+          </p:txBody>
+        </p:sp>
+        <p:sp>
+          <p:nvSpPr>
+            <p:cNvPr id="45" name="Pie 89">
+              <a:extLst>
+                <a:ext uri="{FF2B5EF4-FFF2-40B4-BE49-F238E27FC236}">
+                  <a16:creationId xmlns:a16="http://schemas.microsoft.com/office/drawing/2014/main" id="{C43E90CD-F728-4D08-90C0-9D2D78D0F87D}"/>
+                </a:ext>
+              </a:extLst>
+            </p:cNvPr>
+            <p:cNvSpPr/>
+            <p:nvPr/>
+          </p:nvSpPr>
+          <p:spPr>
+            <a:xfrm>
+              <a:off x="4200563" y="2730118"/>
+              <a:ext cx="163286" cy="163286"/>
+            </a:xfrm>
+            <a:prstGeom prst="pie">
+              <a:avLst/>
+            </a:prstGeom>
+          </p:spPr>
+          <p:style>
+            <a:lnRef idx="2">
+              <a:schemeClr val="accent1">
+                <a:shade val="50000"/>
+              </a:schemeClr>
+            </a:lnRef>
+            <a:fillRef idx="1">
+              <a:schemeClr val="accent1"/>
+            </a:fillRef>
+            <a:effectRef idx="0">
+              <a:schemeClr val="accent1"/>
+            </a:effectRef>
+            <a:fontRef idx="minor">
+              <a:schemeClr val="lt1"/>
+            </a:fontRef>
+          </p:style>
+          <p:txBody>
+            <a:bodyPr rtlCol="0" anchor="ctr"/>
+            <a:lstStyle/>
+            <a:p>
+              <a:pPr algn="ctr"/>
+              <a:endParaRPr lang="en-US">
+                <a:solidFill>
+                  <a:schemeClr val="tx1"/>
+                </a:solidFill>
+              </a:endParaRPr>
+            </a:p>
+          </p:txBody>
+        </p:sp>
+        <p:sp>
+          <p:nvSpPr>
+            <p:cNvPr id="46" name="Pie 98">
+              <a:extLst>
+                <a:ext uri="{FF2B5EF4-FFF2-40B4-BE49-F238E27FC236}">
+                  <a16:creationId xmlns:a16="http://schemas.microsoft.com/office/drawing/2014/main" id="{54AC509F-508C-4DD7-9105-F459060C76C1}"/>
+                </a:ext>
+              </a:extLst>
+            </p:cNvPr>
+            <p:cNvSpPr/>
+            <p:nvPr/>
+          </p:nvSpPr>
+          <p:spPr>
+            <a:xfrm>
+              <a:off x="3743487" y="2730118"/>
+              <a:ext cx="163286" cy="163286"/>
+            </a:xfrm>
+            <a:prstGeom prst="pie">
+              <a:avLst/>
+            </a:prstGeom>
+          </p:spPr>
+          <p:style>
+            <a:lnRef idx="2">
+              <a:schemeClr val="accent1">
+                <a:shade val="50000"/>
+              </a:schemeClr>
+            </a:lnRef>
+            <a:fillRef idx="1">
+              <a:schemeClr val="accent1"/>
+            </a:fillRef>
+            <a:effectRef idx="0">
+              <a:schemeClr val="accent1"/>
+            </a:effectRef>
+            <a:fontRef idx="minor">
+              <a:schemeClr val="lt1"/>
+            </a:fontRef>
+          </p:style>
+          <p:txBody>
+            <a:bodyPr rtlCol="0" anchor="ctr"/>
+            <a:lstStyle/>
+            <a:p>
+              <a:pPr algn="ctr"/>
+              <a:endParaRPr lang="en-US">
+                <a:solidFill>
+                  <a:schemeClr val="tx1"/>
+                </a:solidFill>
+              </a:endParaRPr>
+            </a:p>
+          </p:txBody>
+        </p:sp>
+        <p:sp>
+          <p:nvSpPr>
+            <p:cNvPr id="48" name="Pie 101">
+              <a:extLst>
+                <a:ext uri="{FF2B5EF4-FFF2-40B4-BE49-F238E27FC236}">
+                  <a16:creationId xmlns:a16="http://schemas.microsoft.com/office/drawing/2014/main" id="{060D835B-C890-47E1-BE1F-59952662F30F}"/>
+                </a:ext>
+              </a:extLst>
+            </p:cNvPr>
+            <p:cNvSpPr/>
+            <p:nvPr/>
+          </p:nvSpPr>
+          <p:spPr>
+            <a:xfrm>
+              <a:off x="3972025" y="2730118"/>
+              <a:ext cx="163286" cy="163286"/>
+            </a:xfrm>
+            <a:prstGeom prst="pie">
+              <a:avLst/>
+            </a:prstGeom>
+            <a:solidFill>
+              <a:schemeClr val="accent1"/>
+            </a:solidFill>
+          </p:spPr>
+          <p:style>
+            <a:lnRef idx="2">
+              <a:schemeClr val="accent1">
+                <a:shade val="50000"/>
+              </a:schemeClr>
+            </a:lnRef>
+            <a:fillRef idx="1">
+              <a:schemeClr val="accent1"/>
+            </a:fillRef>
+            <a:effectRef idx="0">
+              <a:schemeClr val="accent1"/>
+            </a:effectRef>
+            <a:fontRef idx="minor">
+              <a:schemeClr val="lt1"/>
+            </a:fontRef>
+          </p:style>
+          <p:txBody>
+            <a:bodyPr rtlCol="0" anchor="ctr"/>
+            <a:lstStyle/>
+            <a:p>
+              <a:pPr algn="ctr"/>
+              <a:endParaRPr lang="en-US">
+                <a:solidFill>
+                  <a:schemeClr val="tx1"/>
+                </a:solidFill>
+              </a:endParaRPr>
+            </a:p>
+          </p:txBody>
+        </p:sp>
+        <p:sp>
+          <p:nvSpPr>
+            <p:cNvPr id="49" name="Pie 111">
+              <a:extLst>
+                <a:ext uri="{FF2B5EF4-FFF2-40B4-BE49-F238E27FC236}">
+                  <a16:creationId xmlns:a16="http://schemas.microsoft.com/office/drawing/2014/main" id="{5E608A5F-4C53-4511-BA51-3801C3FFF1A9}"/>
+                </a:ext>
+              </a:extLst>
+            </p:cNvPr>
+            <p:cNvSpPr/>
+            <p:nvPr/>
+          </p:nvSpPr>
+          <p:spPr>
+            <a:xfrm>
+              <a:off x="3514949" y="2730118"/>
+              <a:ext cx="163286" cy="163286"/>
+            </a:xfrm>
+            <a:prstGeom prst="pie">
+              <a:avLst/>
+            </a:prstGeom>
+            <a:solidFill>
+              <a:schemeClr val="accent1"/>
+            </a:solidFill>
+          </p:spPr>
+          <p:style>
+            <a:lnRef idx="2">
+              <a:schemeClr val="accent1">
+                <a:shade val="50000"/>
+              </a:schemeClr>
+            </a:lnRef>
+            <a:fillRef idx="1">
+              <a:schemeClr val="accent1"/>
+            </a:fillRef>
+            <a:effectRef idx="0">
+              <a:schemeClr val="accent1"/>
+            </a:effectRef>
+            <a:fontRef idx="minor">
+              <a:schemeClr val="lt1"/>
+            </a:fontRef>
+          </p:style>
+          <p:txBody>
+            <a:bodyPr rtlCol="0" anchor="ctr"/>
+            <a:lstStyle/>
+            <a:p>
+              <a:pPr algn="ctr"/>
+              <a:endParaRPr lang="en-US">
+                <a:solidFill>
+                  <a:schemeClr val="tx1"/>
+                </a:solidFill>
+              </a:endParaRPr>
+            </a:p>
+          </p:txBody>
+        </p:sp>
+        <p:sp>
+          <p:nvSpPr>
+            <p:cNvPr id="50" name="Pie 144">
+              <a:extLst>
+                <a:ext uri="{FF2B5EF4-FFF2-40B4-BE49-F238E27FC236}">
+                  <a16:creationId xmlns:a16="http://schemas.microsoft.com/office/drawing/2014/main" id="{F744A2A4-60EB-427D-8AE5-0053D3D20A5C}"/>
+                </a:ext>
+              </a:extLst>
+            </p:cNvPr>
+            <p:cNvSpPr/>
+            <p:nvPr/>
+          </p:nvSpPr>
+          <p:spPr>
+            <a:xfrm>
+              <a:off x="2829335" y="2730118"/>
+              <a:ext cx="163286" cy="163286"/>
+            </a:xfrm>
+            <a:prstGeom prst="pie">
+              <a:avLst/>
+            </a:prstGeom>
+            <a:solidFill>
+              <a:schemeClr val="accent1"/>
+            </a:solidFill>
+          </p:spPr>
+          <p:style>
+            <a:lnRef idx="2">
+              <a:schemeClr val="accent1">
+                <a:shade val="50000"/>
+              </a:schemeClr>
+            </a:lnRef>
+            <a:fillRef idx="1">
+              <a:schemeClr val="accent1"/>
+            </a:fillRef>
+            <a:effectRef idx="0">
+              <a:schemeClr val="accent1"/>
+            </a:effectRef>
+            <a:fontRef idx="minor">
+              <a:schemeClr val="lt1"/>
+            </a:fontRef>
+          </p:style>
+          <p:txBody>
+            <a:bodyPr rtlCol="0" anchor="ctr"/>
+            <a:lstStyle/>
+            <a:p>
+              <a:pPr algn="ctr"/>
+              <a:endParaRPr lang="en-US">
+                <a:solidFill>
+                  <a:schemeClr val="tx1"/>
+                </a:solidFill>
+              </a:endParaRPr>
+            </a:p>
+          </p:txBody>
+        </p:sp>
+        <p:sp>
+          <p:nvSpPr>
+            <p:cNvPr id="51" name="Pie 145">
+              <a:extLst>
+                <a:ext uri="{FF2B5EF4-FFF2-40B4-BE49-F238E27FC236}">
+                  <a16:creationId xmlns:a16="http://schemas.microsoft.com/office/drawing/2014/main" id="{FBBDEA23-DCF9-4D5E-9E08-0C1EE9AF1D3D}"/>
+                </a:ext>
+              </a:extLst>
+            </p:cNvPr>
+            <p:cNvSpPr/>
+            <p:nvPr/>
+          </p:nvSpPr>
+          <p:spPr>
+            <a:xfrm>
+              <a:off x="3057873" y="2730118"/>
+              <a:ext cx="163286" cy="163286"/>
+            </a:xfrm>
+            <a:prstGeom prst="pie">
+              <a:avLst/>
+            </a:prstGeom>
+            <a:solidFill>
+              <a:schemeClr val="accent1"/>
+            </a:solidFill>
+          </p:spPr>
+          <p:style>
+            <a:lnRef idx="2">
+              <a:schemeClr val="accent1">
+                <a:shade val="50000"/>
+              </a:schemeClr>
+            </a:lnRef>
+            <a:fillRef idx="1">
+              <a:schemeClr val="accent1"/>
+            </a:fillRef>
+            <a:effectRef idx="0">
+              <a:schemeClr val="accent1"/>
+            </a:effectRef>
+            <a:fontRef idx="minor">
+              <a:schemeClr val="lt1"/>
+            </a:fontRef>
+          </p:style>
+          <p:txBody>
+            <a:bodyPr rtlCol="0" anchor="ctr"/>
+            <a:lstStyle/>
+            <a:p>
+              <a:pPr algn="ctr"/>
+              <a:endParaRPr lang="en-US">
+                <a:solidFill>
+                  <a:schemeClr val="tx1"/>
+                </a:solidFill>
+              </a:endParaRPr>
+            </a:p>
+          </p:txBody>
+        </p:sp>
+        <p:sp>
+          <p:nvSpPr>
+            <p:cNvPr id="52" name="Pie 146">
+              <a:extLst>
+                <a:ext uri="{FF2B5EF4-FFF2-40B4-BE49-F238E27FC236}">
+                  <a16:creationId xmlns:a16="http://schemas.microsoft.com/office/drawing/2014/main" id="{EDF7D353-BF63-4E26-9726-15397E133ABA}"/>
+                </a:ext>
+              </a:extLst>
+            </p:cNvPr>
+            <p:cNvSpPr/>
+            <p:nvPr/>
+          </p:nvSpPr>
+          <p:spPr>
+            <a:xfrm>
+              <a:off x="3286411" y="2730118"/>
+              <a:ext cx="163286" cy="163286"/>
+            </a:xfrm>
+            <a:prstGeom prst="pie">
+              <a:avLst/>
+            </a:prstGeom>
+            <a:solidFill>
+              <a:schemeClr val="accent1"/>
+            </a:solidFill>
+          </p:spPr>
+          <p:style>
+            <a:lnRef idx="2">
+              <a:schemeClr val="accent1">
+                <a:shade val="50000"/>
+              </a:schemeClr>
+            </a:lnRef>
+            <a:fillRef idx="1">
+              <a:schemeClr val="accent1"/>
+            </a:fillRef>
+            <a:effectRef idx="0">
+              <a:schemeClr val="accent1"/>
+            </a:effectRef>
+            <a:fontRef idx="minor">
+              <a:schemeClr val="lt1"/>
+            </a:fontRef>
+          </p:style>
+          <p:txBody>
+            <a:bodyPr rtlCol="0" anchor="ctr"/>
+            <a:lstStyle/>
+            <a:p>
+              <a:pPr algn="ctr"/>
+              <a:endParaRPr lang="en-US">
+                <a:solidFill>
+                  <a:schemeClr val="tx1"/>
+                </a:solidFill>
+              </a:endParaRPr>
+            </a:p>
+          </p:txBody>
+        </p:sp>
+        <p:sp>
+          <p:nvSpPr>
+            <p:cNvPr id="53" name="Pie 147">
+              <a:extLst>
+                <a:ext uri="{FF2B5EF4-FFF2-40B4-BE49-F238E27FC236}">
+                  <a16:creationId xmlns:a16="http://schemas.microsoft.com/office/drawing/2014/main" id="{4B4FAB1D-297F-403A-A7EA-A2FCB54DAF47}"/>
+                </a:ext>
+              </a:extLst>
+            </p:cNvPr>
+            <p:cNvSpPr/>
+            <p:nvPr/>
+          </p:nvSpPr>
+          <p:spPr>
+            <a:xfrm>
+              <a:off x="2600797" y="2730118"/>
+              <a:ext cx="163286" cy="163286"/>
+            </a:xfrm>
+            <a:prstGeom prst="pie">
+              <a:avLst/>
+            </a:prstGeom>
+            <a:solidFill>
+              <a:schemeClr val="accent1"/>
+            </a:solidFill>
+          </p:spPr>
+          <p:style>
+            <a:lnRef idx="2">
+              <a:schemeClr val="accent1">
+                <a:shade val="50000"/>
+              </a:schemeClr>
+            </a:lnRef>
+            <a:fillRef idx="1">
+              <a:schemeClr val="accent1"/>
+            </a:fillRef>
+            <a:effectRef idx="0">
+              <a:schemeClr val="accent1"/>
+            </a:effectRef>
+            <a:fontRef idx="minor">
+              <a:schemeClr val="lt1"/>
+            </a:fontRef>
+          </p:style>
+          <p:txBody>
+            <a:bodyPr rtlCol="0" anchor="ctr"/>
+            <a:lstStyle/>
+            <a:p>
+              <a:pPr algn="ctr"/>
+              <a:endParaRPr lang="en-US">
+                <a:solidFill>
+                  <a:schemeClr val="tx1"/>
+                </a:solidFill>
+              </a:endParaRPr>
+            </a:p>
+          </p:txBody>
+        </p:sp>
+        <p:sp>
+          <p:nvSpPr>
+            <p:cNvPr id="58" name="Oval 120">
+              <a:extLst>
+                <a:ext uri="{FF2B5EF4-FFF2-40B4-BE49-F238E27FC236}">
+                  <a16:creationId xmlns:a16="http://schemas.microsoft.com/office/drawing/2014/main" id="{544D6592-9B02-4F3A-8AD6-CCAF856D50E0}"/>
+                </a:ext>
+              </a:extLst>
+            </p:cNvPr>
+            <p:cNvSpPr/>
+            <p:nvPr/>
+          </p:nvSpPr>
+          <p:spPr>
+            <a:xfrm>
+              <a:off x="2379436" y="2481207"/>
+              <a:ext cx="141515" cy="141515"/>
+            </a:xfrm>
+            <a:prstGeom prst="ellipse">
+              <a:avLst/>
+            </a:prstGeom>
+          </p:spPr>
+          <p:style>
+            <a:lnRef idx="2">
+              <a:schemeClr val="accent1">
+                <a:shade val="50000"/>
+              </a:schemeClr>
+            </a:lnRef>
+            <a:fillRef idx="1">
+              <a:schemeClr val="accent1"/>
+            </a:fillRef>
+            <a:effectRef idx="0">
+              <a:schemeClr val="accent1"/>
+            </a:effectRef>
+            <a:fontRef idx="minor">
+              <a:schemeClr val="lt1"/>
+            </a:fontRef>
+          </p:style>
+          <p:txBody>
+            <a:bodyPr rtlCol="0" anchor="ctr"/>
+            <a:lstStyle/>
+            <a:p>
+              <a:pPr algn="ctr"/>
+              <a:endParaRPr lang="en-US"/>
+            </a:p>
+          </p:txBody>
+        </p:sp>
+        <p:sp>
+          <p:nvSpPr>
+            <p:cNvPr id="63" name="Oval 79">
+              <a:extLst>
+                <a:ext uri="{FF2B5EF4-FFF2-40B4-BE49-F238E27FC236}">
+                  <a16:creationId xmlns:a16="http://schemas.microsoft.com/office/drawing/2014/main" id="{33FF4ECE-EB39-4484-B50B-A7889EE078E6}"/>
+                </a:ext>
+              </a:extLst>
+            </p:cNvPr>
+            <p:cNvSpPr/>
+            <p:nvPr/>
+          </p:nvSpPr>
+          <p:spPr>
+            <a:xfrm>
+              <a:off x="7188200" y="2481207"/>
+              <a:ext cx="141515" cy="141515"/>
+            </a:xfrm>
+            <a:prstGeom prst="ellipse">
+              <a:avLst/>
+            </a:prstGeom>
+          </p:spPr>
+          <p:style>
+            <a:lnRef idx="2">
+              <a:schemeClr val="accent1">
+                <a:shade val="50000"/>
+              </a:schemeClr>
+            </a:lnRef>
+            <a:fillRef idx="1">
+              <a:schemeClr val="accent1"/>
+            </a:fillRef>
+            <a:effectRef idx="0">
+              <a:schemeClr val="accent1"/>
+            </a:effectRef>
+            <a:fontRef idx="minor">
+              <a:schemeClr val="lt1"/>
+            </a:fontRef>
+          </p:style>
+          <p:txBody>
+            <a:bodyPr rtlCol="0" anchor="ctr"/>
+            <a:lstStyle/>
+            <a:p>
+              <a:pPr algn="ctr"/>
+              <a:endParaRPr lang="en-US"/>
+            </a:p>
+          </p:txBody>
+        </p:sp>
+      </p:grpSp>
+    </p:spTree>
+    <p:extLst>
+      <p:ext uri="{BB962C8B-B14F-4D97-AF65-F5344CB8AC3E}">
+        <p14:creationId xmlns:p14="http://schemas.microsoft.com/office/powerpoint/2010/main" val="905626837"/>
+      </p:ext>
+    </p:extLst>
+  </p:cSld>
+  <p:clrMapOvr>
+    <a:masterClrMapping/>
+  </p:clrMapOvr>
+</p:sld>
+</file>
+
+<file path=ppt/slides/slide5.xml><?xml version="1.0" encoding="utf-8"?>
+<p:sld xmlns:a="http://schemas.openxmlformats.org/drawingml/2006/main" xmlns:r="http://schemas.openxmlformats.org/officeDocument/2006/relationships" xmlns:p="http://schemas.openxmlformats.org/presentationml/2006/main">
+  <p:cSld>
+    <p:spTree>
+      <p:nvGrpSpPr>
+        <p:cNvPr id="1" name=""/>
+        <p:cNvGrpSpPr/>
+        <p:nvPr/>
+      </p:nvGrpSpPr>
+      <p:grpSpPr>
+        <a:xfrm>
+          <a:off x="0" y="0"/>
+          <a:ext cx="0" cy="0"/>
+          <a:chOff x="0" y="0"/>
+          <a:chExt cx="0" cy="0"/>
+        </a:xfrm>
+      </p:grpSpPr>
+      <p:graphicFrame>
+        <p:nvGraphicFramePr>
+          <p:cNvPr id="61" name="表格 60">
+            <a:extLst>
+              <a:ext uri="{FF2B5EF4-FFF2-40B4-BE49-F238E27FC236}">
+                <a16:creationId xmlns:a16="http://schemas.microsoft.com/office/drawing/2014/main" id="{3CCE5814-4B61-4DBB-9A11-931FCF116F84}"/>
+              </a:ext>
+            </a:extLst>
+          </p:cNvPr>
+          <p:cNvGraphicFramePr>
+            <a:graphicFrameLocks noGrp="1"/>
+          </p:cNvGraphicFramePr>
+          <p:nvPr>
+            <p:extLst>
+              <p:ext uri="{D42A27DB-BD31-4B8C-83A1-F6EECF244321}">
+                <p14:modId xmlns:p14="http://schemas.microsoft.com/office/powerpoint/2010/main" val="3068235095"/>
+              </p:ext>
+            </p:extLst>
+          </p:nvPr>
+        </p:nvGraphicFramePr>
+        <p:xfrm>
+          <a:off x="2335303" y="2079972"/>
+          <a:ext cx="5038000" cy="324000"/>
+        </p:xfrm>
+        <a:graphic>
+          <a:graphicData uri="http://schemas.openxmlformats.org/drawingml/2006/table">
+            <a:tbl>
+              <a:tblPr firstRow="1" bandRow="1">
+                <a:tableStyleId>{5C22544A-7EE6-4342-B048-85BDC9FD1C3A}</a:tableStyleId>
+              </a:tblPr>
+              <a:tblGrid>
+                <a:gridCol w="229000">
+                  <a:extLst>
+                    <a:ext uri="{9D8B030D-6E8A-4147-A177-3AD203B41FA5}">
+                      <a16:colId xmlns:a16="http://schemas.microsoft.com/office/drawing/2014/main" val="3718374824"/>
+                    </a:ext>
+                  </a:extLst>
+                </a:gridCol>
+                <a:gridCol w="229000">
+                  <a:extLst>
+                    <a:ext uri="{9D8B030D-6E8A-4147-A177-3AD203B41FA5}">
+                      <a16:colId xmlns:a16="http://schemas.microsoft.com/office/drawing/2014/main" val="1528776781"/>
+                    </a:ext>
+                  </a:extLst>
+                </a:gridCol>
+                <a:gridCol w="229000">
+                  <a:extLst>
+                    <a:ext uri="{9D8B030D-6E8A-4147-A177-3AD203B41FA5}">
+                      <a16:colId xmlns:a16="http://schemas.microsoft.com/office/drawing/2014/main" val="907594566"/>
+                    </a:ext>
+                  </a:extLst>
+                </a:gridCol>
+                <a:gridCol w="229000">
+                  <a:extLst>
+                    <a:ext uri="{9D8B030D-6E8A-4147-A177-3AD203B41FA5}">
+                      <a16:colId xmlns:a16="http://schemas.microsoft.com/office/drawing/2014/main" val="1910320266"/>
+                    </a:ext>
+                  </a:extLst>
+                </a:gridCol>
+                <a:gridCol w="229000">
+                  <a:extLst>
+                    <a:ext uri="{9D8B030D-6E8A-4147-A177-3AD203B41FA5}">
+                      <a16:colId xmlns:a16="http://schemas.microsoft.com/office/drawing/2014/main" val="3067004109"/>
+                    </a:ext>
+                  </a:extLst>
+                </a:gridCol>
+                <a:gridCol w="229000">
+                  <a:extLst>
+                    <a:ext uri="{9D8B030D-6E8A-4147-A177-3AD203B41FA5}">
+                      <a16:colId xmlns:a16="http://schemas.microsoft.com/office/drawing/2014/main" val="4254257457"/>
+                    </a:ext>
+                  </a:extLst>
+                </a:gridCol>
+                <a:gridCol w="229000">
+                  <a:extLst>
+                    <a:ext uri="{9D8B030D-6E8A-4147-A177-3AD203B41FA5}">
+                      <a16:colId xmlns:a16="http://schemas.microsoft.com/office/drawing/2014/main" val="1477360644"/>
+                    </a:ext>
+                  </a:extLst>
+                </a:gridCol>
+                <a:gridCol w="229000">
+                  <a:extLst>
+                    <a:ext uri="{9D8B030D-6E8A-4147-A177-3AD203B41FA5}">
+                      <a16:colId xmlns:a16="http://schemas.microsoft.com/office/drawing/2014/main" val="3130236360"/>
+                    </a:ext>
+                  </a:extLst>
+                </a:gridCol>
+                <a:gridCol w="229000">
+                  <a:extLst>
+                    <a:ext uri="{9D8B030D-6E8A-4147-A177-3AD203B41FA5}">
+                      <a16:colId xmlns:a16="http://schemas.microsoft.com/office/drawing/2014/main" val="330399890"/>
+                    </a:ext>
+                  </a:extLst>
+                </a:gridCol>
+                <a:gridCol w="229000">
+                  <a:extLst>
+                    <a:ext uri="{9D8B030D-6E8A-4147-A177-3AD203B41FA5}">
+                      <a16:colId xmlns:a16="http://schemas.microsoft.com/office/drawing/2014/main" val="2989841972"/>
+                    </a:ext>
+                  </a:extLst>
+                </a:gridCol>
+                <a:gridCol w="229000">
+                  <a:extLst>
+                    <a:ext uri="{9D8B030D-6E8A-4147-A177-3AD203B41FA5}">
+                      <a16:colId xmlns:a16="http://schemas.microsoft.com/office/drawing/2014/main" val="2397422866"/>
+                    </a:ext>
+                  </a:extLst>
+                </a:gridCol>
+                <a:gridCol w="229000">
+                  <a:extLst>
+                    <a:ext uri="{9D8B030D-6E8A-4147-A177-3AD203B41FA5}">
+                      <a16:colId xmlns:a16="http://schemas.microsoft.com/office/drawing/2014/main" val="4122723354"/>
+                    </a:ext>
+                  </a:extLst>
+                </a:gridCol>
+                <a:gridCol w="229000">
+                  <a:extLst>
+                    <a:ext uri="{9D8B030D-6E8A-4147-A177-3AD203B41FA5}">
+                      <a16:colId xmlns:a16="http://schemas.microsoft.com/office/drawing/2014/main" val="2305147262"/>
+                    </a:ext>
+                  </a:extLst>
+                </a:gridCol>
+                <a:gridCol w="229000">
+                  <a:extLst>
+                    <a:ext uri="{9D8B030D-6E8A-4147-A177-3AD203B41FA5}">
+                      <a16:colId xmlns:a16="http://schemas.microsoft.com/office/drawing/2014/main" val="1457410911"/>
+                    </a:ext>
+                  </a:extLst>
+                </a:gridCol>
+                <a:gridCol w="229000">
+                  <a:extLst>
+                    <a:ext uri="{9D8B030D-6E8A-4147-A177-3AD203B41FA5}">
+                      <a16:colId xmlns:a16="http://schemas.microsoft.com/office/drawing/2014/main" val="8011342"/>
+                    </a:ext>
+                  </a:extLst>
+                </a:gridCol>
+                <a:gridCol w="229000">
+                  <a:extLst>
+                    <a:ext uri="{9D8B030D-6E8A-4147-A177-3AD203B41FA5}">
+                      <a16:colId xmlns:a16="http://schemas.microsoft.com/office/drawing/2014/main" val="624112903"/>
+                    </a:ext>
+                  </a:extLst>
+                </a:gridCol>
+                <a:gridCol w="229000">
+                  <a:extLst>
+                    <a:ext uri="{9D8B030D-6E8A-4147-A177-3AD203B41FA5}">
+                      <a16:colId xmlns:a16="http://schemas.microsoft.com/office/drawing/2014/main" val="1803181988"/>
+                    </a:ext>
+                  </a:extLst>
+                </a:gridCol>
+                <a:gridCol w="229000">
+                  <a:extLst>
+                    <a:ext uri="{9D8B030D-6E8A-4147-A177-3AD203B41FA5}">
+                      <a16:colId xmlns:a16="http://schemas.microsoft.com/office/drawing/2014/main" val="25294240"/>
+                    </a:ext>
+                  </a:extLst>
+                </a:gridCol>
+                <a:gridCol w="229000">
+                  <a:extLst>
+                    <a:ext uri="{9D8B030D-6E8A-4147-A177-3AD203B41FA5}">
+                      <a16:colId xmlns:a16="http://schemas.microsoft.com/office/drawing/2014/main" val="3103909165"/>
+                    </a:ext>
+                  </a:extLst>
+                </a:gridCol>
+                <a:gridCol w="229000">
+                  <a:extLst>
+                    <a:ext uri="{9D8B030D-6E8A-4147-A177-3AD203B41FA5}">
+                      <a16:colId xmlns:a16="http://schemas.microsoft.com/office/drawing/2014/main" val="2718429375"/>
+                    </a:ext>
+                  </a:extLst>
+                </a:gridCol>
+                <a:gridCol w="229000">
+                  <a:extLst>
+                    <a:ext uri="{9D8B030D-6E8A-4147-A177-3AD203B41FA5}">
+                      <a16:colId xmlns:a16="http://schemas.microsoft.com/office/drawing/2014/main" val="3968874117"/>
+                    </a:ext>
+                  </a:extLst>
+                </a:gridCol>
+                <a:gridCol w="229000">
+                  <a:extLst>
+                    <a:ext uri="{9D8B030D-6E8A-4147-A177-3AD203B41FA5}">
+                      <a16:colId xmlns:a16="http://schemas.microsoft.com/office/drawing/2014/main" val="3766361623"/>
+                    </a:ext>
+                  </a:extLst>
+                </a:gridCol>
+              </a:tblGrid>
+              <a:tr h="324000">
+                <a:tc>
+                  <a:txBody>
+                    <a:bodyPr/>
+                    <a:lstStyle/>
+                    <a:p>
+                      <a:pPr algn="ctr" fontAlgn="b"/>
+                      <a:r>
+                        <a:rPr lang="en-US" sz="1100" b="0" i="0" u="none" strike="noStrike" dirty="0">
+                          <a:solidFill>
+                            <a:srgbClr val="000000"/>
+                          </a:solidFill>
+                          <a:effectLst/>
+                          <a:latin typeface="Calibri" panose="020F0502020204030204" pitchFamily="34" charset="0"/>
+                        </a:rPr>
+                        <a:t>9</a:t>
+                      </a:r>
+                    </a:p>
+                  </a:txBody>
+                  <a:tcPr marL="6350" marR="6350" marT="6350" marB="0" anchor="b">
+                    <a:lnL w="12700" cmpd="sng">
+                      <a:noFill/>
+                    </a:lnL>
+                    <a:lnR w="12700" cmpd="sng">
+                      <a:noFill/>
+                    </a:lnR>
+                    <a:lnT w="12700" cmpd="sng">
+                      <a:noFill/>
+                    </a:lnT>
+                    <a:lnB w="38100" cmpd="sng">
+                      <a:noFill/>
+                    </a:lnB>
+                    <a:lnTlToBr w="12700" cmpd="sng">
+                      <a:noFill/>
+                      <a:prstDash val="solid"/>
+                    </a:lnTlToBr>
+                    <a:lnBlToTr w="12700" cmpd="sng">
+                      <a:noFill/>
+                      <a:prstDash val="solid"/>
+                    </a:lnBlToTr>
+                    <a:noFill/>
+                  </a:tcPr>
+                </a:tc>
+                <a:tc>
+                  <a:txBody>
+                    <a:bodyPr/>
+                    <a:lstStyle/>
+                    <a:p>
+                      <a:pPr algn="ctr" fontAlgn="b"/>
+                      <a:r>
+                        <a:rPr lang="en-US" sz="1100" b="0" i="0" u="none" strike="noStrike" dirty="0">
+                          <a:solidFill>
+                            <a:srgbClr val="000000"/>
+                          </a:solidFill>
+                          <a:effectLst/>
+                          <a:latin typeface="Calibri" panose="020F0502020204030204" pitchFamily="34" charset="0"/>
+                        </a:rPr>
+                        <a:t>10</a:t>
+                      </a:r>
+                    </a:p>
+                  </a:txBody>
+                  <a:tcPr marL="6350" marR="6350" marT="6350" marB="0" anchor="b">
+                    <a:lnL w="12700" cmpd="sng">
+                      <a:noFill/>
+                    </a:lnL>
+                    <a:lnR w="12700" cmpd="sng">
+                      <a:noFill/>
+                    </a:lnR>
+                    <a:lnT w="12700" cmpd="sng">
+                      <a:noFill/>
+                    </a:lnT>
+                    <a:lnB w="38100" cmpd="sng">
+                      <a:noFill/>
+                    </a:lnB>
+                    <a:lnTlToBr w="12700" cmpd="sng">
+                      <a:noFill/>
+                      <a:prstDash val="solid"/>
+                    </a:lnTlToBr>
+                    <a:lnBlToTr w="12700" cmpd="sng">
+                      <a:noFill/>
+                      <a:prstDash val="solid"/>
+                    </a:lnBlToTr>
+                    <a:noFill/>
+                  </a:tcPr>
+                </a:tc>
+                <a:tc>
+                  <a:txBody>
+                    <a:bodyPr/>
+                    <a:lstStyle/>
+                    <a:p>
+                      <a:pPr algn="ctr" fontAlgn="b"/>
+                      <a:r>
+                        <a:rPr lang="en-US" sz="1100" b="0" i="0" u="none" strike="noStrike" dirty="0">
+                          <a:solidFill>
+                            <a:srgbClr val="000000"/>
+                          </a:solidFill>
+                          <a:effectLst/>
+                          <a:latin typeface="Calibri" panose="020F0502020204030204" pitchFamily="34" charset="0"/>
+                        </a:rPr>
+                        <a:t>11</a:t>
+                      </a:r>
+                    </a:p>
+                  </a:txBody>
+                  <a:tcPr marL="6350" marR="6350" marT="6350" marB="0" anchor="b">
+                    <a:lnL w="12700" cmpd="sng">
+                      <a:noFill/>
+                    </a:lnL>
+                    <a:lnR w="12700" cmpd="sng">
+                      <a:noFill/>
+                    </a:lnR>
+                    <a:lnT w="12700" cmpd="sng">
+                      <a:noFill/>
+                    </a:lnT>
+                    <a:lnB w="38100" cmpd="sng">
+                      <a:noFill/>
+                    </a:lnB>
+                    <a:lnTlToBr w="12700" cmpd="sng">
+                      <a:noFill/>
+                      <a:prstDash val="solid"/>
+                    </a:lnTlToBr>
+                    <a:lnBlToTr w="12700" cmpd="sng">
+                      <a:noFill/>
+                      <a:prstDash val="solid"/>
+                    </a:lnBlToTr>
+                    <a:noFill/>
+                  </a:tcPr>
+                </a:tc>
+                <a:tc>
+                  <a:txBody>
+                    <a:bodyPr/>
+                    <a:lstStyle/>
+                    <a:p>
+                      <a:pPr algn="ctr" fontAlgn="b"/>
+                      <a:r>
+                        <a:rPr lang="en-US" sz="1100" b="0" i="0" u="none" strike="noStrike" dirty="0">
+                          <a:solidFill>
+                            <a:srgbClr val="000000"/>
+                          </a:solidFill>
+                          <a:effectLst/>
+                          <a:latin typeface="Calibri" panose="020F0502020204030204" pitchFamily="34" charset="0"/>
+                        </a:rPr>
+                        <a:t>12</a:t>
+                      </a:r>
+                    </a:p>
+                  </a:txBody>
+                  <a:tcPr marL="6350" marR="6350" marT="6350" marB="0" anchor="b">
+                    <a:lnL w="12700" cmpd="sng">
+                      <a:noFill/>
+                    </a:lnL>
+                    <a:lnR w="12700" cmpd="sng">
+                      <a:noFill/>
+                    </a:lnR>
+                    <a:lnT w="12700" cmpd="sng">
+                      <a:noFill/>
+                    </a:lnT>
+                    <a:lnB w="38100" cmpd="sng">
+                      <a:noFill/>
+                    </a:lnB>
+                    <a:lnTlToBr w="12700" cmpd="sng">
+                      <a:noFill/>
+                      <a:prstDash val="solid"/>
+                    </a:lnTlToBr>
+                    <a:lnBlToTr w="12700" cmpd="sng">
+                      <a:noFill/>
+                      <a:prstDash val="solid"/>
+                    </a:lnBlToTr>
+                    <a:noFill/>
+                  </a:tcPr>
+                </a:tc>
+                <a:tc>
+                  <a:txBody>
+                    <a:bodyPr/>
+                    <a:lstStyle/>
+                    <a:p>
+                      <a:pPr algn="ctr" fontAlgn="b"/>
+                      <a:r>
+                        <a:rPr lang="en-US" sz="1100" b="0" i="0" u="none" strike="noStrike" dirty="0">
+                          <a:solidFill>
+                            <a:srgbClr val="000000"/>
+                          </a:solidFill>
+                          <a:effectLst/>
+                          <a:latin typeface="Calibri" panose="020F0502020204030204" pitchFamily="34" charset="0"/>
+                        </a:rPr>
+                        <a:t>13</a:t>
+                      </a:r>
+                    </a:p>
+                  </a:txBody>
+                  <a:tcPr marL="6350" marR="6350" marT="6350" marB="0" anchor="b">
+                    <a:lnL w="12700" cmpd="sng">
+                      <a:noFill/>
+                    </a:lnL>
+                    <a:lnR w="12700" cmpd="sng">
+                      <a:noFill/>
+                    </a:lnR>
+                    <a:lnT w="12700" cmpd="sng">
+                      <a:noFill/>
+                    </a:lnT>
+                    <a:lnB w="38100" cmpd="sng">
+                      <a:noFill/>
+                    </a:lnB>
+                    <a:lnTlToBr w="12700" cmpd="sng">
+                      <a:noFill/>
+                      <a:prstDash val="solid"/>
+                    </a:lnTlToBr>
+                    <a:lnBlToTr w="12700" cmpd="sng">
+                      <a:noFill/>
+                      <a:prstDash val="solid"/>
+                    </a:lnBlToTr>
+                    <a:noFill/>
+                  </a:tcPr>
+                </a:tc>
+                <a:tc>
+                  <a:txBody>
+                    <a:bodyPr/>
+                    <a:lstStyle/>
+                    <a:p>
+                      <a:pPr algn="ctr" fontAlgn="b"/>
+                      <a:r>
+                        <a:rPr lang="en-US" sz="1100" b="0" i="0" u="none" strike="noStrike" dirty="0">
+                          <a:solidFill>
+                            <a:srgbClr val="000000"/>
+                          </a:solidFill>
+                          <a:effectLst/>
+                          <a:latin typeface="Calibri" panose="020F0502020204030204" pitchFamily="34" charset="0"/>
+                        </a:rPr>
+                        <a:t>14</a:t>
+                      </a:r>
+                    </a:p>
+                  </a:txBody>
+                  <a:tcPr marL="6350" marR="6350" marT="6350" marB="0" anchor="b">
+                    <a:lnL w="12700" cmpd="sng">
+                      <a:noFill/>
+                    </a:lnL>
+                    <a:lnR w="12700" cmpd="sng">
+                      <a:noFill/>
+                    </a:lnR>
+                    <a:lnT w="12700" cmpd="sng">
+                      <a:noFill/>
+                    </a:lnT>
+                    <a:lnB w="38100" cmpd="sng">
+                      <a:noFill/>
+                    </a:lnB>
+                    <a:lnTlToBr w="12700" cmpd="sng">
+                      <a:noFill/>
+                      <a:prstDash val="solid"/>
+                    </a:lnTlToBr>
+                    <a:lnBlToTr w="12700" cmpd="sng">
+                      <a:noFill/>
+                      <a:prstDash val="solid"/>
+                    </a:lnBlToTr>
+                    <a:noFill/>
+                  </a:tcPr>
+                </a:tc>
+                <a:tc>
+                  <a:txBody>
+                    <a:bodyPr/>
+                    <a:lstStyle/>
+                    <a:p>
+                      <a:pPr algn="ctr" fontAlgn="b"/>
+                      <a:r>
+                        <a:rPr lang="en-US" sz="1100" b="0" i="0" u="none" strike="noStrike" dirty="0">
+                          <a:solidFill>
+                            <a:srgbClr val="000000"/>
+                          </a:solidFill>
+                          <a:effectLst/>
+                          <a:latin typeface="Calibri" panose="020F0502020204030204" pitchFamily="34" charset="0"/>
+                        </a:rPr>
+                        <a:t>15</a:t>
+                      </a:r>
+                    </a:p>
+                  </a:txBody>
+                  <a:tcPr marL="6350" marR="6350" marT="6350" marB="0" anchor="b">
+                    <a:lnL w="12700" cmpd="sng">
+                      <a:noFill/>
+                    </a:lnL>
+                    <a:lnR w="12700" cmpd="sng">
+                      <a:noFill/>
+                    </a:lnR>
+                    <a:lnT w="12700" cmpd="sng">
+                      <a:noFill/>
+                    </a:lnT>
+                    <a:lnB w="38100" cmpd="sng">
+                      <a:noFill/>
+                    </a:lnB>
+                    <a:lnTlToBr w="12700" cmpd="sng">
+                      <a:noFill/>
+                      <a:prstDash val="solid"/>
+                    </a:lnTlToBr>
+                    <a:lnBlToTr w="12700" cmpd="sng">
+                      <a:noFill/>
+                      <a:prstDash val="solid"/>
+                    </a:lnBlToTr>
+                    <a:noFill/>
+                  </a:tcPr>
+                </a:tc>
+                <a:tc>
+                  <a:txBody>
+                    <a:bodyPr/>
+                    <a:lstStyle/>
+                    <a:p>
+                      <a:pPr algn="ctr" fontAlgn="b"/>
+                      <a:r>
+                        <a:rPr lang="en-US" sz="1100" b="0" i="0" u="none" strike="noStrike">
+                          <a:solidFill>
+                            <a:srgbClr val="000000"/>
+                          </a:solidFill>
+                          <a:effectLst/>
+                          <a:latin typeface="Calibri" panose="020F0502020204030204" pitchFamily="34" charset="0"/>
+                        </a:rPr>
+                        <a:t>16</a:t>
+                      </a:r>
+                    </a:p>
+                  </a:txBody>
+                  <a:tcPr marL="6350" marR="6350" marT="6350" marB="0" anchor="b">
+                    <a:lnL w="12700" cmpd="sng">
+                      <a:noFill/>
+                    </a:lnL>
+                    <a:lnR w="12700" cmpd="sng">
+                      <a:noFill/>
+                    </a:lnR>
+                    <a:lnT w="12700" cmpd="sng">
+                      <a:noFill/>
+                    </a:lnT>
+                    <a:lnB w="38100" cmpd="sng">
+                      <a:noFill/>
+                    </a:lnB>
+                    <a:lnTlToBr w="12700" cmpd="sng">
+                      <a:noFill/>
+                      <a:prstDash val="solid"/>
+                    </a:lnTlToBr>
+                    <a:lnBlToTr w="12700" cmpd="sng">
+                      <a:noFill/>
+                      <a:prstDash val="solid"/>
+                    </a:lnBlToTr>
+                    <a:noFill/>
+                  </a:tcPr>
+                </a:tc>
+                <a:tc>
+                  <a:txBody>
+                    <a:bodyPr/>
+                    <a:lstStyle/>
+                    <a:p>
+                      <a:pPr algn="ctr" fontAlgn="b"/>
+                      <a:r>
+                        <a:rPr lang="en-US" sz="1100" b="0" i="0" u="none" strike="noStrike">
+                          <a:solidFill>
+                            <a:srgbClr val="000000"/>
+                          </a:solidFill>
+                          <a:effectLst/>
+                          <a:latin typeface="Calibri" panose="020F0502020204030204" pitchFamily="34" charset="0"/>
+                        </a:rPr>
+                        <a:t>17</a:t>
+                      </a:r>
+                    </a:p>
+                  </a:txBody>
+                  <a:tcPr marL="6350" marR="6350" marT="6350" marB="0" anchor="b">
+                    <a:lnL w="12700" cmpd="sng">
+                      <a:noFill/>
+                    </a:lnL>
+                    <a:lnR w="12700" cmpd="sng">
+                      <a:noFill/>
+                    </a:lnR>
+                    <a:lnT w="12700" cmpd="sng">
+                      <a:noFill/>
+                    </a:lnT>
+                    <a:lnB w="38100" cmpd="sng">
+                      <a:noFill/>
+                    </a:lnB>
+                    <a:lnTlToBr w="12700" cmpd="sng">
+                      <a:noFill/>
+                      <a:prstDash val="solid"/>
+                    </a:lnTlToBr>
+                    <a:lnBlToTr w="12700" cmpd="sng">
+                      <a:noFill/>
+                      <a:prstDash val="solid"/>
+                    </a:lnBlToTr>
+                    <a:noFill/>
+                  </a:tcPr>
+                </a:tc>
+                <a:tc>
+                  <a:txBody>
+                    <a:bodyPr/>
+                    <a:lstStyle/>
+                    <a:p>
+                      <a:pPr algn="ctr" fontAlgn="b"/>
+                      <a:r>
+                        <a:rPr lang="en-US" sz="1100" b="0" i="0" u="none" strike="noStrike">
+                          <a:solidFill>
+                            <a:srgbClr val="000000"/>
+                          </a:solidFill>
+                          <a:effectLst/>
+                          <a:latin typeface="Calibri" panose="020F0502020204030204" pitchFamily="34" charset="0"/>
+                        </a:rPr>
+                        <a:t>18</a:t>
+                      </a:r>
+                    </a:p>
+                  </a:txBody>
+                  <a:tcPr marL="6350" marR="6350" marT="6350" marB="0" anchor="b">
+                    <a:lnL w="12700" cmpd="sng">
+                      <a:noFill/>
+                    </a:lnL>
+                    <a:lnR w="12700" cmpd="sng">
+                      <a:noFill/>
+                    </a:lnR>
+                    <a:lnT w="12700" cmpd="sng">
+                      <a:noFill/>
+                    </a:lnT>
+                    <a:lnB w="38100" cmpd="sng">
+                      <a:noFill/>
+                    </a:lnB>
+                    <a:lnTlToBr w="12700" cmpd="sng">
+                      <a:noFill/>
+                      <a:prstDash val="solid"/>
+                    </a:lnTlToBr>
+                    <a:lnBlToTr w="12700" cmpd="sng">
+                      <a:noFill/>
+                      <a:prstDash val="solid"/>
+                    </a:lnBlToTr>
+                    <a:noFill/>
+                  </a:tcPr>
+                </a:tc>
+                <a:tc>
+                  <a:txBody>
+                    <a:bodyPr/>
+                    <a:lstStyle/>
+                    <a:p>
+                      <a:pPr algn="ctr" fontAlgn="b"/>
+                      <a:r>
+                        <a:rPr lang="en-US" sz="1100" b="0" i="0" u="none" strike="noStrike" dirty="0">
+                          <a:solidFill>
+                            <a:srgbClr val="000000"/>
+                          </a:solidFill>
+                          <a:effectLst/>
+                          <a:latin typeface="Calibri" panose="020F0502020204030204" pitchFamily="34" charset="0"/>
+                        </a:rPr>
+                        <a:t>19</a:t>
+                      </a:r>
+                    </a:p>
+                  </a:txBody>
+                  <a:tcPr marL="6350" marR="6350" marT="6350" marB="0" anchor="b">
+                    <a:lnL w="12700" cmpd="sng">
+                      <a:noFill/>
+                    </a:lnL>
+                    <a:lnR w="12700" cmpd="sng">
+                      <a:noFill/>
+                    </a:lnR>
+                    <a:lnT w="12700" cmpd="sng">
+                      <a:noFill/>
+                    </a:lnT>
+                    <a:lnB w="38100" cmpd="sng">
+                      <a:noFill/>
+                    </a:lnB>
+                    <a:lnTlToBr w="12700" cmpd="sng">
+                      <a:noFill/>
+                      <a:prstDash val="solid"/>
+                    </a:lnTlToBr>
+                    <a:lnBlToTr w="12700" cmpd="sng">
+                      <a:noFill/>
+                      <a:prstDash val="solid"/>
+                    </a:lnBlToTr>
+                    <a:noFill/>
+                  </a:tcPr>
+                </a:tc>
+                <a:tc>
+                  <a:txBody>
+                    <a:bodyPr/>
+                    <a:lstStyle/>
+                    <a:p>
+                      <a:pPr algn="ctr" fontAlgn="b"/>
+                      <a:r>
+                        <a:rPr lang="en-US" sz="1100" b="0" i="0" u="none" strike="noStrike">
+                          <a:solidFill>
+                            <a:srgbClr val="000000"/>
+                          </a:solidFill>
+                          <a:effectLst/>
+                          <a:latin typeface="Calibri" panose="020F0502020204030204" pitchFamily="34" charset="0"/>
+                        </a:rPr>
+                        <a:t>20</a:t>
+                      </a:r>
+                    </a:p>
+                  </a:txBody>
+                  <a:tcPr marL="6350" marR="6350" marT="6350" marB="0" anchor="b">
+                    <a:lnL w="12700" cmpd="sng">
+                      <a:noFill/>
+                    </a:lnL>
+                    <a:lnR w="12700" cmpd="sng">
+                      <a:noFill/>
+                    </a:lnR>
+                    <a:lnT w="12700" cmpd="sng">
+                      <a:noFill/>
+                    </a:lnT>
+                    <a:lnB w="38100" cmpd="sng">
+                      <a:noFill/>
+                    </a:lnB>
+                    <a:lnTlToBr w="12700" cmpd="sng">
+                      <a:noFill/>
+                      <a:prstDash val="solid"/>
+                    </a:lnTlToBr>
+                    <a:lnBlToTr w="12700" cmpd="sng">
+                      <a:noFill/>
+                      <a:prstDash val="solid"/>
+                    </a:lnBlToTr>
+                    <a:noFill/>
+                  </a:tcPr>
+                </a:tc>
+                <a:tc>
+                  <a:txBody>
+                    <a:bodyPr/>
+                    <a:lstStyle/>
+                    <a:p>
+                      <a:pPr algn="ctr" fontAlgn="b"/>
+                      <a:r>
+                        <a:rPr lang="en-US" sz="1100" b="0" i="0" u="none" strike="noStrike" dirty="0">
+                          <a:solidFill>
+                            <a:srgbClr val="000000"/>
+                          </a:solidFill>
+                          <a:effectLst/>
+                          <a:latin typeface="Calibri" panose="020F0502020204030204" pitchFamily="34" charset="0"/>
+                        </a:rPr>
+                        <a:t>21</a:t>
+                      </a:r>
+                    </a:p>
+                  </a:txBody>
+                  <a:tcPr marL="6350" marR="6350" marT="6350" marB="0" anchor="b">
+                    <a:lnL w="12700" cmpd="sng">
+                      <a:noFill/>
+                    </a:lnL>
+                    <a:lnR w="12700" cmpd="sng">
+                      <a:noFill/>
+                    </a:lnR>
+                    <a:lnT w="12700" cmpd="sng">
+                      <a:noFill/>
+                    </a:lnT>
+                    <a:lnB w="38100" cmpd="sng">
+                      <a:noFill/>
+                    </a:lnB>
+                    <a:lnTlToBr w="12700" cmpd="sng">
+                      <a:noFill/>
+                      <a:prstDash val="solid"/>
+                    </a:lnTlToBr>
+                    <a:lnBlToTr w="12700" cmpd="sng">
+                      <a:noFill/>
+                      <a:prstDash val="solid"/>
+                    </a:lnBlToTr>
+                    <a:noFill/>
+                  </a:tcPr>
+                </a:tc>
+                <a:tc>
+                  <a:txBody>
+                    <a:bodyPr/>
+                    <a:lstStyle/>
+                    <a:p>
+                      <a:pPr algn="ctr" fontAlgn="b"/>
+                      <a:r>
+                        <a:rPr lang="en-US" sz="1100" b="0" i="0" u="none" strike="noStrike" dirty="0">
+                          <a:solidFill>
+                            <a:srgbClr val="000000"/>
+                          </a:solidFill>
+                          <a:effectLst/>
+                          <a:latin typeface="Calibri" panose="020F0502020204030204" pitchFamily="34" charset="0"/>
+                        </a:rPr>
+                        <a:t>22</a:t>
+                      </a:r>
+                    </a:p>
+                  </a:txBody>
+                  <a:tcPr marL="6350" marR="6350" marT="6350" marB="0" anchor="b">
+                    <a:lnL w="12700" cmpd="sng">
+                      <a:noFill/>
+                    </a:lnL>
+                    <a:lnR w="12700" cmpd="sng">
+                      <a:noFill/>
+                    </a:lnR>
+                    <a:lnT w="12700" cmpd="sng">
+                      <a:noFill/>
+                    </a:lnT>
+                    <a:lnB w="38100" cmpd="sng">
+                      <a:noFill/>
+                    </a:lnB>
+                    <a:lnTlToBr w="12700" cmpd="sng">
+                      <a:noFill/>
+                      <a:prstDash val="solid"/>
+                    </a:lnTlToBr>
+                    <a:lnBlToTr w="12700" cmpd="sng">
+                      <a:noFill/>
+                      <a:prstDash val="solid"/>
+                    </a:lnBlToTr>
+                    <a:noFill/>
+                  </a:tcPr>
+                </a:tc>
+                <a:tc>
+                  <a:txBody>
+                    <a:bodyPr/>
+                    <a:lstStyle/>
+                    <a:p>
+                      <a:pPr algn="ctr" fontAlgn="b"/>
+                      <a:r>
+                        <a:rPr lang="en-US" sz="1100" b="0" i="0" u="none" strike="noStrike" dirty="0">
+                          <a:solidFill>
+                            <a:srgbClr val="000000"/>
+                          </a:solidFill>
+                          <a:effectLst/>
+                          <a:latin typeface="Calibri" panose="020F0502020204030204" pitchFamily="34" charset="0"/>
+                        </a:rPr>
+                        <a:t>23</a:t>
+                      </a:r>
+                    </a:p>
+                  </a:txBody>
+                  <a:tcPr marL="6350" marR="6350" marT="6350" marB="0" anchor="b">
+                    <a:lnL w="12700" cmpd="sng">
+                      <a:noFill/>
+                    </a:lnL>
+                    <a:lnR w="12700" cmpd="sng">
+                      <a:noFill/>
+                    </a:lnR>
+                    <a:lnT w="12700" cmpd="sng">
+                      <a:noFill/>
+                    </a:lnT>
+                    <a:lnB w="38100" cmpd="sng">
+                      <a:noFill/>
+                    </a:lnB>
+                    <a:lnTlToBr w="12700" cmpd="sng">
+                      <a:noFill/>
+                      <a:prstDash val="solid"/>
+                    </a:lnTlToBr>
+                    <a:lnBlToTr w="12700" cmpd="sng">
+                      <a:noFill/>
+                      <a:prstDash val="solid"/>
+                    </a:lnBlToTr>
+                    <a:noFill/>
+                  </a:tcPr>
+                </a:tc>
+                <a:tc>
+                  <a:txBody>
+                    <a:bodyPr/>
+                    <a:lstStyle/>
+                    <a:p>
+                      <a:pPr algn="ctr" fontAlgn="b"/>
+                      <a:r>
+                        <a:rPr lang="en-US" sz="1100" b="0" i="0" u="none" strike="noStrike" dirty="0">
+                          <a:solidFill>
+                            <a:srgbClr val="000000"/>
+                          </a:solidFill>
+                          <a:effectLst/>
+                          <a:latin typeface="Calibri" panose="020F0502020204030204" pitchFamily="34" charset="0"/>
+                        </a:rPr>
+                        <a:t>24</a:t>
+                      </a:r>
+                    </a:p>
+                  </a:txBody>
+                  <a:tcPr marL="6350" marR="6350" marT="6350" marB="0" anchor="b">
+                    <a:lnL w="12700" cmpd="sng">
+                      <a:noFill/>
+                    </a:lnL>
+                    <a:lnR w="12700" cmpd="sng">
+                      <a:noFill/>
+                    </a:lnR>
+                    <a:lnT w="12700" cmpd="sng">
+                      <a:noFill/>
+                    </a:lnT>
+                    <a:lnB w="38100" cmpd="sng">
+                      <a:noFill/>
+                    </a:lnB>
+                    <a:lnTlToBr w="12700" cmpd="sng">
+                      <a:noFill/>
+                      <a:prstDash val="solid"/>
+                    </a:lnTlToBr>
+                    <a:lnBlToTr w="12700" cmpd="sng">
+                      <a:noFill/>
+                      <a:prstDash val="solid"/>
+                    </a:lnBlToTr>
+                    <a:noFill/>
+                  </a:tcPr>
+                </a:tc>
+                <a:tc>
+                  <a:txBody>
+                    <a:bodyPr/>
+                    <a:lstStyle/>
+                    <a:p>
+                      <a:pPr algn="ctr" fontAlgn="b"/>
+                      <a:r>
+                        <a:rPr lang="en-US" sz="1100" b="0" i="0" u="none" strike="noStrike" dirty="0">
+                          <a:solidFill>
+                            <a:srgbClr val="000000"/>
+                          </a:solidFill>
+                          <a:effectLst/>
+                          <a:latin typeface="Calibri" panose="020F0502020204030204" pitchFamily="34" charset="0"/>
+                        </a:rPr>
+                        <a:t>25</a:t>
+                      </a:r>
+                    </a:p>
+                  </a:txBody>
+                  <a:tcPr marL="6350" marR="6350" marT="6350" marB="0" anchor="b">
+                    <a:lnL w="12700" cmpd="sng">
+                      <a:noFill/>
+                    </a:lnL>
+                    <a:lnR w="12700" cmpd="sng">
+                      <a:noFill/>
+                    </a:lnR>
+                    <a:lnT w="12700" cmpd="sng">
+                      <a:noFill/>
+                    </a:lnT>
+                    <a:lnB w="38100" cmpd="sng">
+                      <a:noFill/>
+                    </a:lnB>
+                    <a:lnTlToBr w="12700" cmpd="sng">
+                      <a:noFill/>
+                      <a:prstDash val="solid"/>
+                    </a:lnTlToBr>
+                    <a:lnBlToTr w="12700" cmpd="sng">
+                      <a:noFill/>
+                      <a:prstDash val="solid"/>
+                    </a:lnBlToTr>
+                    <a:noFill/>
+                  </a:tcPr>
+                </a:tc>
+                <a:tc>
+                  <a:txBody>
+                    <a:bodyPr/>
+                    <a:lstStyle/>
+                    <a:p>
+                      <a:pPr algn="ctr" fontAlgn="b"/>
+                      <a:r>
+                        <a:rPr lang="en-US" sz="1100" b="0" i="0" u="none" strike="noStrike" dirty="0">
+                          <a:solidFill>
+                            <a:srgbClr val="000000"/>
+                          </a:solidFill>
+                          <a:effectLst/>
+                          <a:latin typeface="Calibri" panose="020F0502020204030204" pitchFamily="34" charset="0"/>
+                        </a:rPr>
+                        <a:t>26</a:t>
+                      </a:r>
+                    </a:p>
+                  </a:txBody>
+                  <a:tcPr marL="6350" marR="6350" marT="6350" marB="0" anchor="b">
+                    <a:lnL w="12700" cmpd="sng">
+                      <a:noFill/>
+                    </a:lnL>
+                    <a:lnR w="12700" cmpd="sng">
+                      <a:noFill/>
+                    </a:lnR>
+                    <a:lnT w="12700" cmpd="sng">
+                      <a:noFill/>
+                    </a:lnT>
+                    <a:lnB w="38100" cmpd="sng">
+                      <a:noFill/>
+                    </a:lnB>
+                    <a:lnTlToBr w="12700" cmpd="sng">
+                      <a:noFill/>
+                      <a:prstDash val="solid"/>
+                    </a:lnTlToBr>
+                    <a:lnBlToTr w="12700" cmpd="sng">
+                      <a:noFill/>
+                      <a:prstDash val="solid"/>
+                    </a:lnBlToTr>
+                    <a:noFill/>
+                  </a:tcPr>
+                </a:tc>
+                <a:tc>
+                  <a:txBody>
+                    <a:bodyPr/>
+                    <a:lstStyle/>
+                    <a:p>
+                      <a:pPr algn="ctr" fontAlgn="b"/>
+                      <a:r>
+                        <a:rPr lang="en-US" sz="1100" b="0" i="0" u="none" strike="noStrike" dirty="0">
+                          <a:solidFill>
+                            <a:srgbClr val="000000"/>
+                          </a:solidFill>
+                          <a:effectLst/>
+                          <a:latin typeface="Calibri" panose="020F0502020204030204" pitchFamily="34" charset="0"/>
+                        </a:rPr>
+                        <a:t>27</a:t>
+                      </a:r>
+                    </a:p>
+                  </a:txBody>
+                  <a:tcPr marL="6350" marR="6350" marT="6350" marB="0" anchor="b">
+                    <a:lnL w="12700" cmpd="sng">
+                      <a:noFill/>
+                    </a:lnL>
+                    <a:lnR w="12700" cmpd="sng">
+                      <a:noFill/>
+                    </a:lnR>
+                    <a:lnT w="12700" cmpd="sng">
+                      <a:noFill/>
+                    </a:lnT>
+                    <a:lnB w="38100" cmpd="sng">
+                      <a:noFill/>
+                    </a:lnB>
+                    <a:lnTlToBr w="12700" cmpd="sng">
+                      <a:noFill/>
+                      <a:prstDash val="solid"/>
+                    </a:lnTlToBr>
+                    <a:lnBlToTr w="12700" cmpd="sng">
+                      <a:noFill/>
+                      <a:prstDash val="solid"/>
+                    </a:lnBlToTr>
+                    <a:noFill/>
+                  </a:tcPr>
+                </a:tc>
+                <a:tc>
+                  <a:txBody>
+                    <a:bodyPr/>
+                    <a:lstStyle/>
+                    <a:p>
+                      <a:pPr algn="ctr" fontAlgn="b"/>
+                      <a:r>
+                        <a:rPr lang="en-US" sz="1100" b="0" i="0" u="none" strike="noStrike" dirty="0">
+                          <a:solidFill>
+                            <a:srgbClr val="000000"/>
+                          </a:solidFill>
+                          <a:effectLst/>
+                          <a:latin typeface="Calibri" panose="020F0502020204030204" pitchFamily="34" charset="0"/>
+                        </a:rPr>
+                        <a:t>28</a:t>
+                      </a:r>
+                    </a:p>
+                  </a:txBody>
+                  <a:tcPr marL="6350" marR="6350" marT="6350" marB="0" anchor="b">
+                    <a:lnL w="12700" cmpd="sng">
+                      <a:noFill/>
+                    </a:lnL>
+                    <a:lnR w="12700" cmpd="sng">
+                      <a:noFill/>
+                    </a:lnR>
+                    <a:lnT w="12700" cmpd="sng">
+                      <a:noFill/>
+                    </a:lnT>
+                    <a:lnB w="38100" cmpd="sng">
+                      <a:noFill/>
+                    </a:lnB>
+                    <a:lnTlToBr w="12700" cmpd="sng">
+                      <a:noFill/>
+                      <a:prstDash val="solid"/>
+                    </a:lnTlToBr>
+                    <a:lnBlToTr w="12700" cmpd="sng">
+                      <a:noFill/>
+                      <a:prstDash val="solid"/>
+                    </a:lnBlToTr>
+                    <a:noFill/>
+                  </a:tcPr>
+                </a:tc>
+                <a:tc>
+                  <a:txBody>
+                    <a:bodyPr/>
+                    <a:lstStyle/>
+                    <a:p>
+                      <a:pPr algn="ctr" fontAlgn="b"/>
+                      <a:r>
+                        <a:rPr lang="en-US" sz="1100" b="0" i="0" u="none" strike="noStrike" dirty="0">
+                          <a:solidFill>
+                            <a:srgbClr val="000000"/>
+                          </a:solidFill>
+                          <a:effectLst/>
+                          <a:latin typeface="Calibri" panose="020F0502020204030204" pitchFamily="34" charset="0"/>
+                        </a:rPr>
+                        <a:t>29</a:t>
+                      </a:r>
+                    </a:p>
+                  </a:txBody>
+                  <a:tcPr marL="6350" marR="6350" marT="6350" marB="0" anchor="b">
+                    <a:lnL w="12700" cmpd="sng">
+                      <a:noFill/>
+                    </a:lnL>
+                    <a:lnR w="12700" cmpd="sng">
+                      <a:noFill/>
+                    </a:lnR>
+                    <a:lnT w="12700" cmpd="sng">
+                      <a:noFill/>
+                    </a:lnT>
+                    <a:lnB w="38100" cmpd="sng">
+                      <a:noFill/>
+                    </a:lnB>
+                    <a:lnTlToBr w="12700" cmpd="sng">
+                      <a:noFill/>
+                      <a:prstDash val="solid"/>
+                    </a:lnTlToBr>
+                    <a:lnBlToTr w="12700" cmpd="sng">
+                      <a:noFill/>
+                      <a:prstDash val="solid"/>
+                    </a:lnBlToTr>
+                    <a:noFill/>
+                  </a:tcPr>
+                </a:tc>
+                <a:tc>
+                  <a:txBody>
+                    <a:bodyPr/>
+                    <a:lstStyle/>
+                    <a:p>
+                      <a:pPr algn="ctr" fontAlgn="b"/>
+                      <a:r>
+                        <a:rPr lang="en-US" sz="1100" b="0" i="0" u="none" strike="noStrike" dirty="0">
+                          <a:solidFill>
+                            <a:srgbClr val="000000"/>
+                          </a:solidFill>
+                          <a:effectLst/>
+                          <a:latin typeface="Calibri" panose="020F0502020204030204" pitchFamily="34" charset="0"/>
+                        </a:rPr>
+                        <a:t>30</a:t>
+                      </a:r>
+                    </a:p>
+                  </a:txBody>
+                  <a:tcPr marL="6350" marR="6350" marT="6350" marB="0" anchor="b">
+                    <a:lnL w="12700" cmpd="sng">
+                      <a:noFill/>
+                    </a:lnL>
+                    <a:lnR w="12700" cmpd="sng">
+                      <a:noFill/>
+                    </a:lnR>
+                    <a:lnT w="12700" cmpd="sng">
+                      <a:noFill/>
+                    </a:lnT>
+                    <a:lnB w="38100" cmpd="sng">
+                      <a:noFill/>
+                    </a:lnB>
+                    <a:lnTlToBr w="12700" cmpd="sng">
+                      <a:noFill/>
+                      <a:prstDash val="solid"/>
+                    </a:lnTlToBr>
+                    <a:lnBlToTr w="12700" cmpd="sng">
+                      <a:noFill/>
+                      <a:prstDash val="solid"/>
+                    </a:lnBlToTr>
+                    <a:noFill/>
+                  </a:tcPr>
+                </a:tc>
+                <a:extLst>
+                  <a:ext uri="{0D108BD9-81ED-4DB2-BD59-A6C34878D82A}">
+                    <a16:rowId xmlns:a16="http://schemas.microsoft.com/office/drawing/2014/main" val="2499624214"/>
+                  </a:ext>
+                </a:extLst>
+              </a:tr>
+            </a:tbl>
+          </a:graphicData>
+        </a:graphic>
+      </p:graphicFrame>
+      <p:grpSp>
+        <p:nvGrpSpPr>
+          <p:cNvPr id="2" name="组合 1">
+            <a:extLst>
+              <a:ext uri="{FF2B5EF4-FFF2-40B4-BE49-F238E27FC236}">
+                <a16:creationId xmlns:a16="http://schemas.microsoft.com/office/drawing/2014/main" id="{048E7619-C5AA-4D98-978C-105D4310291E}"/>
+              </a:ext>
+            </a:extLst>
+          </p:cNvPr>
+          <p:cNvGrpSpPr/>
+          <p:nvPr/>
+        </p:nvGrpSpPr>
+        <p:grpSpPr>
+          <a:xfrm>
+            <a:off x="2241550" y="2481207"/>
+            <a:ext cx="5200650" cy="412197"/>
+            <a:chOff x="2241550" y="2481207"/>
+            <a:chExt cx="5200650" cy="412197"/>
+          </a:xfrm>
+        </p:grpSpPr>
+        <p:cxnSp>
+          <p:nvCxnSpPr>
+            <p:cNvPr id="4" name="Straight Connector 123">
+              <a:extLst>
+                <a:ext uri="{FF2B5EF4-FFF2-40B4-BE49-F238E27FC236}">
+                  <a16:creationId xmlns:a16="http://schemas.microsoft.com/office/drawing/2014/main" id="{A9740FF5-9222-4D2B-AF46-C562389A65B7}"/>
+                </a:ext>
+              </a:extLst>
+            </p:cNvPr>
+            <p:cNvCxnSpPr>
+              <a:cxnSpLocks/>
+            </p:cNvCxnSpPr>
+            <p:nvPr/>
+          </p:nvCxnSpPr>
+          <p:spPr>
+            <a:xfrm flipV="1">
+              <a:off x="2241550" y="2551964"/>
+              <a:ext cx="5200650" cy="6350"/>
+            </a:xfrm>
+            <a:prstGeom prst="line">
+              <a:avLst/>
+            </a:prstGeom>
+          </p:spPr>
+          <p:style>
+            <a:lnRef idx="1">
+              <a:schemeClr val="accent1"/>
+            </a:lnRef>
+            <a:fillRef idx="0">
+              <a:schemeClr val="accent1"/>
+            </a:fillRef>
+            <a:effectRef idx="0">
+              <a:schemeClr val="accent1"/>
+            </a:effectRef>
+            <a:fontRef idx="minor">
+              <a:schemeClr val="tx1"/>
+            </a:fontRef>
+          </p:style>
+        </p:cxnSp>
+        <p:sp>
+          <p:nvSpPr>
+            <p:cNvPr id="5" name="Oval 86">
+              <a:extLst>
+                <a:ext uri="{FF2B5EF4-FFF2-40B4-BE49-F238E27FC236}">
+                  <a16:creationId xmlns:a16="http://schemas.microsoft.com/office/drawing/2014/main" id="{00EBCFAA-57F9-4A7C-92BF-4CB4EB17566A}"/>
+                </a:ext>
+              </a:extLst>
+            </p:cNvPr>
+            <p:cNvSpPr/>
+            <p:nvPr/>
+          </p:nvSpPr>
+          <p:spPr>
+            <a:xfrm>
+              <a:off x="5585282" y="2481207"/>
+              <a:ext cx="141515" cy="141515"/>
+            </a:xfrm>
+            <a:prstGeom prst="ellipse">
+              <a:avLst/>
+            </a:prstGeom>
+            <a:solidFill>
+              <a:schemeClr val="accent1"/>
+            </a:solidFill>
+          </p:spPr>
+          <p:style>
+            <a:lnRef idx="2">
+              <a:schemeClr val="accent1">
+                <a:shade val="50000"/>
+              </a:schemeClr>
+            </a:lnRef>
+            <a:fillRef idx="1">
+              <a:schemeClr val="accent1"/>
+            </a:fillRef>
+            <a:effectRef idx="0">
+              <a:schemeClr val="accent1"/>
+            </a:effectRef>
+            <a:fontRef idx="minor">
+              <a:schemeClr val="lt1"/>
+            </a:fontRef>
+          </p:style>
+          <p:txBody>
+            <a:bodyPr rtlCol="0" anchor="ctr"/>
+            <a:lstStyle/>
+            <a:p>
+              <a:pPr algn="ctr"/>
+              <a:endParaRPr lang="en-US"/>
+            </a:p>
+          </p:txBody>
+        </p:sp>
+        <p:sp>
+          <p:nvSpPr>
+            <p:cNvPr id="6" name="Oval 87">
+              <a:extLst>
+                <a:ext uri="{FF2B5EF4-FFF2-40B4-BE49-F238E27FC236}">
+                  <a16:creationId xmlns:a16="http://schemas.microsoft.com/office/drawing/2014/main" id="{42BE4035-E6A2-4D05-A50B-D254752248FC}"/>
+                </a:ext>
+              </a:extLst>
+            </p:cNvPr>
+            <p:cNvSpPr/>
+            <p:nvPr/>
+          </p:nvSpPr>
+          <p:spPr>
+            <a:xfrm>
+              <a:off x="5356293" y="2481207"/>
+              <a:ext cx="141515" cy="141515"/>
+            </a:xfrm>
+            <a:prstGeom prst="ellipse">
+              <a:avLst/>
+            </a:prstGeom>
+            <a:solidFill>
+              <a:schemeClr val="accent1"/>
+            </a:solidFill>
+          </p:spPr>
+          <p:style>
+            <a:lnRef idx="2">
+              <a:schemeClr val="accent1">
+                <a:shade val="50000"/>
+              </a:schemeClr>
+            </a:lnRef>
+            <a:fillRef idx="1">
+              <a:schemeClr val="accent1"/>
+            </a:fillRef>
+            <a:effectRef idx="0">
+              <a:schemeClr val="accent1"/>
+            </a:effectRef>
+            <a:fontRef idx="minor">
+              <a:schemeClr val="lt1"/>
+            </a:fontRef>
+          </p:style>
+          <p:txBody>
+            <a:bodyPr rtlCol="0" anchor="ctr"/>
+            <a:lstStyle/>
+            <a:p>
+              <a:pPr algn="ctr"/>
+              <a:endParaRPr lang="en-US"/>
+            </a:p>
+          </p:txBody>
+        </p:sp>
+        <p:sp>
+          <p:nvSpPr>
+            <p:cNvPr id="7" name="Oval 88">
+              <a:extLst>
+                <a:ext uri="{FF2B5EF4-FFF2-40B4-BE49-F238E27FC236}">
+                  <a16:creationId xmlns:a16="http://schemas.microsoft.com/office/drawing/2014/main" id="{C8EBE036-E12A-43F1-8426-282FC444C7D5}"/>
+                </a:ext>
+              </a:extLst>
+            </p:cNvPr>
+            <p:cNvSpPr/>
+            <p:nvPr/>
+          </p:nvSpPr>
+          <p:spPr>
+            <a:xfrm>
+              <a:off x="5127304" y="2481207"/>
+              <a:ext cx="141515" cy="141515"/>
+            </a:xfrm>
+            <a:prstGeom prst="ellipse">
+              <a:avLst/>
+            </a:prstGeom>
+            <a:solidFill>
+              <a:schemeClr val="accent1"/>
+            </a:solidFill>
+          </p:spPr>
+          <p:style>
+            <a:lnRef idx="2">
+              <a:schemeClr val="accent1">
+                <a:shade val="50000"/>
+              </a:schemeClr>
+            </a:lnRef>
+            <a:fillRef idx="1">
+              <a:schemeClr val="accent1"/>
+            </a:fillRef>
+            <a:effectRef idx="0">
+              <a:schemeClr val="accent1"/>
+            </a:effectRef>
+            <a:fontRef idx="minor">
+              <a:schemeClr val="lt1"/>
+            </a:fontRef>
+          </p:style>
+          <p:txBody>
+            <a:bodyPr rtlCol="0" anchor="ctr"/>
+            <a:lstStyle/>
+            <a:p>
+              <a:pPr algn="ctr"/>
+              <a:endParaRPr lang="en-US"/>
+            </a:p>
+          </p:txBody>
+        </p:sp>
+        <p:sp>
+          <p:nvSpPr>
+            <p:cNvPr id="8" name="Oval 90">
+              <a:extLst>
+                <a:ext uri="{FF2B5EF4-FFF2-40B4-BE49-F238E27FC236}">
+                  <a16:creationId xmlns:a16="http://schemas.microsoft.com/office/drawing/2014/main" id="{AFBA437D-9ECA-4EBB-A2C6-653D0C302333}"/>
+                </a:ext>
+              </a:extLst>
+            </p:cNvPr>
+            <p:cNvSpPr/>
+            <p:nvPr/>
+          </p:nvSpPr>
+          <p:spPr>
+            <a:xfrm>
+              <a:off x="4211348" y="2481207"/>
+              <a:ext cx="141515" cy="141515"/>
+            </a:xfrm>
+            <a:prstGeom prst="ellipse">
+              <a:avLst/>
+            </a:prstGeom>
+          </p:spPr>
+          <p:style>
+            <a:lnRef idx="2">
+              <a:schemeClr val="accent1">
+                <a:shade val="50000"/>
+              </a:schemeClr>
+            </a:lnRef>
+            <a:fillRef idx="1">
+              <a:schemeClr val="accent1"/>
+            </a:fillRef>
+            <a:effectRef idx="0">
+              <a:schemeClr val="accent1"/>
+            </a:effectRef>
+            <a:fontRef idx="minor">
+              <a:schemeClr val="lt1"/>
+            </a:fontRef>
+          </p:style>
+          <p:txBody>
+            <a:bodyPr rtlCol="0" anchor="ctr"/>
+            <a:lstStyle/>
+            <a:p>
+              <a:pPr algn="ctr"/>
+              <a:endParaRPr lang="en-US"/>
+            </a:p>
+          </p:txBody>
+        </p:sp>
+        <p:sp>
+          <p:nvSpPr>
+            <p:cNvPr id="9" name="Oval 91">
+              <a:extLst>
+                <a:ext uri="{FF2B5EF4-FFF2-40B4-BE49-F238E27FC236}">
+                  <a16:creationId xmlns:a16="http://schemas.microsoft.com/office/drawing/2014/main" id="{093EE04B-B805-4413-9472-32B6FD675844}"/>
+                </a:ext>
+              </a:extLst>
+            </p:cNvPr>
+            <p:cNvSpPr/>
+            <p:nvPr/>
+          </p:nvSpPr>
+          <p:spPr>
+            <a:xfrm>
+              <a:off x="3982359" y="2481207"/>
+              <a:ext cx="141515" cy="141515"/>
+            </a:xfrm>
+            <a:prstGeom prst="ellipse">
+              <a:avLst/>
+            </a:prstGeom>
+          </p:spPr>
+          <p:style>
+            <a:lnRef idx="2">
+              <a:schemeClr val="accent1">
+                <a:shade val="50000"/>
+              </a:schemeClr>
+            </a:lnRef>
+            <a:fillRef idx="1">
+              <a:schemeClr val="accent1"/>
+            </a:fillRef>
+            <a:effectRef idx="0">
+              <a:schemeClr val="accent1"/>
+            </a:effectRef>
+            <a:fontRef idx="minor">
+              <a:schemeClr val="lt1"/>
+            </a:fontRef>
+          </p:style>
+          <p:txBody>
+            <a:bodyPr rtlCol="0" anchor="ctr"/>
+            <a:lstStyle/>
+            <a:p>
+              <a:pPr algn="ctr"/>
+              <a:endParaRPr lang="en-US"/>
+            </a:p>
+          </p:txBody>
+        </p:sp>
+        <p:sp>
+          <p:nvSpPr>
+            <p:cNvPr id="10" name="Oval 92">
+              <a:extLst>
+                <a:ext uri="{FF2B5EF4-FFF2-40B4-BE49-F238E27FC236}">
+                  <a16:creationId xmlns:a16="http://schemas.microsoft.com/office/drawing/2014/main" id="{6ACF559B-9E1F-448B-806C-B5ABA54B9EAF}"/>
+                </a:ext>
+              </a:extLst>
+            </p:cNvPr>
+            <p:cNvSpPr/>
+            <p:nvPr/>
+          </p:nvSpPr>
+          <p:spPr>
+            <a:xfrm>
+              <a:off x="3753370" y="2481207"/>
+              <a:ext cx="141515" cy="141515"/>
+            </a:xfrm>
+            <a:prstGeom prst="ellipse">
+              <a:avLst/>
+            </a:prstGeom>
+          </p:spPr>
+          <p:style>
+            <a:lnRef idx="2">
+              <a:schemeClr val="accent1">
+                <a:shade val="50000"/>
+              </a:schemeClr>
+            </a:lnRef>
+            <a:fillRef idx="1">
+              <a:schemeClr val="accent1"/>
+            </a:fillRef>
+            <a:effectRef idx="0">
+              <a:schemeClr val="accent1"/>
+            </a:effectRef>
+            <a:fontRef idx="minor">
+              <a:schemeClr val="lt1"/>
+            </a:fontRef>
+          </p:style>
+          <p:txBody>
+            <a:bodyPr rtlCol="0" anchor="ctr"/>
+            <a:lstStyle/>
+            <a:p>
+              <a:pPr algn="ctr"/>
+              <a:endParaRPr lang="en-US"/>
+            </a:p>
+          </p:txBody>
+        </p:sp>
+        <p:sp>
+          <p:nvSpPr>
+            <p:cNvPr id="11" name="Oval 95">
+              <a:extLst>
+                <a:ext uri="{FF2B5EF4-FFF2-40B4-BE49-F238E27FC236}">
+                  <a16:creationId xmlns:a16="http://schemas.microsoft.com/office/drawing/2014/main" id="{5B78B6B6-173A-4992-9D97-FCEA01BC945F}"/>
+                </a:ext>
+              </a:extLst>
+            </p:cNvPr>
+            <p:cNvSpPr/>
+            <p:nvPr/>
+          </p:nvSpPr>
+          <p:spPr>
+            <a:xfrm>
+              <a:off x="6043260" y="2481207"/>
+              <a:ext cx="141515" cy="141515"/>
+            </a:xfrm>
+            <a:prstGeom prst="ellipse">
+              <a:avLst/>
+            </a:prstGeom>
+            <a:solidFill>
+              <a:schemeClr val="accent1"/>
+            </a:solidFill>
+          </p:spPr>
+          <p:style>
+            <a:lnRef idx="2">
+              <a:schemeClr val="accent1">
+                <a:shade val="50000"/>
+              </a:schemeClr>
+            </a:lnRef>
+            <a:fillRef idx="1">
+              <a:schemeClr val="accent1"/>
+            </a:fillRef>
+            <a:effectRef idx="0">
+              <a:schemeClr val="accent1"/>
+            </a:effectRef>
+            <a:fontRef idx="minor">
+              <a:schemeClr val="lt1"/>
+            </a:fontRef>
+          </p:style>
+          <p:txBody>
+            <a:bodyPr rtlCol="0" anchor="ctr"/>
+            <a:lstStyle/>
+            <a:p>
+              <a:pPr algn="ctr"/>
+              <a:endParaRPr lang="en-US"/>
+            </a:p>
+          </p:txBody>
+        </p:sp>
+        <p:sp>
+          <p:nvSpPr>
+            <p:cNvPr id="12" name="Oval 96">
+              <a:extLst>
+                <a:ext uri="{FF2B5EF4-FFF2-40B4-BE49-F238E27FC236}">
+                  <a16:creationId xmlns:a16="http://schemas.microsoft.com/office/drawing/2014/main" id="{753FEA88-51A4-455D-8492-953BE4D83CD1}"/>
+                </a:ext>
+              </a:extLst>
+            </p:cNvPr>
+            <p:cNvSpPr/>
+            <p:nvPr/>
+          </p:nvSpPr>
+          <p:spPr>
+            <a:xfrm>
+              <a:off x="5814271" y="2481207"/>
+              <a:ext cx="141515" cy="141515"/>
+            </a:xfrm>
+            <a:prstGeom prst="ellipse">
+              <a:avLst/>
+            </a:prstGeom>
+          </p:spPr>
+          <p:style>
+            <a:lnRef idx="2">
+              <a:schemeClr val="accent1">
+                <a:shade val="50000"/>
+              </a:schemeClr>
+            </a:lnRef>
+            <a:fillRef idx="1">
+              <a:schemeClr val="accent1"/>
+            </a:fillRef>
+            <a:effectRef idx="0">
+              <a:schemeClr val="accent1"/>
+            </a:effectRef>
+            <a:fontRef idx="minor">
+              <a:schemeClr val="lt1"/>
+            </a:fontRef>
+          </p:style>
+          <p:txBody>
+            <a:bodyPr rtlCol="0" anchor="ctr"/>
+            <a:lstStyle/>
+            <a:p>
+              <a:pPr algn="ctr"/>
+              <a:endParaRPr lang="en-US"/>
+            </a:p>
+          </p:txBody>
+        </p:sp>
+        <p:sp>
+          <p:nvSpPr>
+            <p:cNvPr id="13" name="Oval 106">
+              <a:extLst>
+                <a:ext uri="{FF2B5EF4-FFF2-40B4-BE49-F238E27FC236}">
+                  <a16:creationId xmlns:a16="http://schemas.microsoft.com/office/drawing/2014/main" id="{FFA4BD5A-F224-4143-A93D-2E7ED7F7851D}"/>
+                </a:ext>
+              </a:extLst>
+            </p:cNvPr>
+            <p:cNvSpPr/>
+            <p:nvPr/>
+          </p:nvSpPr>
+          <p:spPr>
+            <a:xfrm>
+              <a:off x="4898315" y="2481207"/>
+              <a:ext cx="141515" cy="141515"/>
+            </a:xfrm>
+            <a:prstGeom prst="ellipse">
+              <a:avLst/>
+            </a:prstGeom>
+            <a:solidFill>
+              <a:schemeClr val="accent1"/>
+            </a:solidFill>
+          </p:spPr>
+          <p:style>
+            <a:lnRef idx="2">
+              <a:schemeClr val="accent1">
+                <a:shade val="50000"/>
+              </a:schemeClr>
+            </a:lnRef>
+            <a:fillRef idx="1">
+              <a:schemeClr val="accent1"/>
+            </a:fillRef>
+            <a:effectRef idx="0">
+              <a:schemeClr val="accent1"/>
+            </a:effectRef>
+            <a:fontRef idx="minor">
+              <a:schemeClr val="lt1"/>
+            </a:fontRef>
+          </p:style>
+          <p:txBody>
+            <a:bodyPr rtlCol="0" anchor="ctr"/>
+            <a:lstStyle/>
+            <a:p>
+              <a:pPr algn="ctr"/>
+              <a:endParaRPr lang="en-US"/>
+            </a:p>
+          </p:txBody>
+        </p:sp>
+        <p:sp>
+          <p:nvSpPr>
+            <p:cNvPr id="14" name="Oval 107">
+              <a:extLst>
+                <a:ext uri="{FF2B5EF4-FFF2-40B4-BE49-F238E27FC236}">
+                  <a16:creationId xmlns:a16="http://schemas.microsoft.com/office/drawing/2014/main" id="{8F8FA390-CF63-4C6A-A5CC-9BD98157593D}"/>
+                </a:ext>
+              </a:extLst>
+            </p:cNvPr>
+            <p:cNvSpPr/>
+            <p:nvPr/>
+          </p:nvSpPr>
+          <p:spPr>
+            <a:xfrm>
+              <a:off x="4669326" y="2481207"/>
+              <a:ext cx="141515" cy="141515"/>
+            </a:xfrm>
+            <a:prstGeom prst="ellipse">
+              <a:avLst/>
+            </a:prstGeom>
+            <a:solidFill>
+              <a:schemeClr val="accent1"/>
+            </a:solidFill>
+          </p:spPr>
+          <p:style>
+            <a:lnRef idx="2">
+              <a:schemeClr val="accent1">
+                <a:shade val="50000"/>
+              </a:schemeClr>
+            </a:lnRef>
+            <a:fillRef idx="1">
+              <a:schemeClr val="accent1"/>
+            </a:fillRef>
+            <a:effectRef idx="0">
+              <a:schemeClr val="accent1"/>
+            </a:effectRef>
+            <a:fontRef idx="minor">
+              <a:schemeClr val="lt1"/>
+            </a:fontRef>
+          </p:style>
+          <p:txBody>
+            <a:bodyPr rtlCol="0" anchor="ctr"/>
+            <a:lstStyle/>
+            <a:p>
+              <a:pPr algn="ctr"/>
+              <a:endParaRPr lang="en-US">
+                <a:solidFill>
+                  <a:schemeClr val="tx1"/>
+                </a:solidFill>
+              </a:endParaRPr>
+            </a:p>
+          </p:txBody>
+        </p:sp>
+        <p:sp>
+          <p:nvSpPr>
+            <p:cNvPr id="15" name="Oval 108">
+              <a:extLst>
+                <a:ext uri="{FF2B5EF4-FFF2-40B4-BE49-F238E27FC236}">
+                  <a16:creationId xmlns:a16="http://schemas.microsoft.com/office/drawing/2014/main" id="{CC6FF3F7-7A90-44ED-99BA-B64496B15456}"/>
+                </a:ext>
+              </a:extLst>
+            </p:cNvPr>
+            <p:cNvSpPr/>
+            <p:nvPr/>
+          </p:nvSpPr>
+          <p:spPr>
+            <a:xfrm>
+              <a:off x="4440337" y="2481207"/>
+              <a:ext cx="141515" cy="141515"/>
+            </a:xfrm>
+            <a:prstGeom prst="ellipse">
+              <a:avLst/>
+            </a:prstGeom>
+          </p:spPr>
+          <p:style>
+            <a:lnRef idx="2">
+              <a:schemeClr val="accent1">
+                <a:shade val="50000"/>
+              </a:schemeClr>
+            </a:lnRef>
+            <a:fillRef idx="1">
+              <a:schemeClr val="accent1"/>
+            </a:fillRef>
+            <a:effectRef idx="0">
+              <a:schemeClr val="accent1"/>
+            </a:effectRef>
+            <a:fontRef idx="minor">
+              <a:schemeClr val="lt1"/>
+            </a:fontRef>
+          </p:style>
+          <p:txBody>
+            <a:bodyPr rtlCol="0" anchor="ctr"/>
+            <a:lstStyle/>
+            <a:p>
+              <a:pPr algn="ctr"/>
+              <a:endParaRPr lang="en-US"/>
+            </a:p>
+          </p:txBody>
+        </p:sp>
+        <p:sp>
+          <p:nvSpPr>
+            <p:cNvPr id="16" name="Oval 126">
+              <a:extLst>
+                <a:ext uri="{FF2B5EF4-FFF2-40B4-BE49-F238E27FC236}">
+                  <a16:creationId xmlns:a16="http://schemas.microsoft.com/office/drawing/2014/main" id="{394BF462-3E75-4A15-B2C7-C674B39945F0}"/>
+                </a:ext>
+              </a:extLst>
+            </p:cNvPr>
+            <p:cNvSpPr/>
+            <p:nvPr/>
+          </p:nvSpPr>
+          <p:spPr>
+            <a:xfrm>
+              <a:off x="6272249" y="2481207"/>
+              <a:ext cx="141515" cy="141515"/>
+            </a:xfrm>
+            <a:prstGeom prst="ellipse">
+              <a:avLst/>
+            </a:prstGeom>
+            <a:solidFill>
+              <a:schemeClr val="accent1"/>
+            </a:solidFill>
+          </p:spPr>
+          <p:style>
+            <a:lnRef idx="2">
+              <a:schemeClr val="accent1">
+                <a:shade val="50000"/>
+              </a:schemeClr>
+            </a:lnRef>
+            <a:fillRef idx="1">
+              <a:schemeClr val="accent1"/>
+            </a:fillRef>
+            <a:effectRef idx="0">
+              <a:schemeClr val="accent1"/>
+            </a:effectRef>
+            <a:fontRef idx="minor">
+              <a:schemeClr val="lt1"/>
+            </a:fontRef>
+          </p:style>
+          <p:txBody>
+            <a:bodyPr rtlCol="0" anchor="ctr"/>
+            <a:lstStyle/>
+            <a:p>
+              <a:pPr algn="ctr"/>
+              <a:endParaRPr lang="en-US"/>
+            </a:p>
+          </p:txBody>
+        </p:sp>
+        <p:sp>
+          <p:nvSpPr>
+            <p:cNvPr id="17" name="Oval 128">
+              <a:extLst>
+                <a:ext uri="{FF2B5EF4-FFF2-40B4-BE49-F238E27FC236}">
+                  <a16:creationId xmlns:a16="http://schemas.microsoft.com/office/drawing/2014/main" id="{B64DE6AE-F919-4A92-87B2-2A9B6211A561}"/>
+                </a:ext>
+              </a:extLst>
+            </p:cNvPr>
+            <p:cNvSpPr/>
+            <p:nvPr/>
+          </p:nvSpPr>
+          <p:spPr>
+            <a:xfrm>
+              <a:off x="6501238" y="2481207"/>
+              <a:ext cx="141515" cy="141515"/>
+            </a:xfrm>
+            <a:prstGeom prst="ellipse">
+              <a:avLst/>
+            </a:prstGeom>
+            <a:solidFill>
+              <a:schemeClr val="accent1"/>
+            </a:solidFill>
+          </p:spPr>
+          <p:style>
+            <a:lnRef idx="2">
+              <a:schemeClr val="accent1">
+                <a:shade val="50000"/>
+              </a:schemeClr>
+            </a:lnRef>
+            <a:fillRef idx="1">
+              <a:schemeClr val="accent1"/>
+            </a:fillRef>
+            <a:effectRef idx="0">
+              <a:schemeClr val="accent1"/>
+            </a:effectRef>
+            <a:fontRef idx="minor">
+              <a:schemeClr val="lt1"/>
+            </a:fontRef>
+          </p:style>
+          <p:txBody>
+            <a:bodyPr rtlCol="0" anchor="ctr"/>
+            <a:lstStyle/>
+            <a:p>
+              <a:pPr algn="ctr"/>
+              <a:endParaRPr lang="en-US"/>
+            </a:p>
+          </p:txBody>
+        </p:sp>
+        <p:sp>
+          <p:nvSpPr>
+            <p:cNvPr id="19" name="Oval 94">
+              <a:extLst>
+                <a:ext uri="{FF2B5EF4-FFF2-40B4-BE49-F238E27FC236}">
+                  <a16:creationId xmlns:a16="http://schemas.microsoft.com/office/drawing/2014/main" id="{8D38FE5E-FC82-4593-86BC-B536995D484C}"/>
+                </a:ext>
+              </a:extLst>
+            </p:cNvPr>
+            <p:cNvSpPr/>
+            <p:nvPr/>
+          </p:nvSpPr>
+          <p:spPr>
+            <a:xfrm>
+              <a:off x="6730227" y="2481207"/>
+              <a:ext cx="141515" cy="141515"/>
+            </a:xfrm>
+            <a:prstGeom prst="ellipse">
+              <a:avLst/>
+            </a:prstGeom>
+          </p:spPr>
+          <p:style>
+            <a:lnRef idx="2">
+              <a:schemeClr val="accent1">
+                <a:shade val="50000"/>
+              </a:schemeClr>
+            </a:lnRef>
+            <a:fillRef idx="1">
+              <a:schemeClr val="accent1"/>
+            </a:fillRef>
+            <a:effectRef idx="0">
+              <a:schemeClr val="accent1"/>
+            </a:effectRef>
+            <a:fontRef idx="minor">
+              <a:schemeClr val="lt1"/>
+            </a:fontRef>
+          </p:style>
+          <p:txBody>
+            <a:bodyPr rtlCol="0" anchor="ctr"/>
+            <a:lstStyle/>
+            <a:p>
+              <a:pPr algn="ctr"/>
+              <a:endParaRPr lang="en-US"/>
+            </a:p>
+          </p:txBody>
+        </p:sp>
+        <p:sp>
+          <p:nvSpPr>
+            <p:cNvPr id="23" name="Oval 79">
+              <a:extLst>
+                <a:ext uri="{FF2B5EF4-FFF2-40B4-BE49-F238E27FC236}">
+                  <a16:creationId xmlns:a16="http://schemas.microsoft.com/office/drawing/2014/main" id="{89CAA3CE-E79E-4220-B7D1-8965CFC28B12}"/>
+                </a:ext>
+              </a:extLst>
+            </p:cNvPr>
+            <p:cNvSpPr/>
+            <p:nvPr/>
+          </p:nvSpPr>
+          <p:spPr>
+            <a:xfrm>
+              <a:off x="6959216" y="2481207"/>
+              <a:ext cx="141515" cy="141515"/>
+            </a:xfrm>
+            <a:prstGeom prst="ellipse">
+              <a:avLst/>
+            </a:prstGeom>
+          </p:spPr>
+          <p:style>
+            <a:lnRef idx="2">
+              <a:schemeClr val="accent1">
+                <a:shade val="50000"/>
+              </a:schemeClr>
+            </a:lnRef>
+            <a:fillRef idx="1">
+              <a:schemeClr val="accent1"/>
+            </a:fillRef>
+            <a:effectRef idx="0">
+              <a:schemeClr val="accent1"/>
+            </a:effectRef>
+            <a:fontRef idx="minor">
+              <a:schemeClr val="lt1"/>
+            </a:fontRef>
+          </p:style>
+          <p:txBody>
+            <a:bodyPr rtlCol="0" anchor="ctr"/>
+            <a:lstStyle/>
+            <a:p>
+              <a:pPr algn="ctr"/>
+              <a:endParaRPr lang="en-US"/>
+            </a:p>
+          </p:txBody>
+        </p:sp>
+        <p:sp>
+          <p:nvSpPr>
+            <p:cNvPr id="26" name="Oval 120">
+              <a:extLst>
+                <a:ext uri="{FF2B5EF4-FFF2-40B4-BE49-F238E27FC236}">
+                  <a16:creationId xmlns:a16="http://schemas.microsoft.com/office/drawing/2014/main" id="{661073BE-81D7-445A-9E5A-5521B5BD3E6E}"/>
+                </a:ext>
+              </a:extLst>
+            </p:cNvPr>
+            <p:cNvSpPr/>
+            <p:nvPr/>
+          </p:nvSpPr>
+          <p:spPr>
+            <a:xfrm>
+              <a:off x="2608425" y="2481207"/>
+              <a:ext cx="141515" cy="141515"/>
+            </a:xfrm>
+            <a:prstGeom prst="ellipse">
+              <a:avLst/>
+            </a:prstGeom>
+          </p:spPr>
+          <p:style>
+            <a:lnRef idx="2">
+              <a:schemeClr val="accent1">
+                <a:shade val="50000"/>
+              </a:schemeClr>
+            </a:lnRef>
+            <a:fillRef idx="1">
+              <a:schemeClr val="accent1"/>
+            </a:fillRef>
+            <a:effectRef idx="0">
+              <a:schemeClr val="accent1"/>
+            </a:effectRef>
+            <a:fontRef idx="minor">
+              <a:schemeClr val="lt1"/>
+            </a:fontRef>
+          </p:style>
+          <p:txBody>
+            <a:bodyPr rtlCol="0" anchor="ctr"/>
+            <a:lstStyle/>
+            <a:p>
+              <a:pPr algn="ctr"/>
+              <a:endParaRPr lang="en-US"/>
+            </a:p>
+          </p:txBody>
+        </p:sp>
+        <p:sp>
+          <p:nvSpPr>
+            <p:cNvPr id="27" name="Oval 122">
+              <a:extLst>
+                <a:ext uri="{FF2B5EF4-FFF2-40B4-BE49-F238E27FC236}">
+                  <a16:creationId xmlns:a16="http://schemas.microsoft.com/office/drawing/2014/main" id="{AE1326B1-557A-4B49-92A9-DFED871039D1}"/>
+                </a:ext>
+              </a:extLst>
+            </p:cNvPr>
+            <p:cNvSpPr/>
+            <p:nvPr/>
+          </p:nvSpPr>
+          <p:spPr>
+            <a:xfrm>
+              <a:off x="3524381" y="2481207"/>
+              <a:ext cx="141515" cy="141515"/>
+            </a:xfrm>
+            <a:prstGeom prst="ellipse">
+              <a:avLst/>
+            </a:prstGeom>
+          </p:spPr>
+          <p:style>
+            <a:lnRef idx="2">
+              <a:schemeClr val="accent1">
+                <a:shade val="50000"/>
+              </a:schemeClr>
+            </a:lnRef>
+            <a:fillRef idx="1">
+              <a:schemeClr val="accent1"/>
+            </a:fillRef>
+            <a:effectRef idx="0">
+              <a:schemeClr val="accent1"/>
+            </a:effectRef>
+            <a:fontRef idx="minor">
+              <a:schemeClr val="lt1"/>
+            </a:fontRef>
+          </p:style>
+          <p:txBody>
+            <a:bodyPr rtlCol="0" anchor="ctr"/>
+            <a:lstStyle/>
+            <a:p>
+              <a:pPr algn="ctr"/>
+              <a:endParaRPr lang="en-US"/>
+            </a:p>
+          </p:txBody>
+        </p:sp>
+        <p:sp>
+          <p:nvSpPr>
+            <p:cNvPr id="28" name="Oval 124">
+              <a:extLst>
+                <a:ext uri="{FF2B5EF4-FFF2-40B4-BE49-F238E27FC236}">
+                  <a16:creationId xmlns:a16="http://schemas.microsoft.com/office/drawing/2014/main" id="{1EDB08B1-4FFF-4927-94C7-F0ACA0D8DDB4}"/>
+                </a:ext>
+              </a:extLst>
+            </p:cNvPr>
+            <p:cNvSpPr/>
+            <p:nvPr/>
+          </p:nvSpPr>
+          <p:spPr>
+            <a:xfrm>
+              <a:off x="3295392" y="2481207"/>
+              <a:ext cx="141515" cy="141515"/>
+            </a:xfrm>
+            <a:prstGeom prst="ellipse">
+              <a:avLst/>
+            </a:prstGeom>
+          </p:spPr>
+          <p:style>
+            <a:lnRef idx="2">
+              <a:schemeClr val="accent1">
+                <a:shade val="50000"/>
+              </a:schemeClr>
+            </a:lnRef>
+            <a:fillRef idx="1">
+              <a:schemeClr val="accent1"/>
+            </a:fillRef>
+            <a:effectRef idx="0">
+              <a:schemeClr val="accent1"/>
+            </a:effectRef>
+            <a:fontRef idx="minor">
+              <a:schemeClr val="lt1"/>
+            </a:fontRef>
+          </p:style>
+          <p:txBody>
+            <a:bodyPr rtlCol="0" anchor="ctr"/>
+            <a:lstStyle/>
+            <a:p>
+              <a:pPr algn="ctr"/>
+              <a:endParaRPr lang="en-US"/>
+            </a:p>
+          </p:txBody>
+        </p:sp>
+        <p:sp>
+          <p:nvSpPr>
+            <p:cNvPr id="29" name="Oval 125">
+              <a:extLst>
+                <a:ext uri="{FF2B5EF4-FFF2-40B4-BE49-F238E27FC236}">
+                  <a16:creationId xmlns:a16="http://schemas.microsoft.com/office/drawing/2014/main" id="{AC9CFAE5-AC82-4198-9E9E-C3171E9B222F}"/>
+                </a:ext>
+              </a:extLst>
+            </p:cNvPr>
+            <p:cNvSpPr/>
+            <p:nvPr/>
+          </p:nvSpPr>
+          <p:spPr>
+            <a:xfrm>
+              <a:off x="3066403" y="2481207"/>
+              <a:ext cx="141515" cy="141515"/>
+            </a:xfrm>
+            <a:prstGeom prst="ellipse">
+              <a:avLst/>
+            </a:prstGeom>
+          </p:spPr>
+          <p:style>
+            <a:lnRef idx="2">
+              <a:schemeClr val="accent1">
+                <a:shade val="50000"/>
+              </a:schemeClr>
+            </a:lnRef>
+            <a:fillRef idx="1">
+              <a:schemeClr val="accent1"/>
+            </a:fillRef>
+            <a:effectRef idx="0">
+              <a:schemeClr val="accent1"/>
+            </a:effectRef>
+            <a:fontRef idx="minor">
+              <a:schemeClr val="lt1"/>
+            </a:fontRef>
+          </p:style>
+          <p:txBody>
+            <a:bodyPr rtlCol="0" anchor="ctr"/>
+            <a:lstStyle/>
+            <a:p>
+              <a:pPr algn="ctr"/>
+              <a:endParaRPr lang="en-US"/>
+            </a:p>
+          </p:txBody>
+        </p:sp>
+        <p:sp>
+          <p:nvSpPr>
+            <p:cNvPr id="30" name="Oval 129">
+              <a:extLst>
+                <a:ext uri="{FF2B5EF4-FFF2-40B4-BE49-F238E27FC236}">
+                  <a16:creationId xmlns:a16="http://schemas.microsoft.com/office/drawing/2014/main" id="{98B7F3F0-B614-4266-B32D-98CEE0FE58F1}"/>
+                </a:ext>
+              </a:extLst>
+            </p:cNvPr>
+            <p:cNvSpPr/>
+            <p:nvPr/>
+          </p:nvSpPr>
+          <p:spPr>
+            <a:xfrm>
+              <a:off x="2837414" y="2481207"/>
+              <a:ext cx="141515" cy="141515"/>
+            </a:xfrm>
+            <a:prstGeom prst="ellipse">
+              <a:avLst/>
+            </a:prstGeom>
+          </p:spPr>
+          <p:style>
+            <a:lnRef idx="2">
+              <a:schemeClr val="accent1">
+                <a:shade val="50000"/>
+              </a:schemeClr>
+            </a:lnRef>
+            <a:fillRef idx="1">
+              <a:schemeClr val="accent1"/>
+            </a:fillRef>
+            <a:effectRef idx="0">
+              <a:schemeClr val="accent1"/>
+            </a:effectRef>
+            <a:fontRef idx="minor">
+              <a:schemeClr val="lt1"/>
+            </a:fontRef>
+          </p:style>
+          <p:txBody>
+            <a:bodyPr rtlCol="0" anchor="ctr"/>
+            <a:lstStyle/>
+            <a:p>
+              <a:pPr algn="ctr"/>
+              <a:endParaRPr lang="en-US"/>
+            </a:p>
+          </p:txBody>
+        </p:sp>
+        <p:sp>
+          <p:nvSpPr>
+            <p:cNvPr id="40" name="Pie 32">
+              <a:extLst>
+                <a:ext uri="{FF2B5EF4-FFF2-40B4-BE49-F238E27FC236}">
+                  <a16:creationId xmlns:a16="http://schemas.microsoft.com/office/drawing/2014/main" id="{C5A7FC2C-6949-4589-8A99-72BE1D90BF99}"/>
+                </a:ext>
+              </a:extLst>
+            </p:cNvPr>
+            <p:cNvSpPr/>
+            <p:nvPr/>
+          </p:nvSpPr>
+          <p:spPr>
+            <a:xfrm>
+              <a:off x="5806985" y="2730118"/>
+              <a:ext cx="163286" cy="163286"/>
+            </a:xfrm>
+            <a:prstGeom prst="pie">
+              <a:avLst/>
+            </a:prstGeom>
+          </p:spPr>
+          <p:style>
+            <a:lnRef idx="2">
+              <a:schemeClr val="accent1">
+                <a:shade val="50000"/>
+              </a:schemeClr>
+            </a:lnRef>
+            <a:fillRef idx="1">
+              <a:schemeClr val="accent1"/>
+            </a:fillRef>
+            <a:effectRef idx="0">
+              <a:schemeClr val="accent1"/>
+            </a:effectRef>
+            <a:fontRef idx="minor">
+              <a:schemeClr val="lt1"/>
+            </a:fontRef>
+          </p:style>
+          <p:txBody>
+            <a:bodyPr rtlCol="0" anchor="ctr"/>
+            <a:lstStyle/>
+            <a:p>
+              <a:pPr algn="ctr"/>
+              <a:endParaRPr lang="en-US">
+                <a:solidFill>
+                  <a:schemeClr val="tx1"/>
+                </a:solidFill>
+              </a:endParaRPr>
+            </a:p>
+          </p:txBody>
+        </p:sp>
+        <p:sp>
+          <p:nvSpPr>
+            <p:cNvPr id="42" name="Pie 31">
+              <a:extLst>
+                <a:ext uri="{FF2B5EF4-FFF2-40B4-BE49-F238E27FC236}">
+                  <a16:creationId xmlns:a16="http://schemas.microsoft.com/office/drawing/2014/main" id="{484A98C0-04A6-453B-BC96-B186056E8030}"/>
+                </a:ext>
+              </a:extLst>
+            </p:cNvPr>
+            <p:cNvSpPr/>
+            <p:nvPr/>
+          </p:nvSpPr>
+          <p:spPr>
+            <a:xfrm>
+              <a:off x="5578451" y="2730118"/>
+              <a:ext cx="163286" cy="163286"/>
+            </a:xfrm>
+            <a:prstGeom prst="pie">
+              <a:avLst/>
+            </a:prstGeom>
+          </p:spPr>
+          <p:style>
+            <a:lnRef idx="2">
+              <a:schemeClr val="accent1">
+                <a:shade val="50000"/>
+              </a:schemeClr>
+            </a:lnRef>
+            <a:fillRef idx="1">
+              <a:schemeClr val="accent1"/>
+            </a:fillRef>
+            <a:effectRef idx="0">
+              <a:schemeClr val="accent1"/>
+            </a:effectRef>
+            <a:fontRef idx="minor">
+              <a:schemeClr val="lt1"/>
+            </a:fontRef>
+          </p:style>
+          <p:txBody>
+            <a:bodyPr rtlCol="0" anchor="ctr"/>
+            <a:lstStyle/>
+            <a:p>
+              <a:pPr algn="ctr"/>
+              <a:endParaRPr lang="en-US">
+                <a:solidFill>
+                  <a:schemeClr val="tx1"/>
+                </a:solidFill>
+              </a:endParaRPr>
+            </a:p>
+          </p:txBody>
+        </p:sp>
+        <p:sp>
+          <p:nvSpPr>
+            <p:cNvPr id="45" name="Pie 89">
+              <a:extLst>
+                <a:ext uri="{FF2B5EF4-FFF2-40B4-BE49-F238E27FC236}">
+                  <a16:creationId xmlns:a16="http://schemas.microsoft.com/office/drawing/2014/main" id="{C43E90CD-F728-4D08-90C0-9D2D78D0F87D}"/>
+                </a:ext>
+              </a:extLst>
+            </p:cNvPr>
+            <p:cNvSpPr/>
+            <p:nvPr/>
+          </p:nvSpPr>
+          <p:spPr>
+            <a:xfrm>
+              <a:off x="5349913" y="2730118"/>
+              <a:ext cx="163286" cy="163286"/>
+            </a:xfrm>
+            <a:prstGeom prst="pie">
+              <a:avLst/>
+            </a:prstGeom>
+          </p:spPr>
+          <p:style>
+            <a:lnRef idx="2">
+              <a:schemeClr val="accent1">
+                <a:shade val="50000"/>
+              </a:schemeClr>
+            </a:lnRef>
+            <a:fillRef idx="1">
+              <a:schemeClr val="accent1"/>
+            </a:fillRef>
+            <a:effectRef idx="0">
+              <a:schemeClr val="accent1"/>
+            </a:effectRef>
+            <a:fontRef idx="minor">
+              <a:schemeClr val="lt1"/>
+            </a:fontRef>
+          </p:style>
+          <p:txBody>
+            <a:bodyPr rtlCol="0" anchor="ctr"/>
+            <a:lstStyle/>
+            <a:p>
+              <a:pPr algn="ctr"/>
+              <a:endParaRPr lang="en-US">
+                <a:solidFill>
+                  <a:schemeClr val="tx1"/>
+                </a:solidFill>
+              </a:endParaRPr>
+            </a:p>
+          </p:txBody>
+        </p:sp>
+        <p:sp>
+          <p:nvSpPr>
+            <p:cNvPr id="46" name="Pie 98">
+              <a:extLst>
+                <a:ext uri="{FF2B5EF4-FFF2-40B4-BE49-F238E27FC236}">
+                  <a16:creationId xmlns:a16="http://schemas.microsoft.com/office/drawing/2014/main" id="{54AC509F-508C-4DD7-9105-F459060C76C1}"/>
+                </a:ext>
+              </a:extLst>
+            </p:cNvPr>
+            <p:cNvSpPr/>
+            <p:nvPr/>
+          </p:nvSpPr>
+          <p:spPr>
+            <a:xfrm>
+              <a:off x="4892837" y="2730118"/>
+              <a:ext cx="163286" cy="163286"/>
+            </a:xfrm>
+            <a:prstGeom prst="pie">
+              <a:avLst/>
+            </a:prstGeom>
+          </p:spPr>
+          <p:style>
+            <a:lnRef idx="2">
+              <a:schemeClr val="accent1">
+                <a:shade val="50000"/>
+              </a:schemeClr>
+            </a:lnRef>
+            <a:fillRef idx="1">
+              <a:schemeClr val="accent1"/>
+            </a:fillRef>
+            <a:effectRef idx="0">
+              <a:schemeClr val="accent1"/>
+            </a:effectRef>
+            <a:fontRef idx="minor">
+              <a:schemeClr val="lt1"/>
+            </a:fontRef>
+          </p:style>
+          <p:txBody>
+            <a:bodyPr rtlCol="0" anchor="ctr"/>
+            <a:lstStyle/>
+            <a:p>
+              <a:pPr algn="ctr"/>
+              <a:endParaRPr lang="en-US">
+                <a:solidFill>
+                  <a:schemeClr val="tx1"/>
+                </a:solidFill>
+              </a:endParaRPr>
+            </a:p>
+          </p:txBody>
+        </p:sp>
+        <p:sp>
+          <p:nvSpPr>
+            <p:cNvPr id="48" name="Pie 101">
+              <a:extLst>
+                <a:ext uri="{FF2B5EF4-FFF2-40B4-BE49-F238E27FC236}">
+                  <a16:creationId xmlns:a16="http://schemas.microsoft.com/office/drawing/2014/main" id="{060D835B-C890-47E1-BE1F-59952662F30F}"/>
+                </a:ext>
+              </a:extLst>
+            </p:cNvPr>
+            <p:cNvSpPr/>
+            <p:nvPr/>
+          </p:nvSpPr>
+          <p:spPr>
+            <a:xfrm>
+              <a:off x="5121375" y="2730118"/>
+              <a:ext cx="163286" cy="163286"/>
+            </a:xfrm>
+            <a:prstGeom prst="pie">
+              <a:avLst/>
+            </a:prstGeom>
+            <a:solidFill>
+              <a:schemeClr val="accent1"/>
+            </a:solidFill>
+          </p:spPr>
+          <p:style>
+            <a:lnRef idx="2">
+              <a:schemeClr val="accent1">
+                <a:shade val="50000"/>
+              </a:schemeClr>
+            </a:lnRef>
+            <a:fillRef idx="1">
+              <a:schemeClr val="accent1"/>
+            </a:fillRef>
+            <a:effectRef idx="0">
+              <a:schemeClr val="accent1"/>
+            </a:effectRef>
+            <a:fontRef idx="minor">
+              <a:schemeClr val="lt1"/>
+            </a:fontRef>
+          </p:style>
+          <p:txBody>
+            <a:bodyPr rtlCol="0" anchor="ctr"/>
+            <a:lstStyle/>
+            <a:p>
+              <a:pPr algn="ctr"/>
+              <a:endParaRPr lang="en-US">
+                <a:solidFill>
+                  <a:schemeClr val="tx1"/>
+                </a:solidFill>
+              </a:endParaRPr>
+            </a:p>
+          </p:txBody>
+        </p:sp>
+        <p:sp>
+          <p:nvSpPr>
+            <p:cNvPr id="49" name="Pie 111">
+              <a:extLst>
+                <a:ext uri="{FF2B5EF4-FFF2-40B4-BE49-F238E27FC236}">
+                  <a16:creationId xmlns:a16="http://schemas.microsoft.com/office/drawing/2014/main" id="{5E608A5F-4C53-4511-BA51-3801C3FFF1A9}"/>
+                </a:ext>
+              </a:extLst>
+            </p:cNvPr>
+            <p:cNvSpPr/>
+            <p:nvPr/>
+          </p:nvSpPr>
+          <p:spPr>
+            <a:xfrm>
+              <a:off x="4664299" y="2730118"/>
+              <a:ext cx="163286" cy="163286"/>
+            </a:xfrm>
+            <a:prstGeom prst="pie">
+              <a:avLst/>
+            </a:prstGeom>
+            <a:solidFill>
+              <a:schemeClr val="accent1"/>
+            </a:solidFill>
+          </p:spPr>
+          <p:style>
+            <a:lnRef idx="2">
+              <a:schemeClr val="accent1">
+                <a:shade val="50000"/>
+              </a:schemeClr>
+            </a:lnRef>
+            <a:fillRef idx="1">
+              <a:schemeClr val="accent1"/>
+            </a:fillRef>
+            <a:effectRef idx="0">
+              <a:schemeClr val="accent1"/>
+            </a:effectRef>
+            <a:fontRef idx="minor">
+              <a:schemeClr val="lt1"/>
+            </a:fontRef>
+          </p:style>
+          <p:txBody>
+            <a:bodyPr rtlCol="0" anchor="ctr"/>
+            <a:lstStyle/>
+            <a:p>
+              <a:pPr algn="ctr"/>
+              <a:endParaRPr lang="en-US">
+                <a:solidFill>
+                  <a:schemeClr val="tx1"/>
+                </a:solidFill>
+              </a:endParaRPr>
+            </a:p>
+          </p:txBody>
+        </p:sp>
+        <p:sp>
+          <p:nvSpPr>
+            <p:cNvPr id="50" name="Pie 144">
+              <a:extLst>
+                <a:ext uri="{FF2B5EF4-FFF2-40B4-BE49-F238E27FC236}">
+                  <a16:creationId xmlns:a16="http://schemas.microsoft.com/office/drawing/2014/main" id="{F744A2A4-60EB-427D-8AE5-0053D3D20A5C}"/>
+                </a:ext>
+              </a:extLst>
+            </p:cNvPr>
+            <p:cNvSpPr/>
+            <p:nvPr/>
+          </p:nvSpPr>
+          <p:spPr>
+            <a:xfrm>
+              <a:off x="3978685" y="2730118"/>
+              <a:ext cx="163286" cy="163286"/>
+            </a:xfrm>
+            <a:prstGeom prst="pie">
+              <a:avLst/>
+            </a:prstGeom>
+            <a:solidFill>
+              <a:schemeClr val="accent1"/>
+            </a:solidFill>
+          </p:spPr>
+          <p:style>
+            <a:lnRef idx="2">
+              <a:schemeClr val="accent1">
+                <a:shade val="50000"/>
+              </a:schemeClr>
+            </a:lnRef>
+            <a:fillRef idx="1">
+              <a:schemeClr val="accent1"/>
+            </a:fillRef>
+            <a:effectRef idx="0">
+              <a:schemeClr val="accent1"/>
+            </a:effectRef>
+            <a:fontRef idx="minor">
+              <a:schemeClr val="lt1"/>
+            </a:fontRef>
+          </p:style>
+          <p:txBody>
+            <a:bodyPr rtlCol="0" anchor="ctr"/>
+            <a:lstStyle/>
+            <a:p>
+              <a:pPr algn="ctr"/>
+              <a:endParaRPr lang="en-US">
+                <a:solidFill>
+                  <a:schemeClr val="tx1"/>
+                </a:solidFill>
+              </a:endParaRPr>
+            </a:p>
+          </p:txBody>
+        </p:sp>
+        <p:sp>
+          <p:nvSpPr>
+            <p:cNvPr id="51" name="Pie 145">
+              <a:extLst>
+                <a:ext uri="{FF2B5EF4-FFF2-40B4-BE49-F238E27FC236}">
+                  <a16:creationId xmlns:a16="http://schemas.microsoft.com/office/drawing/2014/main" id="{FBBDEA23-DCF9-4D5E-9E08-0C1EE9AF1D3D}"/>
+                </a:ext>
+              </a:extLst>
+            </p:cNvPr>
+            <p:cNvSpPr/>
+            <p:nvPr/>
+          </p:nvSpPr>
+          <p:spPr>
+            <a:xfrm>
+              <a:off x="4207223" y="2730118"/>
+              <a:ext cx="163286" cy="163286"/>
+            </a:xfrm>
+            <a:prstGeom prst="pie">
+              <a:avLst/>
+            </a:prstGeom>
+            <a:solidFill>
+              <a:schemeClr val="accent1"/>
+            </a:solidFill>
+          </p:spPr>
+          <p:style>
+            <a:lnRef idx="2">
+              <a:schemeClr val="accent1">
+                <a:shade val="50000"/>
+              </a:schemeClr>
+            </a:lnRef>
+            <a:fillRef idx="1">
+              <a:schemeClr val="accent1"/>
+            </a:fillRef>
+            <a:effectRef idx="0">
+              <a:schemeClr val="accent1"/>
+            </a:effectRef>
+            <a:fontRef idx="minor">
+              <a:schemeClr val="lt1"/>
+            </a:fontRef>
+          </p:style>
+          <p:txBody>
+            <a:bodyPr rtlCol="0" anchor="ctr"/>
+            <a:lstStyle/>
+            <a:p>
+              <a:pPr algn="ctr"/>
+              <a:endParaRPr lang="en-US">
+                <a:solidFill>
+                  <a:schemeClr val="tx1"/>
+                </a:solidFill>
+              </a:endParaRPr>
+            </a:p>
+          </p:txBody>
+        </p:sp>
+        <p:sp>
+          <p:nvSpPr>
+            <p:cNvPr id="52" name="Pie 146">
+              <a:extLst>
+                <a:ext uri="{FF2B5EF4-FFF2-40B4-BE49-F238E27FC236}">
+                  <a16:creationId xmlns:a16="http://schemas.microsoft.com/office/drawing/2014/main" id="{EDF7D353-BF63-4E26-9726-15397E133ABA}"/>
+                </a:ext>
+              </a:extLst>
+            </p:cNvPr>
+            <p:cNvSpPr/>
+            <p:nvPr/>
+          </p:nvSpPr>
+          <p:spPr>
+            <a:xfrm>
+              <a:off x="4435761" y="2730118"/>
+              <a:ext cx="163286" cy="163286"/>
+            </a:xfrm>
+            <a:prstGeom prst="pie">
+              <a:avLst/>
+            </a:prstGeom>
+            <a:solidFill>
+              <a:schemeClr val="accent1"/>
+            </a:solidFill>
+          </p:spPr>
+          <p:style>
+            <a:lnRef idx="2">
+              <a:schemeClr val="accent1">
+                <a:shade val="50000"/>
+              </a:schemeClr>
+            </a:lnRef>
+            <a:fillRef idx="1">
+              <a:schemeClr val="accent1"/>
+            </a:fillRef>
+            <a:effectRef idx="0">
+              <a:schemeClr val="accent1"/>
+            </a:effectRef>
+            <a:fontRef idx="minor">
+              <a:schemeClr val="lt1"/>
+            </a:fontRef>
+          </p:style>
+          <p:txBody>
+            <a:bodyPr rtlCol="0" anchor="ctr"/>
+            <a:lstStyle/>
+            <a:p>
+              <a:pPr algn="ctr"/>
+              <a:endParaRPr lang="en-US">
+                <a:solidFill>
+                  <a:schemeClr val="tx1"/>
+                </a:solidFill>
+              </a:endParaRPr>
+            </a:p>
+          </p:txBody>
+        </p:sp>
+        <p:sp>
+          <p:nvSpPr>
+            <p:cNvPr id="53" name="Pie 147">
+              <a:extLst>
+                <a:ext uri="{FF2B5EF4-FFF2-40B4-BE49-F238E27FC236}">
+                  <a16:creationId xmlns:a16="http://schemas.microsoft.com/office/drawing/2014/main" id="{4B4FAB1D-297F-403A-A7EA-A2FCB54DAF47}"/>
+                </a:ext>
+              </a:extLst>
+            </p:cNvPr>
+            <p:cNvSpPr/>
+            <p:nvPr/>
+          </p:nvSpPr>
+          <p:spPr>
+            <a:xfrm>
+              <a:off x="3750147" y="2730118"/>
+              <a:ext cx="163286" cy="163286"/>
+            </a:xfrm>
+            <a:prstGeom prst="pie">
+              <a:avLst/>
+            </a:prstGeom>
+            <a:solidFill>
+              <a:schemeClr val="accent1"/>
+            </a:solidFill>
+          </p:spPr>
+          <p:style>
+            <a:lnRef idx="2">
+              <a:schemeClr val="accent1">
+                <a:shade val="50000"/>
+              </a:schemeClr>
+            </a:lnRef>
+            <a:fillRef idx="1">
+              <a:schemeClr val="accent1"/>
+            </a:fillRef>
+            <a:effectRef idx="0">
+              <a:schemeClr val="accent1"/>
+            </a:effectRef>
+            <a:fontRef idx="minor">
+              <a:schemeClr val="lt1"/>
+            </a:fontRef>
+          </p:style>
+          <p:txBody>
+            <a:bodyPr rtlCol="0" anchor="ctr"/>
+            <a:lstStyle/>
+            <a:p>
+              <a:pPr algn="ctr"/>
+              <a:endParaRPr lang="en-US">
+                <a:solidFill>
+                  <a:schemeClr val="tx1"/>
+                </a:solidFill>
+              </a:endParaRPr>
+            </a:p>
+          </p:txBody>
+        </p:sp>
+        <p:sp>
+          <p:nvSpPr>
+            <p:cNvPr id="58" name="Oval 120">
+              <a:extLst>
+                <a:ext uri="{FF2B5EF4-FFF2-40B4-BE49-F238E27FC236}">
+                  <a16:creationId xmlns:a16="http://schemas.microsoft.com/office/drawing/2014/main" id="{544D6592-9B02-4F3A-8AD6-CCAF856D50E0}"/>
+                </a:ext>
+              </a:extLst>
+            </p:cNvPr>
+            <p:cNvSpPr/>
+            <p:nvPr/>
+          </p:nvSpPr>
+          <p:spPr>
+            <a:xfrm>
+              <a:off x="2379436" y="2481207"/>
+              <a:ext cx="141515" cy="141515"/>
+            </a:xfrm>
+            <a:prstGeom prst="ellipse">
+              <a:avLst/>
+            </a:prstGeom>
+          </p:spPr>
+          <p:style>
+            <a:lnRef idx="2">
+              <a:schemeClr val="accent1">
+                <a:shade val="50000"/>
+              </a:schemeClr>
+            </a:lnRef>
+            <a:fillRef idx="1">
+              <a:schemeClr val="accent1"/>
+            </a:fillRef>
+            <a:effectRef idx="0">
+              <a:schemeClr val="accent1"/>
+            </a:effectRef>
+            <a:fontRef idx="minor">
+              <a:schemeClr val="lt1"/>
+            </a:fontRef>
+          </p:style>
+          <p:txBody>
+            <a:bodyPr rtlCol="0" anchor="ctr"/>
+            <a:lstStyle/>
+            <a:p>
+              <a:pPr algn="ctr"/>
+              <a:endParaRPr lang="en-US"/>
+            </a:p>
+          </p:txBody>
+        </p:sp>
+        <p:sp>
+          <p:nvSpPr>
+            <p:cNvPr id="63" name="Oval 79">
+              <a:extLst>
+                <a:ext uri="{FF2B5EF4-FFF2-40B4-BE49-F238E27FC236}">
+                  <a16:creationId xmlns:a16="http://schemas.microsoft.com/office/drawing/2014/main" id="{33FF4ECE-EB39-4484-B50B-A7889EE078E6}"/>
+                </a:ext>
+              </a:extLst>
+            </p:cNvPr>
+            <p:cNvSpPr/>
+            <p:nvPr/>
+          </p:nvSpPr>
+          <p:spPr>
+            <a:xfrm>
+              <a:off x="7188200" y="2481207"/>
+              <a:ext cx="141515" cy="141515"/>
+            </a:xfrm>
+            <a:prstGeom prst="ellipse">
+              <a:avLst/>
+            </a:prstGeom>
+          </p:spPr>
+          <p:style>
+            <a:lnRef idx="2">
+              <a:schemeClr val="accent1">
+                <a:shade val="50000"/>
+              </a:schemeClr>
+            </a:lnRef>
+            <a:fillRef idx="1">
+              <a:schemeClr val="accent1"/>
+            </a:fillRef>
+            <a:effectRef idx="0">
+              <a:schemeClr val="accent1"/>
+            </a:effectRef>
+            <a:fontRef idx="minor">
+              <a:schemeClr val="lt1"/>
+            </a:fontRef>
+          </p:style>
+          <p:txBody>
+            <a:bodyPr rtlCol="0" anchor="ctr"/>
+            <a:lstStyle/>
+            <a:p>
+              <a:pPr algn="ctr"/>
+              <a:endParaRPr lang="en-US"/>
+            </a:p>
+          </p:txBody>
+        </p:sp>
+      </p:grpSp>
+    </p:spTree>
+    <p:extLst>
+      <p:ext uri="{BB962C8B-B14F-4D97-AF65-F5344CB8AC3E}">
+        <p14:creationId xmlns:p14="http://schemas.microsoft.com/office/powerpoint/2010/main" val="2415744875"/>
       </p:ext>
     </p:extLst>
   </p:cSld>
